--- a/App User Behavior Segmentation Using Unsupervised Machine Learning.ppt.pptx
+++ b/App User Behavior Segmentation Using Unsupervised Machine Learning.ppt.pptx
@@ -12,8 +12,9 @@
     <p:sldId id="261" r:id="rId6"/>
     <p:sldId id="266" r:id="rId7"/>
     <p:sldId id="263" r:id="rId8"/>
-    <p:sldId id="264" r:id="rId9"/>
-    <p:sldId id="265" r:id="rId10"/>
+    <p:sldId id="267" r:id="rId9"/>
+    <p:sldId id="264" r:id="rId10"/>
+    <p:sldId id="265" r:id="rId11"/>
   </p:sldIdLst>
   <p:sldSz cx="12192000" cy="6858000"/>
   <p:notesSz cx="6858000" cy="9144000"/>
@@ -112,6 +113,11 @@
       </a:defRPr>
     </a:lvl9pPr>
   </p:defaultTextStyle>
+  <p:extLst>
+    <p:ext uri="{EFAFB233-063F-42B5-8137-9DF3F51BA10A}">
+      <p15:sldGuideLst xmlns:p15="http://schemas.microsoft.com/office/powerpoint/2012/main"/>
+    </p:ext>
+  </p:extLst>
 </p:presentation>
 </file>
 
@@ -3963,6 +3969,137 @@
 </p:sld>
 </file>
 
+<file path=ppt/slides/slide10.xml><?xml version="1.0" encoding="utf-8"?>
+<p:sld xmlns:a="http://schemas.openxmlformats.org/drawingml/2006/main" xmlns:r="http://schemas.openxmlformats.org/officeDocument/2006/relationships" xmlns:p="http://schemas.openxmlformats.org/presentationml/2006/main">
+  <p:cSld>
+    <p:spTree>
+      <p:nvGrpSpPr>
+        <p:cNvPr id="1" name=""/>
+        <p:cNvGrpSpPr/>
+        <p:nvPr/>
+      </p:nvGrpSpPr>
+      <p:grpSpPr>
+        <a:xfrm>
+          <a:off x="0" y="0"/>
+          <a:ext cx="0" cy="0"/>
+          <a:chOff x="0" y="0"/>
+          <a:chExt cx="0" cy="0"/>
+        </a:xfrm>
+      </p:grpSpPr>
+      <p:sp>
+        <p:nvSpPr>
+          <p:cNvPr id="2" name="Title 1">
+            <a:extLst>
+              <a:ext uri="{FF2B5EF4-FFF2-40B4-BE49-F238E27FC236}">
+                <a16:creationId xmlns:a16="http://schemas.microsoft.com/office/drawing/2014/main" id="{3A8C8522-79DE-2F8D-9F72-BEDA19B79EAB}"/>
+              </a:ext>
+            </a:extLst>
+          </p:cNvPr>
+          <p:cNvSpPr>
+            <a:spLocks noGrp="1"/>
+          </p:cNvSpPr>
+          <p:nvPr>
+            <p:ph type="title"/>
+          </p:nvPr>
+        </p:nvSpPr>
+        <p:spPr/>
+        <p:txBody>
+          <a:bodyPr/>
+          <a:lstStyle/>
+          <a:p>
+            <a:pPr algn="ctr"/>
+            <a:r>
+              <a:rPr lang="en-IN" dirty="0">
+                <a:latin typeface="Times New Roman" panose="02020603050405020304" pitchFamily="18" charset="0"/>
+                <a:cs typeface="Times New Roman" panose="02020603050405020304" pitchFamily="18" charset="0"/>
+              </a:rPr>
+              <a:t>Actionable</a:t>
+            </a:r>
+            <a:r>
+              <a:rPr lang="en-IN" dirty="0"/>
+              <a:t> Impact</a:t>
+            </a:r>
+          </a:p>
+        </p:txBody>
+      </p:sp>
+      <p:sp>
+        <p:nvSpPr>
+          <p:cNvPr id="3" name="Content Placeholder 2">
+            <a:extLst>
+              <a:ext uri="{FF2B5EF4-FFF2-40B4-BE49-F238E27FC236}">
+                <a16:creationId xmlns:a16="http://schemas.microsoft.com/office/drawing/2014/main" id="{CB105B17-169B-7E76-3BAF-944301CFC9D5}"/>
+              </a:ext>
+            </a:extLst>
+          </p:cNvPr>
+          <p:cNvSpPr>
+            <a:spLocks noGrp="1"/>
+          </p:cNvSpPr>
+          <p:nvPr>
+            <p:ph idx="1"/>
+          </p:nvPr>
+        </p:nvSpPr>
+        <p:spPr>
+          <a:xfrm>
+            <a:off x="838200" y="1825625"/>
+            <a:ext cx="10515600" cy="2534104"/>
+          </a:xfrm>
+        </p:spPr>
+        <p:txBody>
+          <a:bodyPr/>
+          <a:lstStyle/>
+          <a:p>
+            <a:r>
+              <a:rPr lang="en-US" dirty="0"/>
+              <a:t>Personalization drives engagement</a:t>
+            </a:r>
+          </a:p>
+          <a:p>
+            <a:r>
+              <a:rPr lang="en-US" dirty="0"/>
+              <a:t>Early detection reduces churn</a:t>
+            </a:r>
+          </a:p>
+          <a:p>
+            <a:r>
+              <a:rPr lang="en-US" dirty="0"/>
+              <a:t>Targeted </a:t>
+            </a:r>
+            <a:r>
+              <a:rPr lang="en-US" dirty="0">
+                <a:latin typeface="Times New Roman" panose="02020603050405020304" pitchFamily="18" charset="0"/>
+                <a:cs typeface="Times New Roman" panose="02020603050405020304" pitchFamily="18" charset="0"/>
+              </a:rPr>
+              <a:t>marketing</a:t>
+            </a:r>
+            <a:r>
+              <a:rPr lang="en-US" dirty="0"/>
+              <a:t> increases conversion</a:t>
+            </a:r>
+          </a:p>
+          <a:p>
+            <a:r>
+              <a:rPr lang="en-US" dirty="0"/>
+              <a:t>Data-driven decisions for product &amp; business strategy</a:t>
+            </a:r>
+          </a:p>
+          <a:p>
+            <a:endParaRPr lang="en-IN" dirty="0"/>
+          </a:p>
+        </p:txBody>
+      </p:sp>
+    </p:spTree>
+    <p:extLst>
+      <p:ext uri="{BB962C8B-B14F-4D97-AF65-F5344CB8AC3E}">
+        <p14:creationId xmlns:p14="http://schemas.microsoft.com/office/powerpoint/2010/main" val="3223666177"/>
+      </p:ext>
+    </p:extLst>
+  </p:cSld>
+  <p:clrMapOvr>
+    <a:masterClrMapping/>
+  </p:clrMapOvr>
+</p:sld>
+</file>
+
 <file path=ppt/slides/slide2.xml><?xml version="1.0" encoding="utf-8"?>
 <p:sld xmlns:a="http://schemas.openxmlformats.org/drawingml/2006/main" xmlns:r="http://schemas.openxmlformats.org/officeDocument/2006/relationships" xmlns:p="http://schemas.openxmlformats.org/presentationml/2006/main">
   <p:cSld>
@@ -5652,7 +5789,7 @@
                 <a:latin typeface="Times New Roman" panose="02020603050405020304" pitchFamily="18" charset="0"/>
                 <a:cs typeface="Times New Roman" panose="02020603050405020304" pitchFamily="18" charset="0"/>
               </a:rPr>
-              <a:t> – Number of times the user opens the app per week                     </a:t>
+              <a:t> – Number of times the user opens the app per week                      </a:t>
             </a:r>
             <a:r>
               <a:rPr lang="en-US" altLang="en-US" sz="2300" dirty="0">
@@ -5737,7 +5874,7 @@
                 <a:latin typeface="Times New Roman" panose="02020603050405020304" pitchFamily="18" charset="0"/>
                 <a:cs typeface="Times New Roman" panose="02020603050405020304" pitchFamily="18" charset="0"/>
               </a:rPr>
-              <a:t> – Total active time spent per day                                                  </a:t>
+              <a:t> – Total active time spent per day                                                 </a:t>
             </a:r>
             <a:r>
               <a:rPr lang="en-US" altLang="en-US" sz="2300" dirty="0">
@@ -8690,6 +8827,2993 @@
           <p:cNvPr id="2" name="Title 1">
             <a:extLst>
               <a:ext uri="{FF2B5EF4-FFF2-40B4-BE49-F238E27FC236}">
+                <a16:creationId xmlns:a16="http://schemas.microsoft.com/office/drawing/2014/main" id="{C1525E46-B742-7D17-37AC-CB0D86F7F327}"/>
+              </a:ext>
+            </a:extLst>
+          </p:cNvPr>
+          <p:cNvSpPr>
+            <a:spLocks noGrp="1"/>
+          </p:cNvSpPr>
+          <p:nvPr>
+            <p:ph type="title"/>
+          </p:nvPr>
+        </p:nvSpPr>
+        <p:spPr>
+          <a:xfrm>
+            <a:off x="521110" y="365125"/>
+            <a:ext cx="10832690" cy="1325563"/>
+          </a:xfrm>
+        </p:spPr>
+        <p:txBody>
+          <a:bodyPr/>
+          <a:lstStyle/>
+          <a:p>
+            <a:r>
+              <a:rPr lang="en-US" dirty="0"/>
+              <a:t>User Behavior Comparison – Cluster 0 to 3 </a:t>
+            </a:r>
+            <a:endParaRPr lang="en-IN" dirty="0"/>
+          </a:p>
+        </p:txBody>
+      </p:sp>
+      <p:graphicFrame>
+        <p:nvGraphicFramePr>
+          <p:cNvPr id="4" name="Content Placeholder 3">
+            <a:extLst>
+              <a:ext uri="{FF2B5EF4-FFF2-40B4-BE49-F238E27FC236}">
+                <a16:creationId xmlns:a16="http://schemas.microsoft.com/office/drawing/2014/main" id="{4AA2A7BA-209F-9258-3AD7-49000C2E1A10}"/>
+              </a:ext>
+            </a:extLst>
+          </p:cNvPr>
+          <p:cNvGraphicFramePr>
+            <a:graphicFrameLocks noGrp="1"/>
+          </p:cNvGraphicFramePr>
+          <p:nvPr>
+            <p:ph idx="1"/>
+            <p:extLst>
+              <p:ext uri="{D42A27DB-BD31-4B8C-83A1-F6EECF244321}">
+                <p14:modId xmlns:p14="http://schemas.microsoft.com/office/powerpoint/2010/main" val="375689986"/>
+              </p:ext>
+            </p:extLst>
+          </p:nvPr>
+        </p:nvGraphicFramePr>
+        <p:xfrm>
+          <a:off x="521110" y="1474839"/>
+          <a:ext cx="10832690" cy="5383158"/>
+        </p:xfrm>
+        <a:graphic>
+          <a:graphicData uri="http://schemas.openxmlformats.org/drawingml/2006/table">
+            <a:tbl>
+              <a:tblPr/>
+              <a:tblGrid>
+                <a:gridCol w="2166538">
+                  <a:extLst>
+                    <a:ext uri="{9D8B030D-6E8A-4147-A177-3AD203B41FA5}">
+                      <a16:colId xmlns:a16="http://schemas.microsoft.com/office/drawing/2014/main" val="390433653"/>
+                    </a:ext>
+                  </a:extLst>
+                </a:gridCol>
+                <a:gridCol w="2166538">
+                  <a:extLst>
+                    <a:ext uri="{9D8B030D-6E8A-4147-A177-3AD203B41FA5}">
+                      <a16:colId xmlns:a16="http://schemas.microsoft.com/office/drawing/2014/main" val="3069593525"/>
+                    </a:ext>
+                  </a:extLst>
+                </a:gridCol>
+                <a:gridCol w="2166538">
+                  <a:extLst>
+                    <a:ext uri="{9D8B030D-6E8A-4147-A177-3AD203B41FA5}">
+                      <a16:colId xmlns:a16="http://schemas.microsoft.com/office/drawing/2014/main" val="3885713091"/>
+                    </a:ext>
+                  </a:extLst>
+                </a:gridCol>
+                <a:gridCol w="2166538">
+                  <a:extLst>
+                    <a:ext uri="{9D8B030D-6E8A-4147-A177-3AD203B41FA5}">
+                      <a16:colId xmlns:a16="http://schemas.microsoft.com/office/drawing/2014/main" val="3629925185"/>
+                    </a:ext>
+                  </a:extLst>
+                </a:gridCol>
+                <a:gridCol w="2166538">
+                  <a:extLst>
+                    <a:ext uri="{9D8B030D-6E8A-4147-A177-3AD203B41FA5}">
+                      <a16:colId xmlns:a16="http://schemas.microsoft.com/office/drawing/2014/main" val="1857720821"/>
+                    </a:ext>
+                  </a:extLst>
+                </a:gridCol>
+              </a:tblGrid>
+              <a:tr h="205073">
+                <a:tc>
+                  <a:txBody>
+                    <a:bodyPr/>
+                    <a:lstStyle/>
+                    <a:p>
+                      <a:pPr>
+                        <a:buNone/>
+                      </a:pPr>
+                      <a:r>
+                        <a:rPr lang="en-IN" sz="800" dirty="0"/>
+                        <a:t>Feature</a:t>
+                      </a:r>
+                    </a:p>
+                  </a:txBody>
+                  <a:tcPr marL="41441" marR="41441" marT="20721" marB="20721" anchor="ctr">
+                    <a:lnL>
+                      <a:noFill/>
+                    </a:lnL>
+                    <a:lnR>
+                      <a:noFill/>
+                    </a:lnR>
+                    <a:lnT>
+                      <a:noFill/>
+                    </a:lnT>
+                    <a:lnB>
+                      <a:noFill/>
+                    </a:lnB>
+                    <a:noFill/>
+                  </a:tcPr>
+                </a:tc>
+                <a:tc>
+                  <a:txBody>
+                    <a:bodyPr/>
+                    <a:lstStyle/>
+                    <a:p>
+                      <a:pPr>
+                        <a:buNone/>
+                      </a:pPr>
+                      <a:r>
+                        <a:rPr lang="en-IN" sz="800"/>
+                        <a:t>Cluster 0</a:t>
+                      </a:r>
+                    </a:p>
+                  </a:txBody>
+                  <a:tcPr marL="41441" marR="41441" marT="20721" marB="20721" anchor="ctr">
+                    <a:lnL>
+                      <a:noFill/>
+                    </a:lnL>
+                    <a:lnR>
+                      <a:noFill/>
+                    </a:lnR>
+                    <a:lnT>
+                      <a:noFill/>
+                    </a:lnT>
+                    <a:lnB>
+                      <a:noFill/>
+                    </a:lnB>
+                    <a:noFill/>
+                  </a:tcPr>
+                </a:tc>
+                <a:tc>
+                  <a:txBody>
+                    <a:bodyPr/>
+                    <a:lstStyle/>
+                    <a:p>
+                      <a:pPr>
+                        <a:buNone/>
+                      </a:pPr>
+                      <a:r>
+                        <a:rPr lang="en-IN" sz="800"/>
+                        <a:t>Cluster 1</a:t>
+                      </a:r>
+                    </a:p>
+                  </a:txBody>
+                  <a:tcPr marL="41441" marR="41441" marT="20721" marB="20721" anchor="ctr">
+                    <a:lnL>
+                      <a:noFill/>
+                    </a:lnL>
+                    <a:lnR>
+                      <a:noFill/>
+                    </a:lnR>
+                    <a:lnT>
+                      <a:noFill/>
+                    </a:lnT>
+                    <a:lnB>
+                      <a:noFill/>
+                    </a:lnB>
+                    <a:noFill/>
+                  </a:tcPr>
+                </a:tc>
+                <a:tc>
+                  <a:txBody>
+                    <a:bodyPr/>
+                    <a:lstStyle/>
+                    <a:p>
+                      <a:pPr>
+                        <a:buNone/>
+                      </a:pPr>
+                      <a:r>
+                        <a:rPr lang="en-IN" sz="800"/>
+                        <a:t>Cluster 2</a:t>
+                      </a:r>
+                    </a:p>
+                  </a:txBody>
+                  <a:tcPr marL="41441" marR="41441" marT="20721" marB="20721" anchor="ctr">
+                    <a:lnL>
+                      <a:noFill/>
+                    </a:lnL>
+                    <a:lnR>
+                      <a:noFill/>
+                    </a:lnR>
+                    <a:lnT>
+                      <a:noFill/>
+                    </a:lnT>
+                    <a:lnB>
+                      <a:noFill/>
+                    </a:lnB>
+                    <a:noFill/>
+                  </a:tcPr>
+                </a:tc>
+                <a:tc>
+                  <a:txBody>
+                    <a:bodyPr/>
+                    <a:lstStyle/>
+                    <a:p>
+                      <a:pPr>
+                        <a:buNone/>
+                      </a:pPr>
+                      <a:r>
+                        <a:rPr lang="en-IN" sz="800"/>
+                        <a:t>Cluster 3</a:t>
+                      </a:r>
+                    </a:p>
+                  </a:txBody>
+                  <a:tcPr marL="41441" marR="41441" marT="20721" marB="20721" anchor="ctr">
+                    <a:lnL>
+                      <a:noFill/>
+                    </a:lnL>
+                    <a:lnR>
+                      <a:noFill/>
+                    </a:lnR>
+                    <a:lnT>
+                      <a:noFill/>
+                    </a:lnT>
+                    <a:lnB>
+                      <a:noFill/>
+                    </a:lnB>
+                    <a:noFill/>
+                  </a:tcPr>
+                </a:tc>
+                <a:extLst>
+                  <a:ext uri="{0D108BD9-81ED-4DB2-BD59-A6C34878D82A}">
+                    <a16:rowId xmlns:a16="http://schemas.microsoft.com/office/drawing/2014/main" val="924371898"/>
+                  </a:ext>
+                </a:extLst>
+              </a:tr>
+              <a:tr h="205073">
+                <a:tc>
+                  <a:txBody>
+                    <a:bodyPr/>
+                    <a:lstStyle/>
+                    <a:p>
+                      <a:pPr>
+                        <a:buNone/>
+                      </a:pPr>
+                      <a:r>
+                        <a:rPr lang="en-IN" sz="800" dirty="0"/>
+                        <a:t>Sessions per week</a:t>
+                      </a:r>
+                    </a:p>
+                  </a:txBody>
+                  <a:tcPr marL="41441" marR="41441" marT="20721" marB="20721" anchor="ctr">
+                    <a:lnL>
+                      <a:noFill/>
+                    </a:lnL>
+                    <a:lnR>
+                      <a:noFill/>
+                    </a:lnR>
+                    <a:lnT>
+                      <a:noFill/>
+                    </a:lnT>
+                    <a:lnB>
+                      <a:noFill/>
+                    </a:lnB>
+                    <a:noFill/>
+                  </a:tcPr>
+                </a:tc>
+                <a:tc>
+                  <a:txBody>
+                    <a:bodyPr/>
+                    <a:lstStyle/>
+                    <a:p>
+                      <a:pPr>
+                        <a:buNone/>
+                      </a:pPr>
+                      <a:r>
+                        <a:rPr lang="en-IN" sz="800" dirty="0"/>
+                        <a:t>Low</a:t>
+                      </a:r>
+                    </a:p>
+                  </a:txBody>
+                  <a:tcPr marL="41441" marR="41441" marT="20721" marB="20721" anchor="ctr">
+                    <a:lnL>
+                      <a:noFill/>
+                    </a:lnL>
+                    <a:lnR>
+                      <a:noFill/>
+                    </a:lnR>
+                    <a:lnT>
+                      <a:noFill/>
+                    </a:lnT>
+                    <a:lnB>
+                      <a:noFill/>
+                    </a:lnB>
+                    <a:noFill/>
+                  </a:tcPr>
+                </a:tc>
+                <a:tc>
+                  <a:txBody>
+                    <a:bodyPr/>
+                    <a:lstStyle/>
+                    <a:p>
+                      <a:pPr>
+                        <a:buNone/>
+                      </a:pPr>
+                      <a:r>
+                        <a:rPr lang="en-IN" sz="800" dirty="0"/>
+                        <a:t>Low</a:t>
+                      </a:r>
+                    </a:p>
+                  </a:txBody>
+                  <a:tcPr marL="41441" marR="41441" marT="20721" marB="20721" anchor="ctr">
+                    <a:lnL>
+                      <a:noFill/>
+                    </a:lnL>
+                    <a:lnR>
+                      <a:noFill/>
+                    </a:lnR>
+                    <a:lnT>
+                      <a:noFill/>
+                    </a:lnT>
+                    <a:lnB>
+                      <a:noFill/>
+                    </a:lnB>
+                    <a:noFill/>
+                  </a:tcPr>
+                </a:tc>
+                <a:tc>
+                  <a:txBody>
+                    <a:bodyPr/>
+                    <a:lstStyle/>
+                    <a:p>
+                      <a:pPr>
+                        <a:buNone/>
+                      </a:pPr>
+                      <a:r>
+                        <a:rPr lang="en-IN" sz="800"/>
+                        <a:t>Low</a:t>
+                      </a:r>
+                    </a:p>
+                  </a:txBody>
+                  <a:tcPr marL="41441" marR="41441" marT="20721" marB="20721" anchor="ctr">
+                    <a:lnL>
+                      <a:noFill/>
+                    </a:lnL>
+                    <a:lnR>
+                      <a:noFill/>
+                    </a:lnR>
+                    <a:lnT>
+                      <a:noFill/>
+                    </a:lnT>
+                    <a:lnB>
+                      <a:noFill/>
+                    </a:lnB>
+                    <a:noFill/>
+                  </a:tcPr>
+                </a:tc>
+                <a:tc>
+                  <a:txBody>
+                    <a:bodyPr/>
+                    <a:lstStyle/>
+                    <a:p>
+                      <a:pPr>
+                        <a:buNone/>
+                      </a:pPr>
+                      <a:r>
+                        <a:rPr lang="en-IN" sz="800"/>
+                        <a:t>Low</a:t>
+                      </a:r>
+                    </a:p>
+                  </a:txBody>
+                  <a:tcPr marL="41441" marR="41441" marT="20721" marB="20721" anchor="ctr">
+                    <a:lnL>
+                      <a:noFill/>
+                    </a:lnL>
+                    <a:lnR>
+                      <a:noFill/>
+                    </a:lnR>
+                    <a:lnT>
+                      <a:noFill/>
+                    </a:lnT>
+                    <a:lnB>
+                      <a:noFill/>
+                    </a:lnB>
+                    <a:noFill/>
+                  </a:tcPr>
+                </a:tc>
+                <a:extLst>
+                  <a:ext uri="{0D108BD9-81ED-4DB2-BD59-A6C34878D82A}">
+                    <a16:rowId xmlns:a16="http://schemas.microsoft.com/office/drawing/2014/main" val="3114287850"/>
+                  </a:ext>
+                </a:extLst>
+              </a:tr>
+              <a:tr h="358877">
+                <a:tc>
+                  <a:txBody>
+                    <a:bodyPr/>
+                    <a:lstStyle/>
+                    <a:p>
+                      <a:pPr>
+                        <a:buNone/>
+                      </a:pPr>
+                      <a:r>
+                        <a:rPr lang="en-IN" sz="800" dirty="0" err="1"/>
+                        <a:t>Avg</a:t>
+                      </a:r>
+                      <a:r>
+                        <a:rPr lang="en-IN" sz="800" dirty="0"/>
+                        <a:t> session duration (min)</a:t>
+                      </a:r>
+                    </a:p>
+                  </a:txBody>
+                  <a:tcPr marL="41441" marR="41441" marT="20721" marB="20721" anchor="ctr">
+                    <a:lnL>
+                      <a:noFill/>
+                    </a:lnL>
+                    <a:lnR>
+                      <a:noFill/>
+                    </a:lnR>
+                    <a:lnT>
+                      <a:noFill/>
+                    </a:lnT>
+                    <a:lnB>
+                      <a:noFill/>
+                    </a:lnB>
+                    <a:noFill/>
+                  </a:tcPr>
+                </a:tc>
+                <a:tc>
+                  <a:txBody>
+                    <a:bodyPr/>
+                    <a:lstStyle/>
+                    <a:p>
+                      <a:pPr>
+                        <a:buNone/>
+                      </a:pPr>
+                      <a:r>
+                        <a:rPr lang="en-US" sz="800" dirty="0"/>
+                        <a:t>h</a:t>
+                      </a:r>
+                      <a:r>
+                        <a:rPr lang="en-IN" sz="800" dirty="0" err="1"/>
+                        <a:t>igh</a:t>
+                      </a:r>
+                      <a:endParaRPr lang="en-IN" sz="800" dirty="0"/>
+                    </a:p>
+                  </a:txBody>
+                  <a:tcPr marL="41441" marR="41441" marT="20721" marB="20721" anchor="ctr">
+                    <a:lnL>
+                      <a:noFill/>
+                    </a:lnL>
+                    <a:lnR>
+                      <a:noFill/>
+                    </a:lnR>
+                    <a:lnT>
+                      <a:noFill/>
+                    </a:lnT>
+                    <a:lnB>
+                      <a:noFill/>
+                    </a:lnB>
+                    <a:noFill/>
+                  </a:tcPr>
+                </a:tc>
+                <a:tc>
+                  <a:txBody>
+                    <a:bodyPr/>
+                    <a:lstStyle/>
+                    <a:p>
+                      <a:pPr>
+                        <a:buNone/>
+                      </a:pPr>
+                      <a:r>
+                        <a:rPr lang="en-IN" sz="800" dirty="0"/>
+                        <a:t>Low</a:t>
+                      </a:r>
+                    </a:p>
+                  </a:txBody>
+                  <a:tcPr marL="41441" marR="41441" marT="20721" marB="20721" anchor="ctr">
+                    <a:lnL>
+                      <a:noFill/>
+                    </a:lnL>
+                    <a:lnR>
+                      <a:noFill/>
+                    </a:lnR>
+                    <a:lnT>
+                      <a:noFill/>
+                    </a:lnT>
+                    <a:lnB>
+                      <a:noFill/>
+                    </a:lnB>
+                    <a:noFill/>
+                  </a:tcPr>
+                </a:tc>
+                <a:tc>
+                  <a:txBody>
+                    <a:bodyPr/>
+                    <a:lstStyle/>
+                    <a:p>
+                      <a:pPr>
+                        <a:buNone/>
+                      </a:pPr>
+                      <a:r>
+                        <a:rPr lang="en-IN" sz="800"/>
+                        <a:t>Low</a:t>
+                      </a:r>
+                    </a:p>
+                  </a:txBody>
+                  <a:tcPr marL="41441" marR="41441" marT="20721" marB="20721" anchor="ctr">
+                    <a:lnL>
+                      <a:noFill/>
+                    </a:lnL>
+                    <a:lnR>
+                      <a:noFill/>
+                    </a:lnR>
+                    <a:lnT>
+                      <a:noFill/>
+                    </a:lnT>
+                    <a:lnB>
+                      <a:noFill/>
+                    </a:lnB>
+                    <a:noFill/>
+                  </a:tcPr>
+                </a:tc>
+                <a:tc>
+                  <a:txBody>
+                    <a:bodyPr/>
+                    <a:lstStyle/>
+                    <a:p>
+                      <a:pPr>
+                        <a:buNone/>
+                      </a:pPr>
+                      <a:r>
+                        <a:rPr lang="en-IN" sz="800"/>
+                        <a:t>Low</a:t>
+                      </a:r>
+                    </a:p>
+                  </a:txBody>
+                  <a:tcPr marL="41441" marR="41441" marT="20721" marB="20721" anchor="ctr">
+                    <a:lnL>
+                      <a:noFill/>
+                    </a:lnL>
+                    <a:lnR>
+                      <a:noFill/>
+                    </a:lnR>
+                    <a:lnT>
+                      <a:noFill/>
+                    </a:lnT>
+                    <a:lnB>
+                      <a:noFill/>
+                    </a:lnB>
+                    <a:noFill/>
+                  </a:tcPr>
+                </a:tc>
+                <a:extLst>
+                  <a:ext uri="{0D108BD9-81ED-4DB2-BD59-A6C34878D82A}">
+                    <a16:rowId xmlns:a16="http://schemas.microsoft.com/office/drawing/2014/main" val="157440563"/>
+                  </a:ext>
+                </a:extLst>
+              </a:tr>
+              <a:tr h="358877">
+                <a:tc>
+                  <a:txBody>
+                    <a:bodyPr/>
+                    <a:lstStyle/>
+                    <a:p>
+                      <a:pPr>
+                        <a:buNone/>
+                      </a:pPr>
+                      <a:r>
+                        <a:rPr lang="en-IN" sz="800" dirty="0"/>
+                        <a:t>Daily active minutes</a:t>
+                      </a:r>
+                    </a:p>
+                  </a:txBody>
+                  <a:tcPr marL="41441" marR="41441" marT="20721" marB="20721" anchor="ctr">
+                    <a:lnL>
+                      <a:noFill/>
+                    </a:lnL>
+                    <a:lnR>
+                      <a:noFill/>
+                    </a:lnR>
+                    <a:lnT>
+                      <a:noFill/>
+                    </a:lnT>
+                    <a:lnB>
+                      <a:noFill/>
+                    </a:lnB>
+                    <a:noFill/>
+                  </a:tcPr>
+                </a:tc>
+                <a:tc>
+                  <a:txBody>
+                    <a:bodyPr/>
+                    <a:lstStyle/>
+                    <a:p>
+                      <a:pPr>
+                        <a:buNone/>
+                      </a:pPr>
+                      <a:r>
+                        <a:rPr lang="en-IN" sz="800" dirty="0"/>
+                        <a:t>Moderate</a:t>
+                      </a:r>
+                    </a:p>
+                  </a:txBody>
+                  <a:tcPr marL="41441" marR="41441" marT="20721" marB="20721" anchor="ctr">
+                    <a:lnL>
+                      <a:noFill/>
+                    </a:lnL>
+                    <a:lnR>
+                      <a:noFill/>
+                    </a:lnR>
+                    <a:lnT>
+                      <a:noFill/>
+                    </a:lnT>
+                    <a:lnB>
+                      <a:noFill/>
+                    </a:lnB>
+                    <a:noFill/>
+                  </a:tcPr>
+                </a:tc>
+                <a:tc>
+                  <a:txBody>
+                    <a:bodyPr/>
+                    <a:lstStyle/>
+                    <a:p>
+                      <a:pPr>
+                        <a:buNone/>
+                      </a:pPr>
+                      <a:r>
+                        <a:rPr lang="en-IN" sz="800" dirty="0"/>
+                        <a:t>Moderate</a:t>
+                      </a:r>
+                    </a:p>
+                  </a:txBody>
+                  <a:tcPr marL="41441" marR="41441" marT="20721" marB="20721" anchor="ctr">
+                    <a:lnL>
+                      <a:noFill/>
+                    </a:lnL>
+                    <a:lnR>
+                      <a:noFill/>
+                    </a:lnR>
+                    <a:lnT>
+                      <a:noFill/>
+                    </a:lnT>
+                    <a:lnB>
+                      <a:noFill/>
+                    </a:lnB>
+                    <a:noFill/>
+                  </a:tcPr>
+                </a:tc>
+                <a:tc>
+                  <a:txBody>
+                    <a:bodyPr/>
+                    <a:lstStyle/>
+                    <a:p>
+                      <a:pPr>
+                        <a:buNone/>
+                      </a:pPr>
+                      <a:r>
+                        <a:rPr lang="en-IN" sz="800"/>
+                        <a:t>Moderate</a:t>
+                      </a:r>
+                    </a:p>
+                  </a:txBody>
+                  <a:tcPr marL="41441" marR="41441" marT="20721" marB="20721" anchor="ctr">
+                    <a:lnL>
+                      <a:noFill/>
+                    </a:lnL>
+                    <a:lnR>
+                      <a:noFill/>
+                    </a:lnR>
+                    <a:lnT>
+                      <a:noFill/>
+                    </a:lnT>
+                    <a:lnB>
+                      <a:noFill/>
+                    </a:lnB>
+                    <a:noFill/>
+                  </a:tcPr>
+                </a:tc>
+                <a:tc>
+                  <a:txBody>
+                    <a:bodyPr/>
+                    <a:lstStyle/>
+                    <a:p>
+                      <a:pPr>
+                        <a:buNone/>
+                      </a:pPr>
+                      <a:r>
+                        <a:rPr lang="en-IN" sz="800"/>
+                        <a:t>Moderate</a:t>
+                      </a:r>
+                    </a:p>
+                  </a:txBody>
+                  <a:tcPr marL="41441" marR="41441" marT="20721" marB="20721" anchor="ctr">
+                    <a:lnL>
+                      <a:noFill/>
+                    </a:lnL>
+                    <a:lnR>
+                      <a:noFill/>
+                    </a:lnR>
+                    <a:lnT>
+                      <a:noFill/>
+                    </a:lnT>
+                    <a:lnB>
+                      <a:noFill/>
+                    </a:lnB>
+                    <a:noFill/>
+                  </a:tcPr>
+                </a:tc>
+                <a:extLst>
+                  <a:ext uri="{0D108BD9-81ED-4DB2-BD59-A6C34878D82A}">
+                    <a16:rowId xmlns:a16="http://schemas.microsoft.com/office/drawing/2014/main" val="1300368752"/>
+                  </a:ext>
+                </a:extLst>
+              </a:tr>
+              <a:tr h="358877">
+                <a:tc>
+                  <a:txBody>
+                    <a:bodyPr/>
+                    <a:lstStyle/>
+                    <a:p>
+                      <a:pPr>
+                        <a:buNone/>
+                      </a:pPr>
+                      <a:r>
+                        <a:rPr lang="en-IN" sz="800"/>
+                        <a:t>Feature clicks per session</a:t>
+                      </a:r>
+                    </a:p>
+                  </a:txBody>
+                  <a:tcPr marL="41441" marR="41441" marT="20721" marB="20721" anchor="ctr">
+                    <a:lnL>
+                      <a:noFill/>
+                    </a:lnL>
+                    <a:lnR>
+                      <a:noFill/>
+                    </a:lnR>
+                    <a:lnT>
+                      <a:noFill/>
+                    </a:lnT>
+                    <a:lnB>
+                      <a:noFill/>
+                    </a:lnB>
+                    <a:noFill/>
+                  </a:tcPr>
+                </a:tc>
+                <a:tc>
+                  <a:txBody>
+                    <a:bodyPr/>
+                    <a:lstStyle/>
+                    <a:p>
+                      <a:pPr>
+                        <a:buNone/>
+                      </a:pPr>
+                      <a:r>
+                        <a:rPr lang="en-IN" sz="800" dirty="0"/>
+                        <a:t>Moderate</a:t>
+                      </a:r>
+                    </a:p>
+                  </a:txBody>
+                  <a:tcPr marL="41441" marR="41441" marT="20721" marB="20721" anchor="ctr">
+                    <a:lnL>
+                      <a:noFill/>
+                    </a:lnL>
+                    <a:lnR>
+                      <a:noFill/>
+                    </a:lnR>
+                    <a:lnT>
+                      <a:noFill/>
+                    </a:lnT>
+                    <a:lnB>
+                      <a:noFill/>
+                    </a:lnB>
+                    <a:noFill/>
+                  </a:tcPr>
+                </a:tc>
+                <a:tc>
+                  <a:txBody>
+                    <a:bodyPr/>
+                    <a:lstStyle/>
+                    <a:p>
+                      <a:pPr>
+                        <a:buNone/>
+                      </a:pPr>
+                      <a:r>
+                        <a:rPr lang="en-IN" sz="800" dirty="0"/>
+                        <a:t>Low</a:t>
+                      </a:r>
+                    </a:p>
+                  </a:txBody>
+                  <a:tcPr marL="41441" marR="41441" marT="20721" marB="20721" anchor="ctr">
+                    <a:lnL>
+                      <a:noFill/>
+                    </a:lnL>
+                    <a:lnR>
+                      <a:noFill/>
+                    </a:lnR>
+                    <a:lnT>
+                      <a:noFill/>
+                    </a:lnT>
+                    <a:lnB>
+                      <a:noFill/>
+                    </a:lnB>
+                    <a:noFill/>
+                  </a:tcPr>
+                </a:tc>
+                <a:tc>
+                  <a:txBody>
+                    <a:bodyPr/>
+                    <a:lstStyle/>
+                    <a:p>
+                      <a:pPr>
+                        <a:buNone/>
+                      </a:pPr>
+                      <a:r>
+                        <a:rPr lang="en-IN" sz="800"/>
+                        <a:t>Moderate</a:t>
+                      </a:r>
+                    </a:p>
+                  </a:txBody>
+                  <a:tcPr marL="41441" marR="41441" marT="20721" marB="20721" anchor="ctr">
+                    <a:lnL>
+                      <a:noFill/>
+                    </a:lnL>
+                    <a:lnR>
+                      <a:noFill/>
+                    </a:lnR>
+                    <a:lnT>
+                      <a:noFill/>
+                    </a:lnT>
+                    <a:lnB>
+                      <a:noFill/>
+                    </a:lnB>
+                    <a:noFill/>
+                  </a:tcPr>
+                </a:tc>
+                <a:tc>
+                  <a:txBody>
+                    <a:bodyPr/>
+                    <a:lstStyle/>
+                    <a:p>
+                      <a:pPr>
+                        <a:buNone/>
+                      </a:pPr>
+                      <a:r>
+                        <a:rPr lang="en-IN" sz="800"/>
+                        <a:t>Low</a:t>
+                      </a:r>
+                    </a:p>
+                  </a:txBody>
+                  <a:tcPr marL="41441" marR="41441" marT="20721" marB="20721" anchor="ctr">
+                    <a:lnL>
+                      <a:noFill/>
+                    </a:lnL>
+                    <a:lnR>
+                      <a:noFill/>
+                    </a:lnR>
+                    <a:lnT>
+                      <a:noFill/>
+                    </a:lnT>
+                    <a:lnB>
+                      <a:noFill/>
+                    </a:lnB>
+                    <a:noFill/>
+                  </a:tcPr>
+                </a:tc>
+                <a:extLst>
+                  <a:ext uri="{0D108BD9-81ED-4DB2-BD59-A6C34878D82A}">
+                    <a16:rowId xmlns:a16="http://schemas.microsoft.com/office/drawing/2014/main" val="2566230010"/>
+                  </a:ext>
+                </a:extLst>
+              </a:tr>
+              <a:tr h="358877">
+                <a:tc>
+                  <a:txBody>
+                    <a:bodyPr/>
+                    <a:lstStyle/>
+                    <a:p>
+                      <a:pPr>
+                        <a:buNone/>
+                      </a:pPr>
+                      <a:r>
+                        <a:rPr lang="en-IN" sz="800"/>
+                        <a:t>Notifications opened per week</a:t>
+                      </a:r>
+                    </a:p>
+                  </a:txBody>
+                  <a:tcPr marL="41441" marR="41441" marT="20721" marB="20721" anchor="ctr">
+                    <a:lnL>
+                      <a:noFill/>
+                    </a:lnL>
+                    <a:lnR>
+                      <a:noFill/>
+                    </a:lnR>
+                    <a:lnT>
+                      <a:noFill/>
+                    </a:lnT>
+                    <a:lnB>
+                      <a:noFill/>
+                    </a:lnB>
+                    <a:noFill/>
+                  </a:tcPr>
+                </a:tc>
+                <a:tc>
+                  <a:txBody>
+                    <a:bodyPr/>
+                    <a:lstStyle/>
+                    <a:p>
+                      <a:pPr>
+                        <a:buNone/>
+                      </a:pPr>
+                      <a:r>
+                        <a:rPr lang="en-IN" sz="800"/>
+                        <a:t>Low</a:t>
+                      </a:r>
+                    </a:p>
+                  </a:txBody>
+                  <a:tcPr marL="41441" marR="41441" marT="20721" marB="20721" anchor="ctr">
+                    <a:lnL>
+                      <a:noFill/>
+                    </a:lnL>
+                    <a:lnR>
+                      <a:noFill/>
+                    </a:lnR>
+                    <a:lnT>
+                      <a:noFill/>
+                    </a:lnT>
+                    <a:lnB>
+                      <a:noFill/>
+                    </a:lnB>
+                    <a:noFill/>
+                  </a:tcPr>
+                </a:tc>
+                <a:tc>
+                  <a:txBody>
+                    <a:bodyPr/>
+                    <a:lstStyle/>
+                    <a:p>
+                      <a:pPr>
+                        <a:buNone/>
+                      </a:pPr>
+                      <a:r>
+                        <a:rPr lang="en-IN" sz="800" dirty="0"/>
+                        <a:t>Low</a:t>
+                      </a:r>
+                    </a:p>
+                  </a:txBody>
+                  <a:tcPr marL="41441" marR="41441" marT="20721" marB="20721" anchor="ctr">
+                    <a:lnL>
+                      <a:noFill/>
+                    </a:lnL>
+                    <a:lnR>
+                      <a:noFill/>
+                    </a:lnR>
+                    <a:lnT>
+                      <a:noFill/>
+                    </a:lnT>
+                    <a:lnB>
+                      <a:noFill/>
+                    </a:lnB>
+                    <a:noFill/>
+                  </a:tcPr>
+                </a:tc>
+                <a:tc>
+                  <a:txBody>
+                    <a:bodyPr/>
+                    <a:lstStyle/>
+                    <a:p>
+                      <a:pPr>
+                        <a:buNone/>
+                      </a:pPr>
+                      <a:r>
+                        <a:rPr lang="en-IN" sz="800"/>
+                        <a:t>Low</a:t>
+                      </a:r>
+                    </a:p>
+                  </a:txBody>
+                  <a:tcPr marL="41441" marR="41441" marT="20721" marB="20721" anchor="ctr">
+                    <a:lnL>
+                      <a:noFill/>
+                    </a:lnL>
+                    <a:lnR>
+                      <a:noFill/>
+                    </a:lnR>
+                    <a:lnT>
+                      <a:noFill/>
+                    </a:lnT>
+                    <a:lnB>
+                      <a:noFill/>
+                    </a:lnB>
+                    <a:noFill/>
+                  </a:tcPr>
+                </a:tc>
+                <a:tc>
+                  <a:txBody>
+                    <a:bodyPr/>
+                    <a:lstStyle/>
+                    <a:p>
+                      <a:pPr>
+                        <a:buNone/>
+                      </a:pPr>
+                      <a:r>
+                        <a:rPr lang="en-IN" sz="800"/>
+                        <a:t>Low</a:t>
+                      </a:r>
+                    </a:p>
+                  </a:txBody>
+                  <a:tcPr marL="41441" marR="41441" marT="20721" marB="20721" anchor="ctr">
+                    <a:lnL>
+                      <a:noFill/>
+                    </a:lnL>
+                    <a:lnR>
+                      <a:noFill/>
+                    </a:lnR>
+                    <a:lnT>
+                      <a:noFill/>
+                    </a:lnT>
+                    <a:lnB>
+                      <a:noFill/>
+                    </a:lnB>
+                    <a:noFill/>
+                  </a:tcPr>
+                </a:tc>
+                <a:extLst>
+                  <a:ext uri="{0D108BD9-81ED-4DB2-BD59-A6C34878D82A}">
+                    <a16:rowId xmlns:a16="http://schemas.microsoft.com/office/drawing/2014/main" val="3111958551"/>
+                  </a:ext>
+                </a:extLst>
+              </a:tr>
+              <a:tr h="358877">
+                <a:tc>
+                  <a:txBody>
+                    <a:bodyPr/>
+                    <a:lstStyle/>
+                    <a:p>
+                      <a:pPr>
+                        <a:buNone/>
+                      </a:pPr>
+                      <a:r>
+                        <a:rPr lang="en-IN" sz="800" dirty="0"/>
+                        <a:t>In-app search count</a:t>
+                      </a:r>
+                    </a:p>
+                  </a:txBody>
+                  <a:tcPr marL="41441" marR="41441" marT="20721" marB="20721" anchor="ctr">
+                    <a:lnL>
+                      <a:noFill/>
+                    </a:lnL>
+                    <a:lnR>
+                      <a:noFill/>
+                    </a:lnR>
+                    <a:lnT>
+                      <a:noFill/>
+                    </a:lnT>
+                    <a:lnB>
+                      <a:noFill/>
+                    </a:lnB>
+                    <a:noFill/>
+                  </a:tcPr>
+                </a:tc>
+                <a:tc>
+                  <a:txBody>
+                    <a:bodyPr/>
+                    <a:lstStyle/>
+                    <a:p>
+                      <a:pPr>
+                        <a:buNone/>
+                      </a:pPr>
+                      <a:r>
+                        <a:rPr lang="en-IN" sz="800"/>
+                        <a:t>Low</a:t>
+                      </a:r>
+                    </a:p>
+                  </a:txBody>
+                  <a:tcPr marL="41441" marR="41441" marT="20721" marB="20721" anchor="ctr">
+                    <a:lnL>
+                      <a:noFill/>
+                    </a:lnL>
+                    <a:lnR>
+                      <a:noFill/>
+                    </a:lnR>
+                    <a:lnT>
+                      <a:noFill/>
+                    </a:lnT>
+                    <a:lnB>
+                      <a:noFill/>
+                    </a:lnB>
+                    <a:noFill/>
+                  </a:tcPr>
+                </a:tc>
+                <a:tc>
+                  <a:txBody>
+                    <a:bodyPr/>
+                    <a:lstStyle/>
+                    <a:p>
+                      <a:pPr>
+                        <a:buNone/>
+                      </a:pPr>
+                      <a:r>
+                        <a:rPr lang="en-IN" sz="800" dirty="0"/>
+                        <a:t>Low</a:t>
+                      </a:r>
+                    </a:p>
+                  </a:txBody>
+                  <a:tcPr marL="41441" marR="41441" marT="20721" marB="20721" anchor="ctr">
+                    <a:lnL>
+                      <a:noFill/>
+                    </a:lnL>
+                    <a:lnR>
+                      <a:noFill/>
+                    </a:lnR>
+                    <a:lnT>
+                      <a:noFill/>
+                    </a:lnT>
+                    <a:lnB>
+                      <a:noFill/>
+                    </a:lnB>
+                    <a:noFill/>
+                  </a:tcPr>
+                </a:tc>
+                <a:tc>
+                  <a:txBody>
+                    <a:bodyPr/>
+                    <a:lstStyle/>
+                    <a:p>
+                      <a:pPr>
+                        <a:buNone/>
+                      </a:pPr>
+                      <a:r>
+                        <a:rPr lang="en-IN" sz="800"/>
+                        <a:t>Low</a:t>
+                      </a:r>
+                    </a:p>
+                  </a:txBody>
+                  <a:tcPr marL="41441" marR="41441" marT="20721" marB="20721" anchor="ctr">
+                    <a:lnL>
+                      <a:noFill/>
+                    </a:lnL>
+                    <a:lnR>
+                      <a:noFill/>
+                    </a:lnR>
+                    <a:lnT>
+                      <a:noFill/>
+                    </a:lnT>
+                    <a:lnB>
+                      <a:noFill/>
+                    </a:lnB>
+                    <a:noFill/>
+                  </a:tcPr>
+                </a:tc>
+                <a:tc>
+                  <a:txBody>
+                    <a:bodyPr/>
+                    <a:lstStyle/>
+                    <a:p>
+                      <a:pPr>
+                        <a:buNone/>
+                      </a:pPr>
+                      <a:r>
+                        <a:rPr lang="en-IN" sz="800"/>
+                        <a:t>Low</a:t>
+                      </a:r>
+                    </a:p>
+                  </a:txBody>
+                  <a:tcPr marL="41441" marR="41441" marT="20721" marB="20721" anchor="ctr">
+                    <a:lnL>
+                      <a:noFill/>
+                    </a:lnL>
+                    <a:lnR>
+                      <a:noFill/>
+                    </a:lnR>
+                    <a:lnT>
+                      <a:noFill/>
+                    </a:lnT>
+                    <a:lnB>
+                      <a:noFill/>
+                    </a:lnB>
+                    <a:noFill/>
+                  </a:tcPr>
+                </a:tc>
+                <a:extLst>
+                  <a:ext uri="{0D108BD9-81ED-4DB2-BD59-A6C34878D82A}">
+                    <a16:rowId xmlns:a16="http://schemas.microsoft.com/office/drawing/2014/main" val="1590342552"/>
+                  </a:ext>
+                </a:extLst>
+              </a:tr>
+              <a:tr h="358877">
+                <a:tc>
+                  <a:txBody>
+                    <a:bodyPr/>
+                    <a:lstStyle/>
+                    <a:p>
+                      <a:pPr>
+                        <a:buNone/>
+                      </a:pPr>
+                      <a:r>
+                        <a:rPr lang="en-IN" sz="800"/>
+                        <a:t>Pages viewed per session</a:t>
+                      </a:r>
+                    </a:p>
+                  </a:txBody>
+                  <a:tcPr marL="41441" marR="41441" marT="20721" marB="20721" anchor="ctr">
+                    <a:lnL>
+                      <a:noFill/>
+                    </a:lnL>
+                    <a:lnR>
+                      <a:noFill/>
+                    </a:lnR>
+                    <a:lnT>
+                      <a:noFill/>
+                    </a:lnT>
+                    <a:lnB>
+                      <a:noFill/>
+                    </a:lnB>
+                    <a:noFill/>
+                  </a:tcPr>
+                </a:tc>
+                <a:tc>
+                  <a:txBody>
+                    <a:bodyPr/>
+                    <a:lstStyle/>
+                    <a:p>
+                      <a:pPr>
+                        <a:buNone/>
+                      </a:pPr>
+                      <a:r>
+                        <a:rPr lang="en-IN" sz="800" dirty="0"/>
+                        <a:t>High</a:t>
+                      </a:r>
+                    </a:p>
+                  </a:txBody>
+                  <a:tcPr marL="41441" marR="41441" marT="20721" marB="20721" anchor="ctr">
+                    <a:lnL>
+                      <a:noFill/>
+                    </a:lnL>
+                    <a:lnR>
+                      <a:noFill/>
+                    </a:lnR>
+                    <a:lnT>
+                      <a:noFill/>
+                    </a:lnT>
+                    <a:lnB>
+                      <a:noFill/>
+                    </a:lnB>
+                    <a:noFill/>
+                  </a:tcPr>
+                </a:tc>
+                <a:tc>
+                  <a:txBody>
+                    <a:bodyPr/>
+                    <a:lstStyle/>
+                    <a:p>
+                      <a:pPr>
+                        <a:buNone/>
+                      </a:pPr>
+                      <a:r>
+                        <a:rPr lang="en-IN" sz="800" dirty="0"/>
+                        <a:t>Moderate</a:t>
+                      </a:r>
+                    </a:p>
+                  </a:txBody>
+                  <a:tcPr marL="41441" marR="41441" marT="20721" marB="20721" anchor="ctr">
+                    <a:lnL>
+                      <a:noFill/>
+                    </a:lnL>
+                    <a:lnR>
+                      <a:noFill/>
+                    </a:lnR>
+                    <a:lnT>
+                      <a:noFill/>
+                    </a:lnT>
+                    <a:lnB>
+                      <a:noFill/>
+                    </a:lnB>
+                    <a:noFill/>
+                  </a:tcPr>
+                </a:tc>
+                <a:tc>
+                  <a:txBody>
+                    <a:bodyPr/>
+                    <a:lstStyle/>
+                    <a:p>
+                      <a:pPr>
+                        <a:buNone/>
+                      </a:pPr>
+                      <a:r>
+                        <a:rPr lang="en-IN" sz="800"/>
+                        <a:t>Moderate</a:t>
+                      </a:r>
+                    </a:p>
+                  </a:txBody>
+                  <a:tcPr marL="41441" marR="41441" marT="20721" marB="20721" anchor="ctr">
+                    <a:lnL>
+                      <a:noFill/>
+                    </a:lnL>
+                    <a:lnR>
+                      <a:noFill/>
+                    </a:lnR>
+                    <a:lnT>
+                      <a:noFill/>
+                    </a:lnT>
+                    <a:lnB>
+                      <a:noFill/>
+                    </a:lnB>
+                    <a:noFill/>
+                  </a:tcPr>
+                </a:tc>
+                <a:tc>
+                  <a:txBody>
+                    <a:bodyPr/>
+                    <a:lstStyle/>
+                    <a:p>
+                      <a:pPr>
+                        <a:buNone/>
+                      </a:pPr>
+                      <a:r>
+                        <a:rPr lang="en-IN" sz="800"/>
+                        <a:t>High</a:t>
+                      </a:r>
+                    </a:p>
+                  </a:txBody>
+                  <a:tcPr marL="41441" marR="41441" marT="20721" marB="20721" anchor="ctr">
+                    <a:lnL>
+                      <a:noFill/>
+                    </a:lnL>
+                    <a:lnR>
+                      <a:noFill/>
+                    </a:lnR>
+                    <a:lnT>
+                      <a:noFill/>
+                    </a:lnT>
+                    <a:lnB>
+                      <a:noFill/>
+                    </a:lnB>
+                    <a:noFill/>
+                  </a:tcPr>
+                </a:tc>
+                <a:extLst>
+                  <a:ext uri="{0D108BD9-81ED-4DB2-BD59-A6C34878D82A}">
+                    <a16:rowId xmlns:a16="http://schemas.microsoft.com/office/drawing/2014/main" val="3203007299"/>
+                  </a:ext>
+                </a:extLst>
+              </a:tr>
+              <a:tr h="358877">
+                <a:tc>
+                  <a:txBody>
+                    <a:bodyPr/>
+                    <a:lstStyle/>
+                    <a:p>
+                      <a:pPr>
+                        <a:buNone/>
+                      </a:pPr>
+                      <a:r>
+                        <a:rPr lang="en-US" sz="800"/>
+                        <a:t>Crash events (last 30 days)</a:t>
+                      </a:r>
+                    </a:p>
+                  </a:txBody>
+                  <a:tcPr marL="41441" marR="41441" marT="20721" marB="20721" anchor="ctr">
+                    <a:lnL>
+                      <a:noFill/>
+                    </a:lnL>
+                    <a:lnR>
+                      <a:noFill/>
+                    </a:lnR>
+                    <a:lnT>
+                      <a:noFill/>
+                    </a:lnT>
+                    <a:lnB>
+                      <a:noFill/>
+                    </a:lnB>
+                    <a:noFill/>
+                  </a:tcPr>
+                </a:tc>
+                <a:tc>
+                  <a:txBody>
+                    <a:bodyPr/>
+                    <a:lstStyle/>
+                    <a:p>
+                      <a:pPr>
+                        <a:buNone/>
+                      </a:pPr>
+                      <a:r>
+                        <a:rPr lang="en-IN" sz="800" dirty="0"/>
+                        <a:t>Low </a:t>
+                      </a:r>
+                    </a:p>
+                  </a:txBody>
+                  <a:tcPr marL="41441" marR="41441" marT="20721" marB="20721" anchor="ctr">
+                    <a:lnL>
+                      <a:noFill/>
+                    </a:lnL>
+                    <a:lnR>
+                      <a:noFill/>
+                    </a:lnR>
+                    <a:lnT>
+                      <a:noFill/>
+                    </a:lnT>
+                    <a:lnB>
+                      <a:noFill/>
+                    </a:lnB>
+                    <a:noFill/>
+                  </a:tcPr>
+                </a:tc>
+                <a:tc>
+                  <a:txBody>
+                    <a:bodyPr/>
+                    <a:lstStyle/>
+                    <a:p>
+                      <a:pPr>
+                        <a:buNone/>
+                      </a:pPr>
+                      <a:r>
+                        <a:rPr lang="en-IN" sz="800"/>
+                        <a:t>Low</a:t>
+                      </a:r>
+                    </a:p>
+                  </a:txBody>
+                  <a:tcPr marL="41441" marR="41441" marT="20721" marB="20721" anchor="ctr">
+                    <a:lnL>
+                      <a:noFill/>
+                    </a:lnL>
+                    <a:lnR>
+                      <a:noFill/>
+                    </a:lnR>
+                    <a:lnT>
+                      <a:noFill/>
+                    </a:lnT>
+                    <a:lnB>
+                      <a:noFill/>
+                    </a:lnB>
+                    <a:noFill/>
+                  </a:tcPr>
+                </a:tc>
+                <a:tc>
+                  <a:txBody>
+                    <a:bodyPr/>
+                    <a:lstStyle/>
+                    <a:p>
+                      <a:pPr>
+                        <a:buNone/>
+                      </a:pPr>
+                      <a:r>
+                        <a:rPr lang="en-IN" sz="800"/>
+                        <a:t>Low</a:t>
+                      </a:r>
+                    </a:p>
+                  </a:txBody>
+                  <a:tcPr marL="41441" marR="41441" marT="20721" marB="20721" anchor="ctr">
+                    <a:lnL>
+                      <a:noFill/>
+                    </a:lnL>
+                    <a:lnR>
+                      <a:noFill/>
+                    </a:lnR>
+                    <a:lnT>
+                      <a:noFill/>
+                    </a:lnT>
+                    <a:lnB>
+                      <a:noFill/>
+                    </a:lnB>
+                    <a:noFill/>
+                  </a:tcPr>
+                </a:tc>
+                <a:tc>
+                  <a:txBody>
+                    <a:bodyPr/>
+                    <a:lstStyle/>
+                    <a:p>
+                      <a:pPr>
+                        <a:buNone/>
+                      </a:pPr>
+                      <a:r>
+                        <a:rPr lang="en-IN" sz="800"/>
+                        <a:t>Low</a:t>
+                      </a:r>
+                    </a:p>
+                  </a:txBody>
+                  <a:tcPr marL="41441" marR="41441" marT="20721" marB="20721" anchor="ctr">
+                    <a:lnL>
+                      <a:noFill/>
+                    </a:lnL>
+                    <a:lnR>
+                      <a:noFill/>
+                    </a:lnR>
+                    <a:lnT>
+                      <a:noFill/>
+                    </a:lnT>
+                    <a:lnB>
+                      <a:noFill/>
+                    </a:lnB>
+                    <a:noFill/>
+                  </a:tcPr>
+                </a:tc>
+                <a:extLst>
+                  <a:ext uri="{0D108BD9-81ED-4DB2-BD59-A6C34878D82A}">
+                    <a16:rowId xmlns:a16="http://schemas.microsoft.com/office/drawing/2014/main" val="942958248"/>
+                  </a:ext>
+                </a:extLst>
+              </a:tr>
+              <a:tr h="358877">
+                <a:tc>
+                  <a:txBody>
+                    <a:bodyPr/>
+                    <a:lstStyle/>
+                    <a:p>
+                      <a:pPr>
+                        <a:buNone/>
+                      </a:pPr>
+                      <a:r>
+                        <a:rPr lang="en-IN" sz="800"/>
+                        <a:t>Support tickets raised</a:t>
+                      </a:r>
+                    </a:p>
+                  </a:txBody>
+                  <a:tcPr marL="41441" marR="41441" marT="20721" marB="20721" anchor="ctr">
+                    <a:lnL>
+                      <a:noFill/>
+                    </a:lnL>
+                    <a:lnR>
+                      <a:noFill/>
+                    </a:lnR>
+                    <a:lnT>
+                      <a:noFill/>
+                    </a:lnT>
+                    <a:lnB>
+                      <a:noFill/>
+                    </a:lnB>
+                    <a:noFill/>
+                  </a:tcPr>
+                </a:tc>
+                <a:tc>
+                  <a:txBody>
+                    <a:bodyPr/>
+                    <a:lstStyle/>
+                    <a:p>
+                      <a:pPr>
+                        <a:buNone/>
+                      </a:pPr>
+                      <a:r>
+                        <a:rPr lang="en-IN" sz="800" dirty="0"/>
+                        <a:t>Low</a:t>
+                      </a:r>
+                    </a:p>
+                  </a:txBody>
+                  <a:tcPr marL="41441" marR="41441" marT="20721" marB="20721" anchor="ctr">
+                    <a:lnL>
+                      <a:noFill/>
+                    </a:lnL>
+                    <a:lnR>
+                      <a:noFill/>
+                    </a:lnR>
+                    <a:lnT>
+                      <a:noFill/>
+                    </a:lnT>
+                    <a:lnB>
+                      <a:noFill/>
+                    </a:lnB>
+                    <a:noFill/>
+                  </a:tcPr>
+                </a:tc>
+                <a:tc>
+                  <a:txBody>
+                    <a:bodyPr/>
+                    <a:lstStyle/>
+                    <a:p>
+                      <a:pPr>
+                        <a:buNone/>
+                      </a:pPr>
+                      <a:r>
+                        <a:rPr lang="en-IN" sz="800"/>
+                        <a:t>Low</a:t>
+                      </a:r>
+                    </a:p>
+                  </a:txBody>
+                  <a:tcPr marL="41441" marR="41441" marT="20721" marB="20721" anchor="ctr">
+                    <a:lnL>
+                      <a:noFill/>
+                    </a:lnL>
+                    <a:lnR>
+                      <a:noFill/>
+                    </a:lnR>
+                    <a:lnT>
+                      <a:noFill/>
+                    </a:lnT>
+                    <a:lnB>
+                      <a:noFill/>
+                    </a:lnB>
+                    <a:noFill/>
+                  </a:tcPr>
+                </a:tc>
+                <a:tc>
+                  <a:txBody>
+                    <a:bodyPr/>
+                    <a:lstStyle/>
+                    <a:p>
+                      <a:pPr>
+                        <a:buNone/>
+                      </a:pPr>
+                      <a:r>
+                        <a:rPr lang="en-IN" sz="800"/>
+                        <a:t>Low</a:t>
+                      </a:r>
+                    </a:p>
+                  </a:txBody>
+                  <a:tcPr marL="41441" marR="41441" marT="20721" marB="20721" anchor="ctr">
+                    <a:lnL>
+                      <a:noFill/>
+                    </a:lnL>
+                    <a:lnR>
+                      <a:noFill/>
+                    </a:lnR>
+                    <a:lnT>
+                      <a:noFill/>
+                    </a:lnT>
+                    <a:lnB>
+                      <a:noFill/>
+                    </a:lnB>
+                    <a:noFill/>
+                  </a:tcPr>
+                </a:tc>
+                <a:tc>
+                  <a:txBody>
+                    <a:bodyPr/>
+                    <a:lstStyle/>
+                    <a:p>
+                      <a:pPr>
+                        <a:buNone/>
+                      </a:pPr>
+                      <a:r>
+                        <a:rPr lang="en-IN" sz="800"/>
+                        <a:t>Low</a:t>
+                      </a:r>
+                    </a:p>
+                  </a:txBody>
+                  <a:tcPr marL="41441" marR="41441" marT="20721" marB="20721" anchor="ctr">
+                    <a:lnL>
+                      <a:noFill/>
+                    </a:lnL>
+                    <a:lnR>
+                      <a:noFill/>
+                    </a:lnR>
+                    <a:lnT>
+                      <a:noFill/>
+                    </a:lnT>
+                    <a:lnB>
+                      <a:noFill/>
+                    </a:lnB>
+                    <a:noFill/>
+                  </a:tcPr>
+                </a:tc>
+                <a:extLst>
+                  <a:ext uri="{0D108BD9-81ED-4DB2-BD59-A6C34878D82A}">
+                    <a16:rowId xmlns:a16="http://schemas.microsoft.com/office/drawing/2014/main" val="4051972211"/>
+                  </a:ext>
+                </a:extLst>
+              </a:tr>
+              <a:tr h="358877">
+                <a:tc>
+                  <a:txBody>
+                    <a:bodyPr/>
+                    <a:lstStyle/>
+                    <a:p>
+                      <a:pPr>
+                        <a:buNone/>
+                      </a:pPr>
+                      <a:r>
+                        <a:rPr lang="en-IN" sz="800"/>
+                        <a:t>Days since last login</a:t>
+                      </a:r>
+                    </a:p>
+                  </a:txBody>
+                  <a:tcPr marL="41441" marR="41441" marT="20721" marB="20721" anchor="ctr">
+                    <a:lnL>
+                      <a:noFill/>
+                    </a:lnL>
+                    <a:lnR>
+                      <a:noFill/>
+                    </a:lnR>
+                    <a:lnT>
+                      <a:noFill/>
+                    </a:lnT>
+                    <a:lnB>
+                      <a:noFill/>
+                    </a:lnB>
+                    <a:noFill/>
+                  </a:tcPr>
+                </a:tc>
+                <a:tc>
+                  <a:txBody>
+                    <a:bodyPr/>
+                    <a:lstStyle/>
+                    <a:p>
+                      <a:pPr>
+                        <a:buNone/>
+                      </a:pPr>
+                      <a:r>
+                        <a:rPr lang="en-IN" sz="800" dirty="0"/>
+                        <a:t>High (Inactive)</a:t>
+                      </a:r>
+                    </a:p>
+                  </a:txBody>
+                  <a:tcPr marL="41441" marR="41441" marT="20721" marB="20721" anchor="ctr">
+                    <a:lnL>
+                      <a:noFill/>
+                    </a:lnL>
+                    <a:lnR>
+                      <a:noFill/>
+                    </a:lnR>
+                    <a:lnT>
+                      <a:noFill/>
+                    </a:lnT>
+                    <a:lnB>
+                      <a:noFill/>
+                    </a:lnB>
+                    <a:noFill/>
+                  </a:tcPr>
+                </a:tc>
+                <a:tc>
+                  <a:txBody>
+                    <a:bodyPr/>
+                    <a:lstStyle/>
+                    <a:p>
+                      <a:pPr>
+                        <a:buNone/>
+                      </a:pPr>
+                      <a:r>
+                        <a:rPr lang="en-US" sz="800" dirty="0"/>
+                        <a:t>Low</a:t>
+                      </a:r>
+                      <a:endParaRPr lang="en-IN" sz="800" dirty="0"/>
+                    </a:p>
+                  </a:txBody>
+                  <a:tcPr marL="41441" marR="41441" marT="20721" marB="20721" anchor="ctr">
+                    <a:lnL>
+                      <a:noFill/>
+                    </a:lnL>
+                    <a:lnR>
+                      <a:noFill/>
+                    </a:lnR>
+                    <a:lnT>
+                      <a:noFill/>
+                    </a:lnT>
+                    <a:lnB>
+                      <a:noFill/>
+                    </a:lnB>
+                    <a:noFill/>
+                  </a:tcPr>
+                </a:tc>
+                <a:tc>
+                  <a:txBody>
+                    <a:bodyPr/>
+                    <a:lstStyle/>
+                    <a:p>
+                      <a:pPr>
+                        <a:buNone/>
+                      </a:pPr>
+                      <a:r>
+                        <a:rPr lang="en-IN" sz="800"/>
+                        <a:t>High (Inactive)</a:t>
+                      </a:r>
+                    </a:p>
+                  </a:txBody>
+                  <a:tcPr marL="41441" marR="41441" marT="20721" marB="20721" anchor="ctr">
+                    <a:lnL>
+                      <a:noFill/>
+                    </a:lnL>
+                    <a:lnR>
+                      <a:noFill/>
+                    </a:lnR>
+                    <a:lnT>
+                      <a:noFill/>
+                    </a:lnT>
+                    <a:lnB>
+                      <a:noFill/>
+                    </a:lnB>
+                    <a:noFill/>
+                  </a:tcPr>
+                </a:tc>
+                <a:tc>
+                  <a:txBody>
+                    <a:bodyPr/>
+                    <a:lstStyle/>
+                    <a:p>
+                      <a:pPr>
+                        <a:buNone/>
+                      </a:pPr>
+                      <a:r>
+                        <a:rPr lang="en-IN" sz="800"/>
+                        <a:t>High (Inactive)</a:t>
+                      </a:r>
+                    </a:p>
+                  </a:txBody>
+                  <a:tcPr marL="41441" marR="41441" marT="20721" marB="20721" anchor="ctr">
+                    <a:lnL>
+                      <a:noFill/>
+                    </a:lnL>
+                    <a:lnR>
+                      <a:noFill/>
+                    </a:lnR>
+                    <a:lnT>
+                      <a:noFill/>
+                    </a:lnT>
+                    <a:lnB>
+                      <a:noFill/>
+                    </a:lnB>
+                    <a:noFill/>
+                  </a:tcPr>
+                </a:tc>
+                <a:extLst>
+                  <a:ext uri="{0D108BD9-81ED-4DB2-BD59-A6C34878D82A}">
+                    <a16:rowId xmlns:a16="http://schemas.microsoft.com/office/drawing/2014/main" val="3813167023"/>
+                  </a:ext>
+                </a:extLst>
+              </a:tr>
+              <a:tr h="358877">
+                <a:tc>
+                  <a:txBody>
+                    <a:bodyPr/>
+                    <a:lstStyle/>
+                    <a:p>
+                      <a:pPr>
+                        <a:buNone/>
+                      </a:pPr>
+                      <a:r>
+                        <a:rPr lang="en-US" sz="800"/>
+                        <a:t>Ads clicked (last 30 days)</a:t>
+                      </a:r>
+                    </a:p>
+                  </a:txBody>
+                  <a:tcPr marL="41441" marR="41441" marT="20721" marB="20721" anchor="ctr">
+                    <a:lnL>
+                      <a:noFill/>
+                    </a:lnL>
+                    <a:lnR>
+                      <a:noFill/>
+                    </a:lnR>
+                    <a:lnT>
+                      <a:noFill/>
+                    </a:lnT>
+                    <a:lnB>
+                      <a:noFill/>
+                    </a:lnB>
+                    <a:noFill/>
+                  </a:tcPr>
+                </a:tc>
+                <a:tc>
+                  <a:txBody>
+                    <a:bodyPr/>
+                    <a:lstStyle/>
+                    <a:p>
+                      <a:pPr>
+                        <a:buNone/>
+                      </a:pPr>
+                      <a:r>
+                        <a:rPr lang="en-IN" sz="800" dirty="0"/>
+                        <a:t>Moderate</a:t>
+                      </a:r>
+                    </a:p>
+                  </a:txBody>
+                  <a:tcPr marL="41441" marR="41441" marT="20721" marB="20721" anchor="ctr">
+                    <a:lnL>
+                      <a:noFill/>
+                    </a:lnL>
+                    <a:lnR>
+                      <a:noFill/>
+                    </a:lnR>
+                    <a:lnT>
+                      <a:noFill/>
+                    </a:lnT>
+                    <a:lnB>
+                      <a:noFill/>
+                    </a:lnB>
+                    <a:noFill/>
+                  </a:tcPr>
+                </a:tc>
+                <a:tc>
+                  <a:txBody>
+                    <a:bodyPr/>
+                    <a:lstStyle/>
+                    <a:p>
+                      <a:pPr>
+                        <a:buNone/>
+                      </a:pPr>
+                      <a:r>
+                        <a:rPr lang="en-US" sz="800" dirty="0"/>
+                        <a:t>Low</a:t>
+                      </a:r>
+                      <a:endParaRPr lang="en-IN" sz="800" dirty="0"/>
+                    </a:p>
+                  </a:txBody>
+                  <a:tcPr marL="41441" marR="41441" marT="20721" marB="20721" anchor="ctr">
+                    <a:lnL>
+                      <a:noFill/>
+                    </a:lnL>
+                    <a:lnR>
+                      <a:noFill/>
+                    </a:lnR>
+                    <a:lnT>
+                      <a:noFill/>
+                    </a:lnT>
+                    <a:lnB>
+                      <a:noFill/>
+                    </a:lnB>
+                    <a:noFill/>
+                  </a:tcPr>
+                </a:tc>
+                <a:tc>
+                  <a:txBody>
+                    <a:bodyPr/>
+                    <a:lstStyle/>
+                    <a:p>
+                      <a:pPr>
+                        <a:buNone/>
+                      </a:pPr>
+                      <a:r>
+                        <a:rPr lang="en-IN" sz="800" dirty="0"/>
+                        <a:t>Moderate</a:t>
+                      </a:r>
+                    </a:p>
+                  </a:txBody>
+                  <a:tcPr marL="41441" marR="41441" marT="20721" marB="20721" anchor="ctr">
+                    <a:lnL>
+                      <a:noFill/>
+                    </a:lnL>
+                    <a:lnR>
+                      <a:noFill/>
+                    </a:lnR>
+                    <a:lnT>
+                      <a:noFill/>
+                    </a:lnT>
+                    <a:lnB>
+                      <a:noFill/>
+                    </a:lnB>
+                    <a:noFill/>
+                  </a:tcPr>
+                </a:tc>
+                <a:tc>
+                  <a:txBody>
+                    <a:bodyPr/>
+                    <a:lstStyle/>
+                    <a:p>
+                      <a:pPr>
+                        <a:buNone/>
+                      </a:pPr>
+                      <a:r>
+                        <a:rPr lang="en-IN" sz="800"/>
+                        <a:t>Moderate</a:t>
+                      </a:r>
+                    </a:p>
+                  </a:txBody>
+                  <a:tcPr marL="41441" marR="41441" marT="20721" marB="20721" anchor="ctr">
+                    <a:lnL>
+                      <a:noFill/>
+                    </a:lnL>
+                    <a:lnR>
+                      <a:noFill/>
+                    </a:lnR>
+                    <a:lnT>
+                      <a:noFill/>
+                    </a:lnT>
+                    <a:lnB>
+                      <a:noFill/>
+                    </a:lnB>
+                    <a:noFill/>
+                  </a:tcPr>
+                </a:tc>
+                <a:extLst>
+                  <a:ext uri="{0D108BD9-81ED-4DB2-BD59-A6C34878D82A}">
+                    <a16:rowId xmlns:a16="http://schemas.microsoft.com/office/drawing/2014/main" val="2689737028"/>
+                  </a:ext>
+                </a:extLst>
+              </a:tr>
+              <a:tr h="358877">
+                <a:tc>
+                  <a:txBody>
+                    <a:bodyPr/>
+                    <a:lstStyle/>
+                    <a:p>
+                      <a:pPr>
+                        <a:buNone/>
+                      </a:pPr>
+                      <a:r>
+                        <a:rPr lang="en-IN" sz="800"/>
+                        <a:t>Content downloads</a:t>
+                      </a:r>
+                    </a:p>
+                  </a:txBody>
+                  <a:tcPr marL="41441" marR="41441" marT="20721" marB="20721" anchor="ctr">
+                    <a:lnL>
+                      <a:noFill/>
+                    </a:lnL>
+                    <a:lnR>
+                      <a:noFill/>
+                    </a:lnR>
+                    <a:lnT>
+                      <a:noFill/>
+                    </a:lnT>
+                    <a:lnB>
+                      <a:noFill/>
+                    </a:lnB>
+                    <a:noFill/>
+                  </a:tcPr>
+                </a:tc>
+                <a:tc>
+                  <a:txBody>
+                    <a:bodyPr/>
+                    <a:lstStyle/>
+                    <a:p>
+                      <a:pPr>
+                        <a:buNone/>
+                      </a:pPr>
+                      <a:r>
+                        <a:rPr lang="en-IN" sz="800" dirty="0"/>
+                        <a:t>Moderate</a:t>
+                      </a:r>
+                    </a:p>
+                  </a:txBody>
+                  <a:tcPr marL="41441" marR="41441" marT="20721" marB="20721" anchor="ctr">
+                    <a:lnL>
+                      <a:noFill/>
+                    </a:lnL>
+                    <a:lnR>
+                      <a:noFill/>
+                    </a:lnR>
+                    <a:lnT>
+                      <a:noFill/>
+                    </a:lnT>
+                    <a:lnB>
+                      <a:noFill/>
+                    </a:lnB>
+                    <a:noFill/>
+                  </a:tcPr>
+                </a:tc>
+                <a:tc>
+                  <a:txBody>
+                    <a:bodyPr/>
+                    <a:lstStyle/>
+                    <a:p>
+                      <a:pPr>
+                        <a:buNone/>
+                      </a:pPr>
+                      <a:r>
+                        <a:rPr lang="en-IN" sz="800" dirty="0"/>
+                        <a:t>Low</a:t>
+                      </a:r>
+                    </a:p>
+                  </a:txBody>
+                  <a:tcPr marL="41441" marR="41441" marT="20721" marB="20721" anchor="ctr">
+                    <a:lnL>
+                      <a:noFill/>
+                    </a:lnL>
+                    <a:lnR>
+                      <a:noFill/>
+                    </a:lnR>
+                    <a:lnT>
+                      <a:noFill/>
+                    </a:lnT>
+                    <a:lnB>
+                      <a:noFill/>
+                    </a:lnB>
+                    <a:noFill/>
+                  </a:tcPr>
+                </a:tc>
+                <a:tc>
+                  <a:txBody>
+                    <a:bodyPr/>
+                    <a:lstStyle/>
+                    <a:p>
+                      <a:pPr>
+                        <a:buNone/>
+                      </a:pPr>
+                      <a:r>
+                        <a:rPr lang="en-IN" sz="800"/>
+                        <a:t>Low</a:t>
+                      </a:r>
+                    </a:p>
+                  </a:txBody>
+                  <a:tcPr marL="41441" marR="41441" marT="20721" marB="20721" anchor="ctr">
+                    <a:lnL>
+                      <a:noFill/>
+                    </a:lnL>
+                    <a:lnR>
+                      <a:noFill/>
+                    </a:lnR>
+                    <a:lnT>
+                      <a:noFill/>
+                    </a:lnT>
+                    <a:lnB>
+                      <a:noFill/>
+                    </a:lnB>
+                    <a:noFill/>
+                  </a:tcPr>
+                </a:tc>
+                <a:tc>
+                  <a:txBody>
+                    <a:bodyPr/>
+                    <a:lstStyle/>
+                    <a:p>
+                      <a:pPr>
+                        <a:buNone/>
+                      </a:pPr>
+                      <a:r>
+                        <a:rPr lang="en-IN" sz="800"/>
+                        <a:t>Low</a:t>
+                      </a:r>
+                    </a:p>
+                  </a:txBody>
+                  <a:tcPr marL="41441" marR="41441" marT="20721" marB="20721" anchor="ctr">
+                    <a:lnL>
+                      <a:noFill/>
+                    </a:lnL>
+                    <a:lnR>
+                      <a:noFill/>
+                    </a:lnR>
+                    <a:lnT>
+                      <a:noFill/>
+                    </a:lnT>
+                    <a:lnB>
+                      <a:noFill/>
+                    </a:lnB>
+                    <a:noFill/>
+                  </a:tcPr>
+                </a:tc>
+                <a:extLst>
+                  <a:ext uri="{0D108BD9-81ED-4DB2-BD59-A6C34878D82A}">
+                    <a16:rowId xmlns:a16="http://schemas.microsoft.com/office/drawing/2014/main" val="3476138743"/>
+                  </a:ext>
+                </a:extLst>
+              </a:tr>
+              <a:tr h="205073">
+                <a:tc>
+                  <a:txBody>
+                    <a:bodyPr/>
+                    <a:lstStyle/>
+                    <a:p>
+                      <a:pPr>
+                        <a:buNone/>
+                      </a:pPr>
+                      <a:r>
+                        <a:rPr lang="en-IN" sz="800"/>
+                        <a:t>Social shares</a:t>
+                      </a:r>
+                    </a:p>
+                  </a:txBody>
+                  <a:tcPr marL="41441" marR="41441" marT="20721" marB="20721" anchor="ctr">
+                    <a:lnL>
+                      <a:noFill/>
+                    </a:lnL>
+                    <a:lnR>
+                      <a:noFill/>
+                    </a:lnR>
+                    <a:lnT>
+                      <a:noFill/>
+                    </a:lnT>
+                    <a:lnB>
+                      <a:noFill/>
+                    </a:lnB>
+                    <a:noFill/>
+                  </a:tcPr>
+                </a:tc>
+                <a:tc>
+                  <a:txBody>
+                    <a:bodyPr/>
+                    <a:lstStyle/>
+                    <a:p>
+                      <a:pPr>
+                        <a:buNone/>
+                      </a:pPr>
+                      <a:r>
+                        <a:rPr lang="en-IN" sz="800" dirty="0"/>
+                        <a:t>Low</a:t>
+                      </a:r>
+                    </a:p>
+                  </a:txBody>
+                  <a:tcPr marL="41441" marR="41441" marT="20721" marB="20721" anchor="ctr">
+                    <a:lnL>
+                      <a:noFill/>
+                    </a:lnL>
+                    <a:lnR>
+                      <a:noFill/>
+                    </a:lnR>
+                    <a:lnT>
+                      <a:noFill/>
+                    </a:lnT>
+                    <a:lnB>
+                      <a:noFill/>
+                    </a:lnB>
+                    <a:noFill/>
+                  </a:tcPr>
+                </a:tc>
+                <a:tc>
+                  <a:txBody>
+                    <a:bodyPr/>
+                    <a:lstStyle/>
+                    <a:p>
+                      <a:pPr>
+                        <a:buNone/>
+                      </a:pPr>
+                      <a:r>
+                        <a:rPr lang="en-IN" sz="800" dirty="0"/>
+                        <a:t>Low</a:t>
+                      </a:r>
+                    </a:p>
+                  </a:txBody>
+                  <a:tcPr marL="41441" marR="41441" marT="20721" marB="20721" anchor="ctr">
+                    <a:lnL>
+                      <a:noFill/>
+                    </a:lnL>
+                    <a:lnR>
+                      <a:noFill/>
+                    </a:lnR>
+                    <a:lnT>
+                      <a:noFill/>
+                    </a:lnT>
+                    <a:lnB>
+                      <a:noFill/>
+                    </a:lnB>
+                    <a:noFill/>
+                  </a:tcPr>
+                </a:tc>
+                <a:tc>
+                  <a:txBody>
+                    <a:bodyPr/>
+                    <a:lstStyle/>
+                    <a:p>
+                      <a:pPr>
+                        <a:buNone/>
+                      </a:pPr>
+                      <a:r>
+                        <a:rPr lang="en-IN" sz="800"/>
+                        <a:t>Low</a:t>
+                      </a:r>
+                    </a:p>
+                  </a:txBody>
+                  <a:tcPr marL="41441" marR="41441" marT="20721" marB="20721" anchor="ctr">
+                    <a:lnL>
+                      <a:noFill/>
+                    </a:lnL>
+                    <a:lnR>
+                      <a:noFill/>
+                    </a:lnR>
+                    <a:lnT>
+                      <a:noFill/>
+                    </a:lnT>
+                    <a:lnB>
+                      <a:noFill/>
+                    </a:lnB>
+                    <a:noFill/>
+                  </a:tcPr>
+                </a:tc>
+                <a:tc>
+                  <a:txBody>
+                    <a:bodyPr/>
+                    <a:lstStyle/>
+                    <a:p>
+                      <a:pPr>
+                        <a:buNone/>
+                      </a:pPr>
+                      <a:r>
+                        <a:rPr lang="en-IN" sz="800"/>
+                        <a:t>Low</a:t>
+                      </a:r>
+                    </a:p>
+                  </a:txBody>
+                  <a:tcPr marL="41441" marR="41441" marT="20721" marB="20721" anchor="ctr">
+                    <a:lnL>
+                      <a:noFill/>
+                    </a:lnL>
+                    <a:lnR>
+                      <a:noFill/>
+                    </a:lnR>
+                    <a:lnT>
+                      <a:noFill/>
+                    </a:lnT>
+                    <a:lnB>
+                      <a:noFill/>
+                    </a:lnB>
+                    <a:noFill/>
+                  </a:tcPr>
+                </a:tc>
+                <a:extLst>
+                  <a:ext uri="{0D108BD9-81ED-4DB2-BD59-A6C34878D82A}">
+                    <a16:rowId xmlns:a16="http://schemas.microsoft.com/office/drawing/2014/main" val="1576976079"/>
+                  </a:ext>
+                </a:extLst>
+              </a:tr>
+              <a:tr h="205073">
+                <a:tc>
+                  <a:txBody>
+                    <a:bodyPr/>
+                    <a:lstStyle/>
+                    <a:p>
+                      <a:pPr>
+                        <a:buNone/>
+                      </a:pPr>
+                      <a:r>
+                        <a:rPr lang="en-IN" sz="800"/>
+                        <a:t>Rating given</a:t>
+                      </a:r>
+                    </a:p>
+                  </a:txBody>
+                  <a:tcPr marL="41441" marR="41441" marT="20721" marB="20721" anchor="ctr">
+                    <a:lnL>
+                      <a:noFill/>
+                    </a:lnL>
+                    <a:lnR>
+                      <a:noFill/>
+                    </a:lnR>
+                    <a:lnT>
+                      <a:noFill/>
+                    </a:lnT>
+                    <a:lnB>
+                      <a:noFill/>
+                    </a:lnB>
+                    <a:noFill/>
+                  </a:tcPr>
+                </a:tc>
+                <a:tc>
+                  <a:txBody>
+                    <a:bodyPr/>
+                    <a:lstStyle/>
+                    <a:p>
+                      <a:pPr>
+                        <a:buNone/>
+                      </a:pPr>
+                      <a:r>
+                        <a:rPr lang="en-US" sz="800" dirty="0"/>
+                        <a:t>High no problem</a:t>
+                      </a:r>
+                      <a:endParaRPr lang="en-IN" sz="800" dirty="0"/>
+                    </a:p>
+                  </a:txBody>
+                  <a:tcPr marL="41441" marR="41441" marT="20721" marB="20721" anchor="ctr">
+                    <a:lnL>
+                      <a:noFill/>
+                    </a:lnL>
+                    <a:lnR>
+                      <a:noFill/>
+                    </a:lnR>
+                    <a:lnT>
+                      <a:noFill/>
+                    </a:lnT>
+                    <a:lnB>
+                      <a:noFill/>
+                    </a:lnB>
+                    <a:noFill/>
+                  </a:tcPr>
+                </a:tc>
+                <a:tc>
+                  <a:txBody>
+                    <a:bodyPr/>
+                    <a:lstStyle/>
+                    <a:p>
+                      <a:pPr>
+                        <a:buNone/>
+                      </a:pPr>
+                      <a:r>
+                        <a:rPr lang="en-US" sz="800" dirty="0"/>
+                        <a:t>Moderate</a:t>
+                      </a:r>
+                      <a:endParaRPr lang="en-IN" sz="800" dirty="0"/>
+                    </a:p>
+                  </a:txBody>
+                  <a:tcPr marL="41441" marR="41441" marT="20721" marB="20721" anchor="ctr">
+                    <a:lnL>
+                      <a:noFill/>
+                    </a:lnL>
+                    <a:lnR>
+                      <a:noFill/>
+                    </a:lnR>
+                    <a:lnT>
+                      <a:noFill/>
+                    </a:lnT>
+                    <a:lnB>
+                      <a:noFill/>
+                    </a:lnB>
+                    <a:noFill/>
+                  </a:tcPr>
+                </a:tc>
+                <a:tc>
+                  <a:txBody>
+                    <a:bodyPr/>
+                    <a:lstStyle/>
+                    <a:p>
+                      <a:pPr>
+                        <a:buNone/>
+                      </a:pPr>
+                      <a:r>
+                        <a:rPr lang="en-IN" sz="800"/>
+                        <a:t>High</a:t>
+                      </a:r>
+                    </a:p>
+                  </a:txBody>
+                  <a:tcPr marL="41441" marR="41441" marT="20721" marB="20721" anchor="ctr">
+                    <a:lnL>
+                      <a:noFill/>
+                    </a:lnL>
+                    <a:lnR>
+                      <a:noFill/>
+                    </a:lnR>
+                    <a:lnT>
+                      <a:noFill/>
+                    </a:lnT>
+                    <a:lnB>
+                      <a:noFill/>
+                    </a:lnB>
+                    <a:noFill/>
+                  </a:tcPr>
+                </a:tc>
+                <a:tc>
+                  <a:txBody>
+                    <a:bodyPr/>
+                    <a:lstStyle/>
+                    <a:p>
+                      <a:pPr>
+                        <a:buNone/>
+                      </a:pPr>
+                      <a:r>
+                        <a:rPr lang="en-IN" sz="800"/>
+                        <a:t>High</a:t>
+                      </a:r>
+                    </a:p>
+                  </a:txBody>
+                  <a:tcPr marL="41441" marR="41441" marT="20721" marB="20721" anchor="ctr">
+                    <a:lnL>
+                      <a:noFill/>
+                    </a:lnL>
+                    <a:lnR>
+                      <a:noFill/>
+                    </a:lnR>
+                    <a:lnT>
+                      <a:noFill/>
+                    </a:lnT>
+                    <a:lnB>
+                      <a:noFill/>
+                    </a:lnB>
+                    <a:noFill/>
+                  </a:tcPr>
+                </a:tc>
+                <a:extLst>
+                  <a:ext uri="{0D108BD9-81ED-4DB2-BD59-A6C34878D82A}">
+                    <a16:rowId xmlns:a16="http://schemas.microsoft.com/office/drawing/2014/main" val="572513215"/>
+                  </a:ext>
+                </a:extLst>
+              </a:tr>
+              <a:tr h="205073">
+                <a:tc>
+                  <a:txBody>
+                    <a:bodyPr/>
+                    <a:lstStyle/>
+                    <a:p>
+                      <a:pPr>
+                        <a:buNone/>
+                      </a:pPr>
+                      <a:r>
+                        <a:rPr lang="en-IN" sz="800"/>
+                        <a:t>Churn risk score</a:t>
+                      </a:r>
+                    </a:p>
+                  </a:txBody>
+                  <a:tcPr marL="41441" marR="41441" marT="20721" marB="20721" anchor="ctr">
+                    <a:lnL>
+                      <a:noFill/>
+                    </a:lnL>
+                    <a:lnR>
+                      <a:noFill/>
+                    </a:lnR>
+                    <a:lnT>
+                      <a:noFill/>
+                    </a:lnT>
+                    <a:lnB>
+                      <a:noFill/>
+                    </a:lnB>
+                    <a:noFill/>
+                  </a:tcPr>
+                </a:tc>
+                <a:tc>
+                  <a:txBody>
+                    <a:bodyPr/>
+                    <a:lstStyle/>
+                    <a:p>
+                      <a:pPr>
+                        <a:buNone/>
+                      </a:pPr>
+                      <a:r>
+                        <a:rPr lang="en-US" sz="800" dirty="0"/>
+                        <a:t>L</a:t>
+                      </a:r>
+                      <a:r>
+                        <a:rPr lang="en-IN" sz="800" dirty="0"/>
+                        <a:t>ow no problem</a:t>
+                      </a:r>
+                    </a:p>
+                  </a:txBody>
+                  <a:tcPr marL="41441" marR="41441" marT="20721" marB="20721" anchor="ctr">
+                    <a:lnL>
+                      <a:noFill/>
+                    </a:lnL>
+                    <a:lnR>
+                      <a:noFill/>
+                    </a:lnR>
+                    <a:lnT>
+                      <a:noFill/>
+                    </a:lnT>
+                    <a:lnB>
+                      <a:noFill/>
+                    </a:lnB>
+                    <a:noFill/>
+                  </a:tcPr>
+                </a:tc>
+                <a:tc>
+                  <a:txBody>
+                    <a:bodyPr/>
+                    <a:lstStyle/>
+                    <a:p>
+                      <a:pPr>
+                        <a:buNone/>
+                      </a:pPr>
+                      <a:r>
+                        <a:rPr lang="en-IN" sz="800" dirty="0"/>
+                        <a:t>Low</a:t>
+                      </a:r>
+                    </a:p>
+                  </a:txBody>
+                  <a:tcPr marL="41441" marR="41441" marT="20721" marB="20721" anchor="ctr">
+                    <a:lnL>
+                      <a:noFill/>
+                    </a:lnL>
+                    <a:lnR>
+                      <a:noFill/>
+                    </a:lnR>
+                    <a:lnT>
+                      <a:noFill/>
+                    </a:lnT>
+                    <a:lnB>
+                      <a:noFill/>
+                    </a:lnB>
+                    <a:noFill/>
+                  </a:tcPr>
+                </a:tc>
+                <a:tc>
+                  <a:txBody>
+                    <a:bodyPr/>
+                    <a:lstStyle/>
+                    <a:p>
+                      <a:pPr>
+                        <a:buNone/>
+                      </a:pPr>
+                      <a:r>
+                        <a:rPr lang="en-IN" sz="800"/>
+                        <a:t>Low</a:t>
+                      </a:r>
+                    </a:p>
+                  </a:txBody>
+                  <a:tcPr marL="41441" marR="41441" marT="20721" marB="20721" anchor="ctr">
+                    <a:lnL>
+                      <a:noFill/>
+                    </a:lnL>
+                    <a:lnR>
+                      <a:noFill/>
+                    </a:lnR>
+                    <a:lnT>
+                      <a:noFill/>
+                    </a:lnT>
+                    <a:lnB>
+                      <a:noFill/>
+                    </a:lnB>
+                    <a:noFill/>
+                  </a:tcPr>
+                </a:tc>
+                <a:tc>
+                  <a:txBody>
+                    <a:bodyPr/>
+                    <a:lstStyle/>
+                    <a:p>
+                      <a:pPr>
+                        <a:buNone/>
+                      </a:pPr>
+                      <a:r>
+                        <a:rPr lang="en-IN" sz="800"/>
+                        <a:t>Low</a:t>
+                      </a:r>
+                    </a:p>
+                  </a:txBody>
+                  <a:tcPr marL="41441" marR="41441" marT="20721" marB="20721" anchor="ctr">
+                    <a:lnL>
+                      <a:noFill/>
+                    </a:lnL>
+                    <a:lnR>
+                      <a:noFill/>
+                    </a:lnR>
+                    <a:lnT>
+                      <a:noFill/>
+                    </a:lnT>
+                    <a:lnB>
+                      <a:noFill/>
+                    </a:lnB>
+                    <a:noFill/>
+                  </a:tcPr>
+                </a:tc>
+                <a:extLst>
+                  <a:ext uri="{0D108BD9-81ED-4DB2-BD59-A6C34878D82A}">
+                    <a16:rowId xmlns:a16="http://schemas.microsoft.com/office/drawing/2014/main" val="4238667182"/>
+                  </a:ext>
+                </a:extLst>
+              </a:tr>
+              <a:tr h="205073">
+                <a:tc>
+                  <a:txBody>
+                    <a:bodyPr/>
+                    <a:lstStyle/>
+                    <a:p>
+                      <a:pPr>
+                        <a:buNone/>
+                      </a:pPr>
+                      <a:r>
+                        <a:rPr lang="en-IN" sz="800"/>
+                        <a:t>Engagement score</a:t>
+                      </a:r>
+                    </a:p>
+                  </a:txBody>
+                  <a:tcPr marL="41441" marR="41441" marT="20721" marB="20721" anchor="ctr">
+                    <a:lnL>
+                      <a:noFill/>
+                    </a:lnL>
+                    <a:lnR>
+                      <a:noFill/>
+                    </a:lnR>
+                    <a:lnT>
+                      <a:noFill/>
+                    </a:lnT>
+                    <a:lnB>
+                      <a:noFill/>
+                    </a:lnB>
+                    <a:noFill/>
+                  </a:tcPr>
+                </a:tc>
+                <a:tc>
+                  <a:txBody>
+                    <a:bodyPr/>
+                    <a:lstStyle/>
+                    <a:p>
+                      <a:pPr>
+                        <a:buNone/>
+                      </a:pPr>
+                      <a:r>
+                        <a:rPr lang="en-US" sz="800" dirty="0"/>
+                        <a:t>M</a:t>
+                      </a:r>
+                      <a:r>
+                        <a:rPr lang="en-IN" sz="800" dirty="0" err="1"/>
+                        <a:t>oderate</a:t>
+                      </a:r>
+                      <a:endParaRPr lang="en-IN" sz="800" dirty="0"/>
+                    </a:p>
+                  </a:txBody>
+                  <a:tcPr marL="41441" marR="41441" marT="20721" marB="20721" anchor="ctr">
+                    <a:lnL>
+                      <a:noFill/>
+                    </a:lnL>
+                    <a:lnR>
+                      <a:noFill/>
+                    </a:lnR>
+                    <a:lnT>
+                      <a:noFill/>
+                    </a:lnT>
+                    <a:lnB>
+                      <a:noFill/>
+                    </a:lnB>
+                    <a:noFill/>
+                  </a:tcPr>
+                </a:tc>
+                <a:tc>
+                  <a:txBody>
+                    <a:bodyPr/>
+                    <a:lstStyle/>
+                    <a:p>
+                      <a:pPr>
+                        <a:buNone/>
+                      </a:pPr>
+                      <a:r>
+                        <a:rPr lang="en-IN" sz="800"/>
+                        <a:t>Moderate</a:t>
+                      </a:r>
+                    </a:p>
+                  </a:txBody>
+                  <a:tcPr marL="41441" marR="41441" marT="20721" marB="20721" anchor="ctr">
+                    <a:lnL>
+                      <a:noFill/>
+                    </a:lnL>
+                    <a:lnR>
+                      <a:noFill/>
+                    </a:lnR>
+                    <a:lnT>
+                      <a:noFill/>
+                    </a:lnT>
+                    <a:lnB>
+                      <a:noFill/>
+                    </a:lnB>
+                    <a:noFill/>
+                  </a:tcPr>
+                </a:tc>
+                <a:tc>
+                  <a:txBody>
+                    <a:bodyPr/>
+                    <a:lstStyle/>
+                    <a:p>
+                      <a:pPr>
+                        <a:buNone/>
+                      </a:pPr>
+                      <a:r>
+                        <a:rPr lang="en-IN" sz="800"/>
+                        <a:t>High</a:t>
+                      </a:r>
+                    </a:p>
+                  </a:txBody>
+                  <a:tcPr marL="41441" marR="41441" marT="20721" marB="20721" anchor="ctr">
+                    <a:lnL>
+                      <a:noFill/>
+                    </a:lnL>
+                    <a:lnR>
+                      <a:noFill/>
+                    </a:lnR>
+                    <a:lnT>
+                      <a:noFill/>
+                    </a:lnT>
+                    <a:lnB>
+                      <a:noFill/>
+                    </a:lnB>
+                    <a:noFill/>
+                  </a:tcPr>
+                </a:tc>
+                <a:tc>
+                  <a:txBody>
+                    <a:bodyPr/>
+                    <a:lstStyle/>
+                    <a:p>
+                      <a:pPr>
+                        <a:buNone/>
+                      </a:pPr>
+                      <a:r>
+                        <a:rPr lang="en-IN" sz="800"/>
+                        <a:t>High</a:t>
+                      </a:r>
+                    </a:p>
+                  </a:txBody>
+                  <a:tcPr marL="41441" marR="41441" marT="20721" marB="20721" anchor="ctr">
+                    <a:lnL>
+                      <a:noFill/>
+                    </a:lnL>
+                    <a:lnR>
+                      <a:noFill/>
+                    </a:lnR>
+                    <a:lnT>
+                      <a:noFill/>
+                    </a:lnT>
+                    <a:lnB>
+                      <a:noFill/>
+                    </a:lnB>
+                    <a:noFill/>
+                  </a:tcPr>
+                </a:tc>
+                <a:extLst>
+                  <a:ext uri="{0D108BD9-81ED-4DB2-BD59-A6C34878D82A}">
+                    <a16:rowId xmlns:a16="http://schemas.microsoft.com/office/drawing/2014/main" val="3030678710"/>
+                  </a:ext>
+                </a:extLst>
+              </a:tr>
+              <a:tr h="205073">
+                <a:tc>
+                  <a:txBody>
+                    <a:bodyPr/>
+                    <a:lstStyle/>
+                    <a:p>
+                      <a:pPr>
+                        <a:buNone/>
+                      </a:pPr>
+                      <a:r>
+                        <a:rPr lang="en-IN" sz="800"/>
+                        <a:t>Account age (days)</a:t>
+                      </a:r>
+                    </a:p>
+                  </a:txBody>
+                  <a:tcPr marL="41441" marR="41441" marT="20721" marB="20721" anchor="ctr">
+                    <a:lnL>
+                      <a:noFill/>
+                    </a:lnL>
+                    <a:lnR>
+                      <a:noFill/>
+                    </a:lnR>
+                    <a:lnT>
+                      <a:noFill/>
+                    </a:lnT>
+                    <a:lnB>
+                      <a:noFill/>
+                    </a:lnB>
+                    <a:noFill/>
+                  </a:tcPr>
+                </a:tc>
+                <a:tc>
+                  <a:txBody>
+                    <a:bodyPr/>
+                    <a:lstStyle/>
+                    <a:p>
+                      <a:pPr>
+                        <a:buNone/>
+                      </a:pPr>
+                      <a:r>
+                        <a:rPr lang="en-US" sz="800" dirty="0"/>
+                        <a:t>M</a:t>
+                      </a:r>
+                      <a:r>
+                        <a:rPr lang="en-IN" sz="800" dirty="0" err="1"/>
+                        <a:t>oderate</a:t>
+                      </a:r>
+                      <a:endParaRPr lang="en-IN" sz="800" dirty="0"/>
+                    </a:p>
+                  </a:txBody>
+                  <a:tcPr marL="41441" marR="41441" marT="20721" marB="20721" anchor="ctr">
+                    <a:lnL>
+                      <a:noFill/>
+                    </a:lnL>
+                    <a:lnR>
+                      <a:noFill/>
+                    </a:lnR>
+                    <a:lnT>
+                      <a:noFill/>
+                    </a:lnT>
+                    <a:lnB>
+                      <a:noFill/>
+                    </a:lnB>
+                    <a:noFill/>
+                  </a:tcPr>
+                </a:tc>
+                <a:tc>
+                  <a:txBody>
+                    <a:bodyPr/>
+                    <a:lstStyle/>
+                    <a:p>
+                      <a:pPr>
+                        <a:buNone/>
+                      </a:pPr>
+                      <a:r>
+                        <a:rPr lang="en-IN" sz="800"/>
+                        <a:t>Moderate</a:t>
+                      </a:r>
+                    </a:p>
+                  </a:txBody>
+                  <a:tcPr marL="41441" marR="41441" marT="20721" marB="20721" anchor="ctr">
+                    <a:lnL>
+                      <a:noFill/>
+                    </a:lnL>
+                    <a:lnR>
+                      <a:noFill/>
+                    </a:lnR>
+                    <a:lnT>
+                      <a:noFill/>
+                    </a:lnT>
+                    <a:lnB>
+                      <a:noFill/>
+                    </a:lnB>
+                    <a:noFill/>
+                  </a:tcPr>
+                </a:tc>
+                <a:tc>
+                  <a:txBody>
+                    <a:bodyPr/>
+                    <a:lstStyle/>
+                    <a:p>
+                      <a:pPr>
+                        <a:buNone/>
+                      </a:pPr>
+                      <a:r>
+                        <a:rPr lang="en-IN" sz="800"/>
+                        <a:t>Moderate</a:t>
+                      </a:r>
+                    </a:p>
+                  </a:txBody>
+                  <a:tcPr marL="41441" marR="41441" marT="20721" marB="20721" anchor="ctr">
+                    <a:lnL>
+                      <a:noFill/>
+                    </a:lnL>
+                    <a:lnR>
+                      <a:noFill/>
+                    </a:lnR>
+                    <a:lnT>
+                      <a:noFill/>
+                    </a:lnT>
+                    <a:lnB>
+                      <a:noFill/>
+                    </a:lnB>
+                    <a:noFill/>
+                  </a:tcPr>
+                </a:tc>
+                <a:tc>
+                  <a:txBody>
+                    <a:bodyPr/>
+                    <a:lstStyle/>
+                    <a:p>
+                      <a:pPr>
+                        <a:buNone/>
+                      </a:pPr>
+                      <a:r>
+                        <a:rPr lang="en-IN" sz="800" dirty="0"/>
+                        <a:t>Moderate</a:t>
+                      </a:r>
+                    </a:p>
+                  </a:txBody>
+                  <a:tcPr marL="41441" marR="41441" marT="20721" marB="20721" anchor="ctr">
+                    <a:lnL>
+                      <a:noFill/>
+                    </a:lnL>
+                    <a:lnR>
+                      <a:noFill/>
+                    </a:lnR>
+                    <a:lnT>
+                      <a:noFill/>
+                    </a:lnT>
+                    <a:lnB>
+                      <a:noFill/>
+                    </a:lnB>
+                    <a:noFill/>
+                  </a:tcPr>
+                </a:tc>
+                <a:extLst>
+                  <a:ext uri="{0D108BD9-81ED-4DB2-BD59-A6C34878D82A}">
+                    <a16:rowId xmlns:a16="http://schemas.microsoft.com/office/drawing/2014/main" val="3120170695"/>
+                  </a:ext>
+                </a:extLst>
+              </a:tr>
+            </a:tbl>
+          </a:graphicData>
+        </a:graphic>
+      </p:graphicFrame>
+    </p:spTree>
+    <p:extLst>
+      <p:ext uri="{BB962C8B-B14F-4D97-AF65-F5344CB8AC3E}">
+        <p14:creationId xmlns:p14="http://schemas.microsoft.com/office/powerpoint/2010/main" val="2209930607"/>
+      </p:ext>
+    </p:extLst>
+  </p:cSld>
+  <p:clrMapOvr>
+    <a:masterClrMapping/>
+  </p:clrMapOvr>
+</p:sld>
+</file>
+
+<file path=ppt/slides/slide9.xml><?xml version="1.0" encoding="utf-8"?>
+<p:sld xmlns:a="http://schemas.openxmlformats.org/drawingml/2006/main" xmlns:r="http://schemas.openxmlformats.org/officeDocument/2006/relationships" xmlns:p="http://schemas.openxmlformats.org/presentationml/2006/main">
+  <p:cSld>
+    <p:spTree>
+      <p:nvGrpSpPr>
+        <p:cNvPr id="1" name=""/>
+        <p:cNvGrpSpPr/>
+        <p:nvPr/>
+      </p:nvGrpSpPr>
+      <p:grpSpPr>
+        <a:xfrm>
+          <a:off x="0" y="0"/>
+          <a:ext cx="0" cy="0"/>
+          <a:chOff x="0" y="0"/>
+          <a:chExt cx="0" cy="0"/>
+        </a:xfrm>
+      </p:grpSpPr>
+      <p:sp>
+        <p:nvSpPr>
+          <p:cNvPr id="2" name="Title 1">
+            <a:extLst>
+              <a:ext uri="{FF2B5EF4-FFF2-40B4-BE49-F238E27FC236}">
                 <a16:creationId xmlns:a16="http://schemas.microsoft.com/office/drawing/2014/main" id="{6A1C16F7-0744-E98C-15FC-F1E2D2145909}"/>
               </a:ext>
             </a:extLst>
@@ -8983,137 +12107,6 @@
     <p:extLst>
       <p:ext uri="{BB962C8B-B14F-4D97-AF65-F5344CB8AC3E}">
         <p14:creationId xmlns:p14="http://schemas.microsoft.com/office/powerpoint/2010/main" val="933588719"/>
-      </p:ext>
-    </p:extLst>
-  </p:cSld>
-  <p:clrMapOvr>
-    <a:masterClrMapping/>
-  </p:clrMapOvr>
-</p:sld>
-</file>
-
-<file path=ppt/slides/slide9.xml><?xml version="1.0" encoding="utf-8"?>
-<p:sld xmlns:a="http://schemas.openxmlformats.org/drawingml/2006/main" xmlns:r="http://schemas.openxmlformats.org/officeDocument/2006/relationships" xmlns:p="http://schemas.openxmlformats.org/presentationml/2006/main">
-  <p:cSld>
-    <p:spTree>
-      <p:nvGrpSpPr>
-        <p:cNvPr id="1" name=""/>
-        <p:cNvGrpSpPr/>
-        <p:nvPr/>
-      </p:nvGrpSpPr>
-      <p:grpSpPr>
-        <a:xfrm>
-          <a:off x="0" y="0"/>
-          <a:ext cx="0" cy="0"/>
-          <a:chOff x="0" y="0"/>
-          <a:chExt cx="0" cy="0"/>
-        </a:xfrm>
-      </p:grpSpPr>
-      <p:sp>
-        <p:nvSpPr>
-          <p:cNvPr id="2" name="Title 1">
-            <a:extLst>
-              <a:ext uri="{FF2B5EF4-FFF2-40B4-BE49-F238E27FC236}">
-                <a16:creationId xmlns:a16="http://schemas.microsoft.com/office/drawing/2014/main" id="{3A8C8522-79DE-2F8D-9F72-BEDA19B79EAB}"/>
-              </a:ext>
-            </a:extLst>
-          </p:cNvPr>
-          <p:cNvSpPr>
-            <a:spLocks noGrp="1"/>
-          </p:cNvSpPr>
-          <p:nvPr>
-            <p:ph type="title"/>
-          </p:nvPr>
-        </p:nvSpPr>
-        <p:spPr/>
-        <p:txBody>
-          <a:bodyPr/>
-          <a:lstStyle/>
-          <a:p>
-            <a:pPr algn="ctr"/>
-            <a:r>
-              <a:rPr lang="en-IN" dirty="0">
-                <a:latin typeface="Times New Roman" panose="02020603050405020304" pitchFamily="18" charset="0"/>
-                <a:cs typeface="Times New Roman" panose="02020603050405020304" pitchFamily="18" charset="0"/>
-              </a:rPr>
-              <a:t>Actionable</a:t>
-            </a:r>
-            <a:r>
-              <a:rPr lang="en-IN" dirty="0"/>
-              <a:t> Impact</a:t>
-            </a:r>
-          </a:p>
-        </p:txBody>
-      </p:sp>
-      <p:sp>
-        <p:nvSpPr>
-          <p:cNvPr id="3" name="Content Placeholder 2">
-            <a:extLst>
-              <a:ext uri="{FF2B5EF4-FFF2-40B4-BE49-F238E27FC236}">
-                <a16:creationId xmlns:a16="http://schemas.microsoft.com/office/drawing/2014/main" id="{CB105B17-169B-7E76-3BAF-944301CFC9D5}"/>
-              </a:ext>
-            </a:extLst>
-          </p:cNvPr>
-          <p:cNvSpPr>
-            <a:spLocks noGrp="1"/>
-          </p:cNvSpPr>
-          <p:nvPr>
-            <p:ph idx="1"/>
-          </p:nvPr>
-        </p:nvSpPr>
-        <p:spPr>
-          <a:xfrm>
-            <a:off x="838200" y="1825625"/>
-            <a:ext cx="10515600" cy="2534104"/>
-          </a:xfrm>
-        </p:spPr>
-        <p:txBody>
-          <a:bodyPr/>
-          <a:lstStyle/>
-          <a:p>
-            <a:r>
-              <a:rPr lang="en-US" dirty="0"/>
-              <a:t>Personalization drives engagement</a:t>
-            </a:r>
-          </a:p>
-          <a:p>
-            <a:r>
-              <a:rPr lang="en-US" dirty="0"/>
-              <a:t>Early detection reduces churn</a:t>
-            </a:r>
-          </a:p>
-          <a:p>
-            <a:r>
-              <a:rPr lang="en-US" dirty="0"/>
-              <a:t>Targeted </a:t>
-            </a:r>
-            <a:r>
-              <a:rPr lang="en-US" dirty="0">
-                <a:latin typeface="Times New Roman" panose="02020603050405020304" pitchFamily="18" charset="0"/>
-                <a:cs typeface="Times New Roman" panose="02020603050405020304" pitchFamily="18" charset="0"/>
-              </a:rPr>
-              <a:t>marketing</a:t>
-            </a:r>
-            <a:r>
-              <a:rPr lang="en-US" dirty="0"/>
-              <a:t> increases conversion</a:t>
-            </a:r>
-          </a:p>
-          <a:p>
-            <a:r>
-              <a:rPr lang="en-US" dirty="0"/>
-              <a:t>Data-driven decisions for product &amp; business strategy</a:t>
-            </a:r>
-          </a:p>
-          <a:p>
-            <a:endParaRPr lang="en-IN" dirty="0"/>
-          </a:p>
-        </p:txBody>
-      </p:sp>
-    </p:spTree>
-    <p:extLst>
-      <p:ext uri="{BB962C8B-B14F-4D97-AF65-F5344CB8AC3E}">
-        <p14:creationId xmlns:p14="http://schemas.microsoft.com/office/powerpoint/2010/main" val="3223666177"/>
       </p:ext>
     </p:extLst>
   </p:cSld>

--- a/App User Behavior Segmentation Using Unsupervised Machine Learning.ppt.pptx
+++ b/App User Behavior Segmentation Using Unsupervised Machine Learning.ppt.pptx
@@ -7,14 +7,23 @@
   <p:sldIdLst>
     <p:sldId id="257" r:id="rId2"/>
     <p:sldId id="258" r:id="rId3"/>
-    <p:sldId id="259" r:id="rId4"/>
-    <p:sldId id="260" r:id="rId5"/>
-    <p:sldId id="261" r:id="rId6"/>
-    <p:sldId id="266" r:id="rId7"/>
-    <p:sldId id="263" r:id="rId8"/>
-    <p:sldId id="267" r:id="rId9"/>
-    <p:sldId id="264" r:id="rId10"/>
-    <p:sldId id="265" r:id="rId11"/>
+    <p:sldId id="268" r:id="rId4"/>
+    <p:sldId id="270" r:id="rId5"/>
+    <p:sldId id="272" r:id="rId6"/>
+    <p:sldId id="271" r:id="rId7"/>
+    <p:sldId id="269" r:id="rId8"/>
+    <p:sldId id="273" r:id="rId9"/>
+    <p:sldId id="274" r:id="rId10"/>
+    <p:sldId id="275" r:id="rId11"/>
+    <p:sldId id="276" r:id="rId12"/>
+    <p:sldId id="259" r:id="rId13"/>
+    <p:sldId id="260" r:id="rId14"/>
+    <p:sldId id="261" r:id="rId15"/>
+    <p:sldId id="266" r:id="rId16"/>
+    <p:sldId id="263" r:id="rId17"/>
+    <p:sldId id="267" r:id="rId18"/>
+    <p:sldId id="264" r:id="rId19"/>
+    <p:sldId id="265" r:id="rId20"/>
   </p:sldIdLst>
   <p:sldSz cx="12192000" cy="6858000"/>
   <p:notesSz cx="6858000" cy="9144000"/>
@@ -124,7 +133,7 @@
 <file path=ppt/revisionInfo.xml><?xml version="1.0" encoding="utf-8"?>
 <p1510:revInfo xmlns:a="http://schemas.openxmlformats.org/drawingml/2006/main" xmlns:r="http://schemas.openxmlformats.org/officeDocument/2006/relationships" xmlns:p1510="http://schemas.microsoft.com/office/powerpoint/2015/10/main">
   <p1510:revLst>
-    <p1510:client id="{0EFFE7CA-15CC-467E-A4C4-DC0AF237599D}" v="69" dt="2026-01-20T15:43:46.422"/>
+    <p1510:client id="{0EFFE7CA-15CC-467E-A4C4-DC0AF237599D}" v="74" dt="2026-01-28T10:24:11.629"/>
   </p1510:revLst>
 </p1510:revInfo>
 </file>
@@ -133,42 +142,11 @@
 <pc:chgInfo xmlns:a="http://schemas.openxmlformats.org/drawingml/2006/main" xmlns:r="http://schemas.openxmlformats.org/officeDocument/2006/relationships" xmlns:ac="http://schemas.microsoft.com/office/drawing/2013/main/command" xmlns:pc="http://schemas.microsoft.com/office/powerpoint/2013/main/command">
   <pc:docChgLst>
     <pc:chgData name="Lakshmi V" userId="f055f243ffb41b73" providerId="LiveId" clId="{2C3D7F03-8558-4387-990D-E818F15C2887}"/>
-    <pc:docChg chg="undo custSel addSld delSld modSld">
-      <pc:chgData name="Lakshmi V" userId="f055f243ffb41b73" providerId="LiveId" clId="{2C3D7F03-8558-4387-990D-E818F15C2887}" dt="2026-01-20T16:15:04.070" v="1634" actId="27636"/>
+    <pc:docChg chg="undo custSel addSld delSld modSld sldOrd">
+      <pc:chgData name="Lakshmi V" userId="f055f243ffb41b73" providerId="LiveId" clId="{2C3D7F03-8558-4387-990D-E818F15C2887}" dt="2026-01-28T10:27:54.077" v="1682" actId="14100"/>
       <pc:docMkLst>
         <pc:docMk/>
       </pc:docMkLst>
-      <pc:sldChg chg="addSp delSp modSp del mod">
-        <pc:chgData name="Lakshmi V" userId="f055f243ffb41b73" providerId="LiveId" clId="{2C3D7F03-8558-4387-990D-E818F15C2887}" dt="2026-01-20T11:24:29.756" v="72" actId="2696"/>
-        <pc:sldMkLst>
-          <pc:docMk/>
-          <pc:sldMk cId="3693361293" sldId="256"/>
-        </pc:sldMkLst>
-        <pc:spChg chg="mod">
-          <ac:chgData name="Lakshmi V" userId="f055f243ffb41b73" providerId="LiveId" clId="{2C3D7F03-8558-4387-990D-E818F15C2887}" dt="2026-01-20T11:23:01.684" v="38" actId="14100"/>
-          <ac:spMkLst>
-            <pc:docMk/>
-            <pc:sldMk cId="3693361293" sldId="256"/>
-            <ac:spMk id="2" creationId="{26ECC722-646F-9CCB-57A6-59C17911C82D}"/>
-          </ac:spMkLst>
-        </pc:spChg>
-        <pc:spChg chg="del">
-          <ac:chgData name="Lakshmi V" userId="f055f243ffb41b73" providerId="LiveId" clId="{2C3D7F03-8558-4387-990D-E818F15C2887}" dt="2026-01-20T11:22:57.499" v="37" actId="21"/>
-          <ac:spMkLst>
-            <pc:docMk/>
-            <pc:sldMk cId="3693361293" sldId="256"/>
-            <ac:spMk id="3" creationId="{0605749B-435F-2ACD-1327-69188D62802B}"/>
-          </ac:spMkLst>
-        </pc:spChg>
-        <pc:spChg chg="add del">
-          <ac:chgData name="Lakshmi V" userId="f055f243ffb41b73" providerId="LiveId" clId="{2C3D7F03-8558-4387-990D-E818F15C2887}" dt="2026-01-20T11:21:43.580" v="11" actId="22"/>
-          <ac:spMkLst>
-            <pc:docMk/>
-            <pc:sldMk cId="3693361293" sldId="256"/>
-            <ac:spMk id="5" creationId="{565A88CA-F4A8-4DA8-9ED2-079A48E9DC94}"/>
-          </ac:spMkLst>
-        </pc:spChg>
-      </pc:sldChg>
       <pc:sldChg chg="modSp new mod">
         <pc:chgData name="Lakshmi V" userId="f055f243ffb41b73" providerId="LiveId" clId="{2C3D7F03-8558-4387-990D-E818F15C2887}" dt="2026-01-20T11:33:16.372" v="108" actId="255"/>
         <pc:sldMkLst>
@@ -229,22 +207,6 @@
             <ac:spMk id="2" creationId="{FD9E7EF6-6909-F97E-2548-491D55551C01}"/>
           </ac:spMkLst>
         </pc:spChg>
-        <pc:spChg chg="del">
-          <ac:chgData name="Lakshmi V" userId="f055f243ffb41b73" providerId="LiveId" clId="{2C3D7F03-8558-4387-990D-E818F15C2887}" dt="2026-01-20T11:25:41.068" v="78"/>
-          <ac:spMkLst>
-            <pc:docMk/>
-            <pc:sldMk cId="2924289807" sldId="259"/>
-            <ac:spMk id="3" creationId="{81DEF4D2-0973-E39F-1DE0-99B526BAA7B6}"/>
-          </ac:spMkLst>
-        </pc:spChg>
-        <pc:spChg chg="add del mod">
-          <ac:chgData name="Lakshmi V" userId="f055f243ffb41b73" providerId="LiveId" clId="{2C3D7F03-8558-4387-990D-E818F15C2887}" dt="2026-01-20T11:26:17.395" v="80" actId="21"/>
-          <ac:spMkLst>
-            <pc:docMk/>
-            <pc:sldMk cId="2924289807" sldId="259"/>
-            <ac:spMk id="5" creationId="{3E47102B-9585-458B-9598-B6500CF4FB75}"/>
-          </ac:spMkLst>
-        </pc:spChg>
         <pc:graphicFrameChg chg="add mod modGraphic">
           <ac:chgData name="Lakshmi V" userId="f055f243ffb41b73" providerId="LiveId" clId="{2C3D7F03-8558-4387-990D-E818F15C2887}" dt="2026-01-20T11:26:28.370" v="82" actId="14100"/>
           <ac:graphicFrameMkLst>
@@ -299,141 +261,6 @@
             <ac:spMk id="3" creationId="{2A118588-3D99-1F25-1934-5C7BCECB6D36}"/>
           </ac:spMkLst>
         </pc:spChg>
-        <pc:spChg chg="add del">
-          <ac:chgData name="Lakshmi V" userId="f055f243ffb41b73" providerId="LiveId" clId="{2C3D7F03-8558-4387-990D-E818F15C2887}" dt="2026-01-20T11:27:27.516" v="87" actId="22"/>
-          <ac:spMkLst>
-            <pc:docMk/>
-            <pc:sldMk cId="1579096862" sldId="261"/>
-            <ac:spMk id="5" creationId="{2C144B6D-BAC2-B5A6-5272-009F597E173F}"/>
-          </ac:spMkLst>
-        </pc:spChg>
-      </pc:sldChg>
-      <pc:sldChg chg="addSp delSp modSp new del mod">
-        <pc:chgData name="Lakshmi V" userId="f055f243ffb41b73" providerId="LiveId" clId="{2C3D7F03-8558-4387-990D-E818F15C2887}" dt="2026-01-20T16:14:32.621" v="1628" actId="2696"/>
-        <pc:sldMkLst>
-          <pc:docMk/>
-          <pc:sldMk cId="2606320982" sldId="262"/>
-        </pc:sldMkLst>
-        <pc:spChg chg="mod">
-          <ac:chgData name="Lakshmi V" userId="f055f243ffb41b73" providerId="LiveId" clId="{2C3D7F03-8558-4387-990D-E818F15C2887}" dt="2026-01-20T11:34:30.863" v="117" actId="2711"/>
-          <ac:spMkLst>
-            <pc:docMk/>
-            <pc:sldMk cId="2606320982" sldId="262"/>
-            <ac:spMk id="2" creationId="{5E0A36F8-C86C-4485-674D-72BDF087F083}"/>
-          </ac:spMkLst>
-        </pc:spChg>
-        <pc:spChg chg="mod">
-          <ac:chgData name="Lakshmi V" userId="f055f243ffb41b73" providerId="LiveId" clId="{2C3D7F03-8558-4387-990D-E818F15C2887}" dt="2026-01-20T13:26:25.170" v="484" actId="20577"/>
-          <ac:spMkLst>
-            <pc:docMk/>
-            <pc:sldMk cId="2606320982" sldId="262"/>
-            <ac:spMk id="3" creationId="{410C5BFE-1A71-A8E9-CA92-D578005DAB58}"/>
-          </ac:spMkLst>
-        </pc:spChg>
-        <pc:spChg chg="add">
-          <ac:chgData name="Lakshmi V" userId="f055f243ffb41b73" providerId="LiveId" clId="{2C3D7F03-8558-4387-990D-E818F15C2887}" dt="2026-01-20T13:17:49.875" v="299"/>
-          <ac:spMkLst>
-            <pc:docMk/>
-            <pc:sldMk cId="2606320982" sldId="262"/>
-            <ac:spMk id="4" creationId="{819D1CFE-C4A6-5337-B5CB-CECBC77C0A78}"/>
-          </ac:spMkLst>
-        </pc:spChg>
-        <pc:spChg chg="add">
-          <ac:chgData name="Lakshmi V" userId="f055f243ffb41b73" providerId="LiveId" clId="{2C3D7F03-8558-4387-990D-E818F15C2887}" dt="2026-01-20T13:18:05.642" v="304"/>
-          <ac:spMkLst>
-            <pc:docMk/>
-            <pc:sldMk cId="2606320982" sldId="262"/>
-            <ac:spMk id="5" creationId="{73756B29-E12D-920B-120A-7F299593D694}"/>
-          </ac:spMkLst>
-        </pc:spChg>
-        <pc:spChg chg="add del mod">
-          <ac:chgData name="Lakshmi V" userId="f055f243ffb41b73" providerId="LiveId" clId="{2C3D7F03-8558-4387-990D-E818F15C2887}" dt="2026-01-20T13:22:26.805" v="350"/>
-          <ac:spMkLst>
-            <pc:docMk/>
-            <pc:sldMk cId="2606320982" sldId="262"/>
-            <ac:spMk id="6" creationId="{98964A9D-8B5E-EC8A-8D6A-BF500FE6F345}"/>
-          </ac:spMkLst>
-        </pc:spChg>
-        <pc:spChg chg="add del mod">
-          <ac:chgData name="Lakshmi V" userId="f055f243ffb41b73" providerId="LiveId" clId="{2C3D7F03-8558-4387-990D-E818F15C2887}" dt="2026-01-20T13:22:09.761" v="347" actId="21"/>
-          <ac:spMkLst>
-            <pc:docMk/>
-            <pc:sldMk cId="2606320982" sldId="262"/>
-            <ac:spMk id="7" creationId="{5E2E7A53-4580-BADF-38CB-5A6309752FDE}"/>
-          </ac:spMkLst>
-        </pc:spChg>
-        <pc:spChg chg="add del mod">
-          <ac:chgData name="Lakshmi V" userId="f055f243ffb41b73" providerId="LiveId" clId="{2C3D7F03-8558-4387-990D-E818F15C2887}" dt="2026-01-20T13:22:05.832" v="346" actId="21"/>
-          <ac:spMkLst>
-            <pc:docMk/>
-            <pc:sldMk cId="2606320982" sldId="262"/>
-            <ac:spMk id="8" creationId="{F2ED54FB-4299-4B3A-3169-217EC5041400}"/>
-          </ac:spMkLst>
-        </pc:spChg>
-        <pc:spChg chg="add del mod">
-          <ac:chgData name="Lakshmi V" userId="f055f243ffb41b73" providerId="LiveId" clId="{2C3D7F03-8558-4387-990D-E818F15C2887}" dt="2026-01-20T13:21:58.345" v="345" actId="21"/>
-          <ac:spMkLst>
-            <pc:docMk/>
-            <pc:sldMk cId="2606320982" sldId="262"/>
-            <ac:spMk id="9" creationId="{6C0CF78B-A5C1-81FA-909C-BEADF6553A75}"/>
-          </ac:spMkLst>
-        </pc:spChg>
-        <pc:spChg chg="add del mod">
-          <ac:chgData name="Lakshmi V" userId="f055f243ffb41b73" providerId="LiveId" clId="{2C3D7F03-8558-4387-990D-E818F15C2887}" dt="2026-01-20T13:22:41.918" v="354" actId="21"/>
-          <ac:spMkLst>
-            <pc:docMk/>
-            <pc:sldMk cId="2606320982" sldId="262"/>
-            <ac:spMk id="10" creationId="{5E2E7A53-4580-BADF-38CB-5A6309752FDE}"/>
-          </ac:spMkLst>
-        </pc:spChg>
-        <pc:spChg chg="add del mod">
-          <ac:chgData name="Lakshmi V" userId="f055f243ffb41b73" providerId="LiveId" clId="{2C3D7F03-8558-4387-990D-E818F15C2887}" dt="2026-01-20T13:22:50.872" v="358" actId="21"/>
-          <ac:spMkLst>
-            <pc:docMk/>
-            <pc:sldMk cId="2606320982" sldId="262"/>
-            <ac:spMk id="11" creationId="{5E2E7A53-4580-BADF-38CB-5A6309752FDE}"/>
-          </ac:spMkLst>
-        </pc:spChg>
-        <pc:spChg chg="add del mod">
-          <ac:chgData name="Lakshmi V" userId="f055f243ffb41b73" providerId="LiveId" clId="{2C3D7F03-8558-4387-990D-E818F15C2887}" dt="2026-01-20T13:22:56.951" v="360" actId="21"/>
-          <ac:spMkLst>
-            <pc:docMk/>
-            <pc:sldMk cId="2606320982" sldId="262"/>
-            <ac:spMk id="12" creationId="{5E2E7A53-4580-BADF-38CB-5A6309752FDE}"/>
-          </ac:spMkLst>
-        </pc:spChg>
-        <pc:spChg chg="add mod">
-          <ac:chgData name="Lakshmi V" userId="f055f243ffb41b73" providerId="LiveId" clId="{2C3D7F03-8558-4387-990D-E818F15C2887}" dt="2026-01-20T13:23:07.501" v="370"/>
-          <ac:spMkLst>
-            <pc:docMk/>
-            <pc:sldMk cId="2606320982" sldId="262"/>
-            <ac:spMk id="13" creationId="{5E2E7A53-4580-BADF-38CB-5A6309752FDE}"/>
-          </ac:spMkLst>
-        </pc:spChg>
-        <pc:spChg chg="add">
-          <ac:chgData name="Lakshmi V" userId="f055f243ffb41b73" providerId="LiveId" clId="{2C3D7F03-8558-4387-990D-E818F15C2887}" dt="2026-01-20T13:23:34.484" v="374"/>
-          <ac:spMkLst>
-            <pc:docMk/>
-            <pc:sldMk cId="2606320982" sldId="262"/>
-            <ac:spMk id="14" creationId="{2B0D8ADE-6F8D-C5E4-18BA-F3DA663221E0}"/>
-          </ac:spMkLst>
-        </pc:spChg>
-        <pc:spChg chg="add">
-          <ac:chgData name="Lakshmi V" userId="f055f243ffb41b73" providerId="LiveId" clId="{2C3D7F03-8558-4387-990D-E818F15C2887}" dt="2026-01-20T13:24:25.486" v="377"/>
-          <ac:spMkLst>
-            <pc:docMk/>
-            <pc:sldMk cId="2606320982" sldId="262"/>
-            <ac:spMk id="15" creationId="{78B5F17E-A9E3-DD55-9AE8-7D7B862473A5}"/>
-          </ac:spMkLst>
-        </pc:spChg>
-        <pc:spChg chg="add">
-          <ac:chgData name="Lakshmi V" userId="f055f243ffb41b73" providerId="LiveId" clId="{2C3D7F03-8558-4387-990D-E818F15C2887}" dt="2026-01-20T13:26:09.008" v="463"/>
-          <ac:spMkLst>
-            <pc:docMk/>
-            <pc:sldMk cId="2606320982" sldId="262"/>
-            <ac:spMk id="16" creationId="{EA6133BA-7153-6C71-7A61-A49E5CE33C36}"/>
-          </ac:spMkLst>
-        </pc:spChg>
       </pc:sldChg>
       <pc:sldChg chg="modSp new mod">
         <pc:chgData name="Lakshmi V" userId="f055f243ffb41b73" providerId="LiveId" clId="{2C3D7F03-8558-4387-990D-E818F15C2887}" dt="2026-01-20T16:15:04.070" v="1634" actId="27636"/>
@@ -472,14 +299,6 @@
             <ac:spMk id="2" creationId="{6A1C16F7-0744-E98C-15FC-F1E2D2145909}"/>
           </ac:spMkLst>
         </pc:spChg>
-        <pc:spChg chg="del">
-          <ac:chgData name="Lakshmi V" userId="f055f243ffb41b73" providerId="LiveId" clId="{2C3D7F03-8558-4387-990D-E818F15C2887}" dt="2026-01-20T11:30:55.628" v="98"/>
-          <ac:spMkLst>
-            <pc:docMk/>
-            <pc:sldMk cId="933588719" sldId="264"/>
-            <ac:spMk id="3" creationId="{28966095-F067-A7CD-A082-1E87DCCD6497}"/>
-          </ac:spMkLst>
-        </pc:spChg>
         <pc:spChg chg="add mod">
           <ac:chgData name="Lakshmi V" userId="f055f243ffb41b73" providerId="LiveId" clId="{2C3D7F03-8558-4387-990D-E818F15C2887}" dt="2026-01-20T11:35:08.728" v="124" actId="14100"/>
           <ac:spMkLst>
@@ -512,28 +331,6 @@
           </ac:spMkLst>
         </pc:spChg>
       </pc:sldChg>
-      <pc:sldChg chg="addSp modSp new del mod">
-        <pc:chgData name="Lakshmi V" userId="f055f243ffb41b73" providerId="LiveId" clId="{2C3D7F03-8558-4387-990D-E818F15C2887}" dt="2026-01-20T13:20:00.982" v="312" actId="2696"/>
-        <pc:sldMkLst>
-          <pc:docMk/>
-          <pc:sldMk cId="251202181" sldId="266"/>
-        </pc:sldMkLst>
-        <pc:spChg chg="add mod">
-          <ac:chgData name="Lakshmi V" userId="f055f243ffb41b73" providerId="LiveId" clId="{2C3D7F03-8558-4387-990D-E818F15C2887}" dt="2026-01-20T13:15:28.649" v="298" actId="1076"/>
-          <ac:spMkLst>
-            <pc:docMk/>
-            <pc:sldMk cId="251202181" sldId="266"/>
-            <ac:spMk id="3" creationId="{7E748AD0-F6FE-14BD-22BD-F3A8814090F4}"/>
-          </ac:spMkLst>
-        </pc:spChg>
-      </pc:sldChg>
-      <pc:sldChg chg="new del">
-        <pc:chgData name="Lakshmi V" userId="f055f243ffb41b73" providerId="LiveId" clId="{2C3D7F03-8558-4387-990D-E818F15C2887}" dt="2026-01-20T11:32:49.134" v="106" actId="2696"/>
-        <pc:sldMkLst>
-          <pc:docMk/>
-          <pc:sldMk cId="877168946" sldId="266"/>
-        </pc:sldMkLst>
-      </pc:sldChg>
       <pc:sldChg chg="addSp delSp modSp new mod">
         <pc:chgData name="Lakshmi V" userId="f055f243ffb41b73" providerId="LiveId" clId="{2C3D7F03-8558-4387-990D-E818F15C2887}" dt="2026-01-20T13:36:33.520" v="1501" actId="20577"/>
         <pc:sldMkLst>
@@ -548,14 +345,6 @@
             <ac:spMk id="2" creationId="{D138F690-1168-CAE7-E262-8D0AAE0BABC2}"/>
           </ac:spMkLst>
         </pc:spChg>
-        <pc:spChg chg="del">
-          <ac:chgData name="Lakshmi V" userId="f055f243ffb41b73" providerId="LiveId" clId="{2C3D7F03-8558-4387-990D-E818F15C2887}" dt="2026-01-20T13:26:44.030" v="486"/>
-          <ac:spMkLst>
-            <pc:docMk/>
-            <pc:sldMk cId="1025862982" sldId="266"/>
-            <ac:spMk id="3" creationId="{43951FD2-40B1-36CF-4D2E-CBA4D4A1796D}"/>
-          </ac:spMkLst>
-        </pc:spChg>
         <pc:spChg chg="add mod">
           <ac:chgData name="Lakshmi V" userId="f055f243ffb41b73" providerId="LiveId" clId="{2C3D7F03-8558-4387-990D-E818F15C2887}" dt="2026-01-20T13:36:33.520" v="1501" actId="20577"/>
           <ac:spMkLst>
@@ -565,41 +354,170 @@
           </ac:spMkLst>
         </pc:spChg>
       </pc:sldChg>
-      <pc:sldChg chg="addSp new del">
-        <pc:chgData name="Lakshmi V" userId="f055f243ffb41b73" providerId="LiveId" clId="{2C3D7F03-8558-4387-990D-E818F15C2887}" dt="2026-01-20T13:18:48.047" v="307" actId="680"/>
+      <pc:sldChg chg="modSp new mod">
+        <pc:chgData name="Lakshmi V" userId="f055f243ffb41b73" providerId="LiveId" clId="{2C3D7F03-8558-4387-990D-E818F15C2887}" dt="2026-01-28T10:19:50.594" v="1643" actId="27636"/>
         <pc:sldMkLst>
           <pc:docMk/>
-          <pc:sldMk cId="3035397745" sldId="267"/>
+          <pc:sldMk cId="1921993318" sldId="268"/>
         </pc:sldMkLst>
-        <pc:spChg chg="add">
-          <ac:chgData name="Lakshmi V" userId="f055f243ffb41b73" providerId="LiveId" clId="{2C3D7F03-8558-4387-990D-E818F15C2887}" dt="2026-01-20T13:18:25.355" v="306"/>
+        <pc:spChg chg="mod">
+          <ac:chgData name="Lakshmi V" userId="f055f243ffb41b73" providerId="LiveId" clId="{2C3D7F03-8558-4387-990D-E818F15C2887}" dt="2026-01-28T10:19:21.280" v="1639"/>
           <ac:spMkLst>
             <pc:docMk/>
-            <pc:sldMk cId="3035397745" sldId="267"/>
-            <ac:spMk id="2" creationId="{9EB09DB5-E826-FA35-594A-DA46D7621C8D}"/>
+            <pc:sldMk cId="1921993318" sldId="268"/>
+            <ac:spMk id="2" creationId="{42775771-1386-3157-64AE-A5DAD59C65E4}"/>
+          </ac:spMkLst>
+        </pc:spChg>
+        <pc:spChg chg="mod">
+          <ac:chgData name="Lakshmi V" userId="f055f243ffb41b73" providerId="LiveId" clId="{2C3D7F03-8558-4387-990D-E818F15C2887}" dt="2026-01-28T10:19:50.594" v="1643" actId="27636"/>
+          <ac:spMkLst>
+            <pc:docMk/>
+            <pc:sldMk cId="1921993318" sldId="268"/>
+            <ac:spMk id="3" creationId="{F44300F4-D90B-C907-DAEF-84FE734B48D6}"/>
           </ac:spMkLst>
         </pc:spChg>
       </pc:sldChg>
-      <pc:sldChg chg="addSp delSp modSp new del mod">
-        <pc:chgData name="Lakshmi V" userId="f055f243ffb41b73" providerId="LiveId" clId="{2C3D7F03-8558-4387-990D-E818F15C2887}" dt="2026-01-20T13:19:56.687" v="311" actId="2696"/>
+      <pc:sldChg chg="addSp modSp new mod">
+        <pc:chgData name="Lakshmi V" userId="f055f243ffb41b73" providerId="LiveId" clId="{2C3D7F03-8558-4387-990D-E818F15C2887}" dt="2026-01-28T10:24:42.720" v="1662" actId="14100"/>
         <pc:sldMkLst>
           <pc:docMk/>
-          <pc:sldMk cId="3627258912" sldId="267"/>
+          <pc:sldMk cId="2174680020" sldId="269"/>
         </pc:sldMkLst>
-        <pc:spChg chg="del">
-          <ac:chgData name="Lakshmi V" userId="f055f243ffb41b73" providerId="LiveId" clId="{2C3D7F03-8558-4387-990D-E818F15C2887}" dt="2026-01-20T13:19:01.863" v="309"/>
+        <pc:spChg chg="add mod">
+          <ac:chgData name="Lakshmi V" userId="f055f243ffb41b73" providerId="LiveId" clId="{2C3D7F03-8558-4387-990D-E818F15C2887}" dt="2026-01-28T10:24:42.720" v="1662" actId="14100"/>
           <ac:spMkLst>
             <pc:docMk/>
-            <pc:sldMk cId="3627258912" sldId="267"/>
-            <ac:spMk id="3" creationId="{E9968C50-0901-D725-110D-374F14A0BE64}"/>
+            <pc:sldMk cId="2174680020" sldId="269"/>
+            <ac:spMk id="3" creationId="{6B1FC242-C208-AF47-8AD5-7DEC3809DD14}"/>
+          </ac:spMkLst>
+        </pc:spChg>
+      </pc:sldChg>
+      <pc:sldChg chg="addSp delSp modSp new mod ord">
+        <pc:chgData name="Lakshmi V" userId="f055f243ffb41b73" providerId="LiveId" clId="{2C3D7F03-8558-4387-990D-E818F15C2887}" dt="2026-01-28T10:22:17.305" v="1652" actId="14100"/>
+        <pc:sldMkLst>
+          <pc:docMk/>
+          <pc:sldMk cId="159870419" sldId="270"/>
+        </pc:sldMkLst>
+        <pc:spChg chg="add del">
+          <ac:chgData name="Lakshmi V" userId="f055f243ffb41b73" providerId="LiveId" clId="{2C3D7F03-8558-4387-990D-E818F15C2887}" dt="2026-01-28T10:20:54.873" v="1648" actId="22"/>
+          <ac:spMkLst>
+            <pc:docMk/>
+            <pc:sldMk cId="159870419" sldId="270"/>
+            <ac:spMk id="3" creationId="{B011F437-C182-3741-0679-A82FCA6536AF}"/>
           </ac:spMkLst>
         </pc:spChg>
         <pc:spChg chg="add mod">
-          <ac:chgData name="Lakshmi V" userId="f055f243ffb41b73" providerId="LiveId" clId="{2C3D7F03-8558-4387-990D-E818F15C2887}" dt="2026-01-20T13:19:05.733" v="310" actId="20577"/>
+          <ac:chgData name="Lakshmi V" userId="f055f243ffb41b73" providerId="LiveId" clId="{2C3D7F03-8558-4387-990D-E818F15C2887}" dt="2026-01-28T10:22:17.305" v="1652" actId="14100"/>
           <ac:spMkLst>
             <pc:docMk/>
-            <pc:sldMk cId="3627258912" sldId="267"/>
-            <ac:spMk id="4" creationId="{BFE849F8-9217-B96E-3D73-43109FDBD9F4}"/>
+            <pc:sldMk cId="159870419" sldId="270"/>
+            <ac:spMk id="5" creationId="{0D6E3147-ECB8-5386-4833-9840CB4E69A9}"/>
+          </ac:spMkLst>
+        </pc:spChg>
+      </pc:sldChg>
+      <pc:sldChg chg="addSp modSp new mod">
+        <pc:chgData name="Lakshmi V" userId="f055f243ffb41b73" providerId="LiveId" clId="{2C3D7F03-8558-4387-990D-E818F15C2887}" dt="2026-01-28T10:24:11.629" v="1659" actId="1076"/>
+        <pc:sldMkLst>
+          <pc:docMk/>
+          <pc:sldMk cId="3744013529" sldId="271"/>
+        </pc:sldMkLst>
+        <pc:spChg chg="add mod">
+          <ac:chgData name="Lakshmi V" userId="f055f243ffb41b73" providerId="LiveId" clId="{2C3D7F03-8558-4387-990D-E818F15C2887}" dt="2026-01-28T10:24:11.629" v="1659" actId="1076"/>
+          <ac:spMkLst>
+            <pc:docMk/>
+            <pc:sldMk cId="3744013529" sldId="271"/>
+            <ac:spMk id="3" creationId="{EC07D2B5-9E19-55F1-F68C-10E652C46719}"/>
+          </ac:spMkLst>
+        </pc:spChg>
+        <pc:graphicFrameChg chg="add mod modGraphic">
+          <ac:chgData name="Lakshmi V" userId="f055f243ffb41b73" providerId="LiveId" clId="{2C3D7F03-8558-4387-990D-E818F15C2887}" dt="2026-01-28T10:23:51.823" v="1658" actId="14100"/>
+          <ac:graphicFrameMkLst>
+            <pc:docMk/>
+            <pc:sldMk cId="3744013529" sldId="271"/>
+            <ac:graphicFrameMk id="2" creationId="{02F7ECFA-68CF-3736-9A3E-64E43F03926B}"/>
+          </ac:graphicFrameMkLst>
+        </pc:graphicFrameChg>
+      </pc:sldChg>
+      <pc:sldChg chg="addSp modSp new mod">
+        <pc:chgData name="Lakshmi V" userId="f055f243ffb41b73" providerId="LiveId" clId="{2C3D7F03-8558-4387-990D-E818F15C2887}" dt="2026-01-28T10:22:55.643" v="1655" actId="14100"/>
+        <pc:sldMkLst>
+          <pc:docMk/>
+          <pc:sldMk cId="2224545824" sldId="272"/>
+        </pc:sldMkLst>
+        <pc:spChg chg="add mod">
+          <ac:chgData name="Lakshmi V" userId="f055f243ffb41b73" providerId="LiveId" clId="{2C3D7F03-8558-4387-990D-E818F15C2887}" dt="2026-01-28T10:22:55.643" v="1655" actId="14100"/>
+          <ac:spMkLst>
+            <pc:docMk/>
+            <pc:sldMk cId="2224545824" sldId="272"/>
+            <ac:spMk id="3" creationId="{7365270B-BFE7-2327-9D57-2F101CE7E0EA}"/>
+          </ac:spMkLst>
+        </pc:spChg>
+      </pc:sldChg>
+      <pc:sldChg chg="addSp modSp new mod">
+        <pc:chgData name="Lakshmi V" userId="f055f243ffb41b73" providerId="LiveId" clId="{2C3D7F03-8558-4387-990D-E818F15C2887}" dt="2026-01-28T10:25:23.318" v="1667" actId="14100"/>
+        <pc:sldMkLst>
+          <pc:docMk/>
+          <pc:sldMk cId="1596436353" sldId="273"/>
+        </pc:sldMkLst>
+        <pc:spChg chg="add mod">
+          <ac:chgData name="Lakshmi V" userId="f055f243ffb41b73" providerId="LiveId" clId="{2C3D7F03-8558-4387-990D-E818F15C2887}" dt="2026-01-28T10:25:23.318" v="1667" actId="14100"/>
+          <ac:spMkLst>
+            <pc:docMk/>
+            <pc:sldMk cId="1596436353" sldId="273"/>
+            <ac:spMk id="3" creationId="{DEDBA4EA-0DDD-0AED-75B7-AD0820945249}"/>
+          </ac:spMkLst>
+        </pc:spChg>
+      </pc:sldChg>
+      <pc:sldChg chg="addSp modSp new mod">
+        <pc:chgData name="Lakshmi V" userId="f055f243ffb41b73" providerId="LiveId" clId="{2C3D7F03-8558-4387-990D-E818F15C2887}" dt="2026-01-28T10:26:50.338" v="1675" actId="14100"/>
+        <pc:sldMkLst>
+          <pc:docMk/>
+          <pc:sldMk cId="767869433" sldId="274"/>
+        </pc:sldMkLst>
+        <pc:spChg chg="add mod">
+          <ac:chgData name="Lakshmi V" userId="f055f243ffb41b73" providerId="LiveId" clId="{2C3D7F03-8558-4387-990D-E818F15C2887}" dt="2026-01-28T10:26:13.201" v="1671" actId="1076"/>
+          <ac:spMkLst>
+            <pc:docMk/>
+            <pc:sldMk cId="767869433" sldId="274"/>
+            <ac:spMk id="3" creationId="{97AB6E3A-830D-431A-9756-F77E71D74EC9}"/>
+          </ac:spMkLst>
+        </pc:spChg>
+        <pc:spChg chg="add mod">
+          <ac:chgData name="Lakshmi V" userId="f055f243ffb41b73" providerId="LiveId" clId="{2C3D7F03-8558-4387-990D-E818F15C2887}" dt="2026-01-28T10:26:50.338" v="1675" actId="14100"/>
+          <ac:spMkLst>
+            <pc:docMk/>
+            <pc:sldMk cId="767869433" sldId="274"/>
+            <ac:spMk id="5" creationId="{8F2088AB-5F02-3DA8-1458-C77628F42B3D}"/>
+          </ac:spMkLst>
+        </pc:spChg>
+      </pc:sldChg>
+      <pc:sldChg chg="addSp modSp new mod">
+        <pc:chgData name="Lakshmi V" userId="f055f243ffb41b73" providerId="LiveId" clId="{2C3D7F03-8558-4387-990D-E818F15C2887}" dt="2026-01-28T10:27:21.098" v="1679" actId="14100"/>
+        <pc:sldMkLst>
+          <pc:docMk/>
+          <pc:sldMk cId="235438417" sldId="275"/>
+        </pc:sldMkLst>
+        <pc:spChg chg="add mod">
+          <ac:chgData name="Lakshmi V" userId="f055f243ffb41b73" providerId="LiveId" clId="{2C3D7F03-8558-4387-990D-E818F15C2887}" dt="2026-01-28T10:27:21.098" v="1679" actId="14100"/>
+          <ac:spMkLst>
+            <pc:docMk/>
+            <pc:sldMk cId="235438417" sldId="275"/>
+            <ac:spMk id="3" creationId="{0C3C2650-BCA9-9F55-3C95-0D4C52A78DA9}"/>
+          </ac:spMkLst>
+        </pc:spChg>
+      </pc:sldChg>
+      <pc:sldChg chg="addSp modSp new mod">
+        <pc:chgData name="Lakshmi V" userId="f055f243ffb41b73" providerId="LiveId" clId="{2C3D7F03-8558-4387-990D-E818F15C2887}" dt="2026-01-28T10:27:54.077" v="1682" actId="14100"/>
+        <pc:sldMkLst>
+          <pc:docMk/>
+          <pc:sldMk cId="574949797" sldId="276"/>
+        </pc:sldMkLst>
+        <pc:spChg chg="add mod">
+          <ac:chgData name="Lakshmi V" userId="f055f243ffb41b73" providerId="LiveId" clId="{2C3D7F03-8558-4387-990D-E818F15C2887}" dt="2026-01-28T10:27:54.077" v="1682" actId="14100"/>
+          <ac:spMkLst>
+            <pc:docMk/>
+            <pc:sldMk cId="574949797" sldId="276"/>
+            <ac:spMk id="3" creationId="{38E538A2-C640-EBBB-F132-3A6D691055C1}"/>
           </ac:spMkLst>
         </pc:spChg>
       </pc:sldChg>
@@ -757,7 +675,7 @@
           <a:p>
             <a:fld id="{8D9CC8A5-F851-46C8-8634-EBFDEB314348}" type="datetimeFigureOut">
               <a:rPr lang="en-IN" smtClean="0"/>
-              <a:t>20-01-2026</a:t>
+              <a:t>28-01-2026</a:t>
             </a:fld>
             <a:endParaRPr lang="en-IN"/>
           </a:p>
@@ -957,7 +875,7 @@
           <a:p>
             <a:fld id="{8D9CC8A5-F851-46C8-8634-EBFDEB314348}" type="datetimeFigureOut">
               <a:rPr lang="en-IN" smtClean="0"/>
-              <a:t>20-01-2026</a:t>
+              <a:t>28-01-2026</a:t>
             </a:fld>
             <a:endParaRPr lang="en-IN"/>
           </a:p>
@@ -1167,7 +1085,7 @@
           <a:p>
             <a:fld id="{8D9CC8A5-F851-46C8-8634-EBFDEB314348}" type="datetimeFigureOut">
               <a:rPr lang="en-IN" smtClean="0"/>
-              <a:t>20-01-2026</a:t>
+              <a:t>28-01-2026</a:t>
             </a:fld>
             <a:endParaRPr lang="en-IN"/>
           </a:p>
@@ -1367,7 +1285,7 @@
           <a:p>
             <a:fld id="{8D9CC8A5-F851-46C8-8634-EBFDEB314348}" type="datetimeFigureOut">
               <a:rPr lang="en-IN" smtClean="0"/>
-              <a:t>20-01-2026</a:t>
+              <a:t>28-01-2026</a:t>
             </a:fld>
             <a:endParaRPr lang="en-IN"/>
           </a:p>
@@ -1643,7 +1561,7 @@
           <a:p>
             <a:fld id="{8D9CC8A5-F851-46C8-8634-EBFDEB314348}" type="datetimeFigureOut">
               <a:rPr lang="en-IN" smtClean="0"/>
-              <a:t>20-01-2026</a:t>
+              <a:t>28-01-2026</a:t>
             </a:fld>
             <a:endParaRPr lang="en-IN"/>
           </a:p>
@@ -1911,7 +1829,7 @@
           <a:p>
             <a:fld id="{8D9CC8A5-F851-46C8-8634-EBFDEB314348}" type="datetimeFigureOut">
               <a:rPr lang="en-IN" smtClean="0"/>
-              <a:t>20-01-2026</a:t>
+              <a:t>28-01-2026</a:t>
             </a:fld>
             <a:endParaRPr lang="en-IN"/>
           </a:p>
@@ -2326,7 +2244,7 @@
           <a:p>
             <a:fld id="{8D9CC8A5-F851-46C8-8634-EBFDEB314348}" type="datetimeFigureOut">
               <a:rPr lang="en-IN" smtClean="0"/>
-              <a:t>20-01-2026</a:t>
+              <a:t>28-01-2026</a:t>
             </a:fld>
             <a:endParaRPr lang="en-IN"/>
           </a:p>
@@ -2468,7 +2386,7 @@
           <a:p>
             <a:fld id="{8D9CC8A5-F851-46C8-8634-EBFDEB314348}" type="datetimeFigureOut">
               <a:rPr lang="en-IN" smtClean="0"/>
-              <a:t>20-01-2026</a:t>
+              <a:t>28-01-2026</a:t>
             </a:fld>
             <a:endParaRPr lang="en-IN"/>
           </a:p>
@@ -2581,7 +2499,7 @@
           <a:p>
             <a:fld id="{8D9CC8A5-F851-46C8-8634-EBFDEB314348}" type="datetimeFigureOut">
               <a:rPr lang="en-IN" smtClean="0"/>
-              <a:t>20-01-2026</a:t>
+              <a:t>28-01-2026</a:t>
             </a:fld>
             <a:endParaRPr lang="en-IN"/>
           </a:p>
@@ -2894,7 +2812,7 @@
           <a:p>
             <a:fld id="{8D9CC8A5-F851-46C8-8634-EBFDEB314348}" type="datetimeFigureOut">
               <a:rPr lang="en-IN" smtClean="0"/>
-              <a:t>20-01-2026</a:t>
+              <a:t>28-01-2026</a:t>
             </a:fld>
             <a:endParaRPr lang="en-IN"/>
           </a:p>
@@ -3183,7 +3101,7 @@
           <a:p>
             <a:fld id="{8D9CC8A5-F851-46C8-8634-EBFDEB314348}" type="datetimeFigureOut">
               <a:rPr lang="en-IN" smtClean="0"/>
-              <a:t>20-01-2026</a:t>
+              <a:t>28-01-2026</a:t>
             </a:fld>
             <a:endParaRPr lang="en-IN"/>
           </a:p>
@@ -3426,7 +3344,7 @@
           <a:p>
             <a:fld id="{8D9CC8A5-F851-46C8-8634-EBFDEB314348}" type="datetimeFigureOut">
               <a:rPr lang="en-IN" smtClean="0"/>
-              <a:t>20-01-2026</a:t>
+              <a:t>28-01-2026</a:t>
             </a:fld>
             <a:endParaRPr lang="en-IN"/>
           </a:p>
@@ -3988,109 +3906,100 @@
       </p:grpSpPr>
       <p:sp>
         <p:nvSpPr>
-          <p:cNvPr id="2" name="Title 1">
+          <p:cNvPr id="3" name="TextBox 2">
             <a:extLst>
               <a:ext uri="{FF2B5EF4-FFF2-40B4-BE49-F238E27FC236}">
-                <a16:creationId xmlns:a16="http://schemas.microsoft.com/office/drawing/2014/main" id="{3A8C8522-79DE-2F8D-9F72-BEDA19B79EAB}"/>
+                <a16:creationId xmlns:a16="http://schemas.microsoft.com/office/drawing/2014/main" id="{0C3C2650-BCA9-9F55-3C95-0D4C52A78DA9}"/>
               </a:ext>
             </a:extLst>
           </p:cNvPr>
-          <p:cNvSpPr>
-            <a:spLocks noGrp="1"/>
-          </p:cNvSpPr>
-          <p:nvPr>
-            <p:ph type="title"/>
-          </p:nvPr>
-        </p:nvSpPr>
-        <p:spPr/>
-        <p:txBody>
-          <a:bodyPr/>
-          <a:lstStyle/>
-          <a:p>
-            <a:pPr algn="ctr"/>
-            <a:r>
-              <a:rPr lang="en-IN" dirty="0">
-                <a:latin typeface="Times New Roman" panose="02020603050405020304" pitchFamily="18" charset="0"/>
-                <a:cs typeface="Times New Roman" panose="02020603050405020304" pitchFamily="18" charset="0"/>
-              </a:rPr>
-              <a:t>Actionable</a:t>
-            </a:r>
-            <a:r>
-              <a:rPr lang="en-IN" dirty="0"/>
-              <a:t> Impact</a:t>
-            </a:r>
-          </a:p>
-        </p:txBody>
-      </p:sp>
-      <p:sp>
-        <p:nvSpPr>
-          <p:cNvPr id="3" name="Content Placeholder 2">
-            <a:extLst>
-              <a:ext uri="{FF2B5EF4-FFF2-40B4-BE49-F238E27FC236}">
-                <a16:creationId xmlns:a16="http://schemas.microsoft.com/office/drawing/2014/main" id="{CB105B17-169B-7E76-3BAF-944301CFC9D5}"/>
-              </a:ext>
-            </a:extLst>
-          </p:cNvPr>
-          <p:cNvSpPr>
-            <a:spLocks noGrp="1"/>
-          </p:cNvSpPr>
-          <p:nvPr>
-            <p:ph idx="1"/>
-          </p:nvPr>
+          <p:cNvSpPr txBox="1"/>
+          <p:nvPr/>
         </p:nvSpPr>
         <p:spPr>
           <a:xfrm>
-            <a:off x="838200" y="1825625"/>
-            <a:ext cx="10515600" cy="2534104"/>
+            <a:off x="1347019" y="2554295"/>
+            <a:ext cx="7796981" cy="1754326"/>
           </a:xfrm>
+          <a:prstGeom prst="rect">
+            <a:avLst/>
+          </a:prstGeom>
+          <a:noFill/>
         </p:spPr>
         <p:txBody>
-          <a:bodyPr/>
+          <a:bodyPr wrap="square">
+            <a:spAutoFit/>
+          </a:bodyPr>
           <a:lstStyle/>
           <a:p>
+            <a:pPr>
+              <a:buNone/>
+            </a:pPr>
+            <a:r>
+              <a:rPr lang="en-US" b="1" dirty="0"/>
+              <a:t>9️⃣ Model Evaluation (Without Labels)</a:t>
+            </a:r>
+          </a:p>
+          <a:p>
+            <a:pPr>
+              <a:buNone/>
+            </a:pPr>
             <a:r>
               <a:rPr lang="en-US" dirty="0"/>
-              <a:t>Personalization drives engagement</a:t>
-            </a:r>
-          </a:p>
-          <a:p>
+              <a:t>Since no ground truth:</a:t>
+            </a:r>
+          </a:p>
+          <a:p>
+            <a:pPr>
+              <a:buFont typeface="Arial" panose="020B0604020202020204" pitchFamily="34" charset="0"/>
+              <a:buChar char="•"/>
+            </a:pPr>
             <a:r>
               <a:rPr lang="en-US" dirty="0"/>
-              <a:t>Early detection reduces churn</a:t>
-            </a:r>
-          </a:p>
-          <a:p>
+              <a:t>Used </a:t>
+            </a:r>
+            <a:r>
+              <a:rPr lang="en-US" b="1" dirty="0"/>
+              <a:t>cluster separation</a:t>
+            </a:r>
+            <a:endParaRPr lang="en-US" dirty="0"/>
+          </a:p>
+          <a:p>
+            <a:pPr>
+              <a:buFont typeface="Arial" panose="020B0604020202020204" pitchFamily="34" charset="0"/>
+              <a:buChar char="•"/>
+            </a:pPr>
             <a:r>
               <a:rPr lang="en-US" dirty="0"/>
-              <a:t>Targeted </a:t>
-            </a:r>
-            <a:r>
-              <a:rPr lang="en-US" dirty="0">
-                <a:latin typeface="Times New Roman" panose="02020603050405020304" pitchFamily="18" charset="0"/>
-                <a:cs typeface="Times New Roman" panose="02020603050405020304" pitchFamily="18" charset="0"/>
-              </a:rPr>
-              <a:t>marketing</a:t>
-            </a:r>
+              <a:t>PCA visualization</a:t>
+            </a:r>
+          </a:p>
+          <a:p>
+            <a:pPr>
+              <a:buFont typeface="Arial" panose="020B0604020202020204" pitchFamily="34" charset="0"/>
+              <a:buChar char="•"/>
+            </a:pPr>
             <a:r>
               <a:rPr lang="en-US" dirty="0"/>
-              <a:t> increases conversion</a:t>
-            </a:r>
-          </a:p>
-          <a:p>
+              <a:t>Behavioral interpretability</a:t>
+            </a:r>
+          </a:p>
+          <a:p>
+            <a:pPr>
+              <a:buFont typeface="Arial" panose="020B0604020202020204" pitchFamily="34" charset="0"/>
+              <a:buChar char="•"/>
+            </a:pPr>
             <a:r>
               <a:rPr lang="en-US" dirty="0"/>
-              <a:t>Data-driven decisions for product &amp; business strategy</a:t>
-            </a:r>
-          </a:p>
-          <a:p>
-            <a:endParaRPr lang="en-IN" dirty="0"/>
+              <a:t>Business relevance of clusters</a:t>
+            </a:r>
           </a:p>
         </p:txBody>
       </p:sp>
     </p:spTree>
     <p:extLst>
       <p:ext uri="{BB962C8B-B14F-4D97-AF65-F5344CB8AC3E}">
-        <p14:creationId xmlns:p14="http://schemas.microsoft.com/office/powerpoint/2010/main" val="3223666177"/>
+        <p14:creationId xmlns:p14="http://schemas.microsoft.com/office/powerpoint/2010/main" val="235438417"/>
       </p:ext>
     </p:extLst>
   </p:cSld>
@@ -4100,7 +4009,7 @@
 </p:sld>
 </file>
 
-<file path=ppt/slides/slide2.xml><?xml version="1.0" encoding="utf-8"?>
+<file path=ppt/slides/slide11.xml><?xml version="1.0" encoding="utf-8"?>
 <p:sld xmlns:a="http://schemas.openxmlformats.org/drawingml/2006/main" xmlns:r="http://schemas.openxmlformats.org/officeDocument/2006/relationships" xmlns:p="http://schemas.openxmlformats.org/presentationml/2006/main">
   <p:cSld>
     <p:spTree>
@@ -4119,105 +4028,109 @@
       </p:grpSpPr>
       <p:sp>
         <p:nvSpPr>
-          <p:cNvPr id="2" name="Title 1">
+          <p:cNvPr id="3" name="TextBox 2">
             <a:extLst>
               <a:ext uri="{FF2B5EF4-FFF2-40B4-BE49-F238E27FC236}">
-                <a16:creationId xmlns:a16="http://schemas.microsoft.com/office/drawing/2014/main" id="{3FFB688D-C4A2-9356-8994-BB4E888D7D00}"/>
+                <a16:creationId xmlns:a16="http://schemas.microsoft.com/office/drawing/2014/main" id="{38E538A2-C640-EBBB-F132-3A6D691055C1}"/>
               </a:ext>
             </a:extLst>
           </p:cNvPr>
-          <p:cNvSpPr>
-            <a:spLocks noGrp="1"/>
-          </p:cNvSpPr>
-          <p:nvPr>
-            <p:ph type="title"/>
-          </p:nvPr>
+          <p:cNvSpPr txBox="1"/>
+          <p:nvPr/>
         </p:nvSpPr>
-        <p:spPr/>
+        <p:spPr>
+          <a:xfrm>
+            <a:off x="924232" y="2277296"/>
+            <a:ext cx="9822426" cy="2308324"/>
+          </a:xfrm>
+          <a:prstGeom prst="rect">
+            <a:avLst/>
+          </a:prstGeom>
+          <a:noFill/>
+        </p:spPr>
         <p:txBody>
-          <a:bodyPr/>
+          <a:bodyPr wrap="square">
+            <a:spAutoFit/>
+          </a:bodyPr>
           <a:lstStyle/>
           <a:p>
-            <a:pPr algn="ctr"/>
-            <a:r>
-              <a:rPr lang="en-IN" dirty="0">
-                <a:latin typeface="Times New Roman" panose="02020603050405020304" pitchFamily="18" charset="0"/>
-                <a:cs typeface="Times New Roman" panose="02020603050405020304" pitchFamily="18" charset="0"/>
-              </a:rPr>
-              <a:t>Overview</a:t>
-            </a:r>
-          </a:p>
-        </p:txBody>
-      </p:sp>
-      <p:sp>
-        <p:nvSpPr>
-          <p:cNvPr id="3" name="Content Placeholder 2">
-            <a:extLst>
-              <a:ext uri="{FF2B5EF4-FFF2-40B4-BE49-F238E27FC236}">
-                <a16:creationId xmlns:a16="http://schemas.microsoft.com/office/drawing/2014/main" id="{F2B0109C-586D-9A50-D307-B4B7D8E71D23}"/>
-              </a:ext>
-            </a:extLst>
-          </p:cNvPr>
-          <p:cNvSpPr>
-            <a:spLocks noGrp="1"/>
-          </p:cNvSpPr>
-          <p:nvPr>
-            <p:ph idx="1"/>
-          </p:nvPr>
-        </p:nvSpPr>
-        <p:spPr/>
-        <p:txBody>
-          <a:bodyPr/>
-          <a:lstStyle/>
-          <a:p>
-            <a:r>
-              <a:rPr lang="en-US" b="1" dirty="0">
-                <a:latin typeface="Times New Roman" panose="02020603050405020304" pitchFamily="18" charset="0"/>
-                <a:cs typeface="Times New Roman" panose="02020603050405020304" pitchFamily="18" charset="0"/>
-              </a:rPr>
-              <a:t>Purpose:</a:t>
-            </a:r>
-            <a:endParaRPr lang="en-US" dirty="0">
-              <a:latin typeface="Times New Roman" panose="02020603050405020304" pitchFamily="18" charset="0"/>
-              <a:cs typeface="Times New Roman" panose="02020603050405020304" pitchFamily="18" charset="0"/>
-            </a:endParaRPr>
-          </a:p>
-          <a:p>
-            <a:r>
-              <a:rPr lang="en-US" dirty="0">
-                <a:latin typeface="Times New Roman" panose="02020603050405020304" pitchFamily="18" charset="0"/>
-                <a:cs typeface="Times New Roman" panose="02020603050405020304" pitchFamily="18" charset="0"/>
-              </a:rPr>
-              <a:t>Identify user behavior patterns</a:t>
-            </a:r>
-          </a:p>
-          <a:p>
-            <a:r>
-              <a:rPr lang="en-US" dirty="0">
-                <a:latin typeface="Times New Roman" panose="02020603050405020304" pitchFamily="18" charset="0"/>
-                <a:cs typeface="Times New Roman" panose="02020603050405020304" pitchFamily="18" charset="0"/>
-              </a:rPr>
-              <a:t>Segment users for targeted marketing, retention, and personalization</a:t>
-            </a:r>
-          </a:p>
-          <a:p>
-            <a:r>
-              <a:rPr lang="en-US" dirty="0">
-                <a:latin typeface="Times New Roman" panose="02020603050405020304" pitchFamily="18" charset="0"/>
-                <a:cs typeface="Times New Roman" panose="02020603050405020304" pitchFamily="18" charset="0"/>
-              </a:rPr>
-              <a:t>Extract actionable business insights from clustering</a:t>
-            </a:r>
-          </a:p>
-          <a:p>
-            <a:endParaRPr lang="en-IN" dirty="0"/>
+            <a:pPr>
+              <a:buNone/>
+            </a:pPr>
+            <a:r>
+              <a:rPr lang="en-US" b="1" dirty="0"/>
+              <a:t>🔟 Proof That the Model Works</a:t>
+            </a:r>
+          </a:p>
+          <a:p>
+            <a:pPr>
+              <a:buFont typeface="Arial" panose="020B0604020202020204" pitchFamily="34" charset="0"/>
+              <a:buChar char="•"/>
+            </a:pPr>
+            <a:r>
+              <a:rPr lang="en-US" dirty="0"/>
+              <a:t>Clear cluster separation in PCA plot</a:t>
+            </a:r>
+          </a:p>
+          <a:p>
+            <a:pPr>
+              <a:buFont typeface="Arial" panose="020B0604020202020204" pitchFamily="34" charset="0"/>
+              <a:buChar char="•"/>
+            </a:pPr>
+            <a:r>
+              <a:rPr lang="en-US" dirty="0"/>
+              <a:t>Meaningful behavior differences between clusters</a:t>
+            </a:r>
+          </a:p>
+          <a:p>
+            <a:pPr>
+              <a:buFont typeface="Arial" panose="020B0604020202020204" pitchFamily="34" charset="0"/>
+              <a:buChar char="•"/>
+            </a:pPr>
+            <a:r>
+              <a:rPr lang="en-US" dirty="0"/>
+              <a:t>Business-actionable segments</a:t>
+            </a:r>
+          </a:p>
+          <a:p>
+            <a:pPr>
+              <a:buFont typeface="Arial" panose="020B0604020202020204" pitchFamily="34" charset="0"/>
+              <a:buChar char="•"/>
+            </a:pPr>
+            <a:r>
+              <a:rPr lang="en-US" dirty="0"/>
+              <a:t>Churn-risk concentrated in specific clusters</a:t>
+            </a:r>
+          </a:p>
+          <a:p>
+            <a:pPr>
+              <a:buNone/>
+            </a:pPr>
+            <a:r>
+              <a:rPr lang="en-US" dirty="0"/>
+              <a:t>📌 </a:t>
+            </a:r>
+            <a:r>
+              <a:rPr lang="en-US" b="1" dirty="0"/>
+              <a:t>Proof:</a:t>
+            </a:r>
+            <a:endParaRPr lang="en-US" dirty="0"/>
+          </a:p>
+          <a:p>
+            <a:pPr>
+              <a:buNone/>
+            </a:pPr>
+            <a:r>
+              <a:rPr lang="en-US" dirty="0"/>
+              <a:t>The model converts raw behavior data into clear, explainable user segments useful for real-world decisions.</a:t>
+            </a:r>
           </a:p>
         </p:txBody>
       </p:sp>
     </p:spTree>
     <p:extLst>
       <p:ext uri="{BB962C8B-B14F-4D97-AF65-F5344CB8AC3E}">
-        <p14:creationId xmlns:p14="http://schemas.microsoft.com/office/powerpoint/2010/main" val="1593877741"/>
+        <p14:creationId xmlns:p14="http://schemas.microsoft.com/office/powerpoint/2010/main" val="574949797"/>
       </p:ext>
     </p:extLst>
   </p:cSld>
@@ -4227,7 +4140,7 @@
 </p:sld>
 </file>
 
-<file path=ppt/slides/slide3.xml><?xml version="1.0" encoding="utf-8"?>
+<file path=ppt/slides/slide12.xml><?xml version="1.0" encoding="utf-8"?>
 <p:sld xmlns:a="http://schemas.openxmlformats.org/drawingml/2006/main" xmlns:r="http://schemas.openxmlformats.org/officeDocument/2006/relationships" xmlns:p="http://schemas.openxmlformats.org/presentationml/2006/main">
   <p:cSld>
     <p:spTree>
@@ -4834,7 +4747,7 @@
 </p:sld>
 </file>
 
-<file path=ppt/slides/slide4.xml><?xml version="1.0" encoding="utf-8"?>
+<file path=ppt/slides/slide13.xml><?xml version="1.0" encoding="utf-8"?>
 <p:sld xmlns:a="http://schemas.openxmlformats.org/drawingml/2006/main" xmlns:r="http://schemas.openxmlformats.org/officeDocument/2006/relationships" xmlns:p="http://schemas.openxmlformats.org/presentationml/2006/main">
   <p:cSld>
     <p:spTree>
@@ -5666,7 +5579,7 @@
 </p:sld>
 </file>
 
-<file path=ppt/slides/slide5.xml><?xml version="1.0" encoding="utf-8"?>
+<file path=ppt/slides/slide14.xml><?xml version="1.0" encoding="utf-8"?>
 <p:sld xmlns:a="http://schemas.openxmlformats.org/drawingml/2006/main" xmlns:r="http://schemas.openxmlformats.org/officeDocument/2006/relationships" xmlns:p="http://schemas.openxmlformats.org/presentationml/2006/main">
   <p:cSld>
     <p:spTree>
@@ -6539,7 +6452,7 @@
 </p:sld>
 </file>
 
-<file path=ppt/slides/slide6.xml><?xml version="1.0" encoding="utf-8"?>
+<file path=ppt/slides/slide15.xml><?xml version="1.0" encoding="utf-8"?>
 <p:sld xmlns:a="http://schemas.openxmlformats.org/drawingml/2006/main" xmlns:r="http://schemas.openxmlformats.org/officeDocument/2006/relationships" xmlns:p="http://schemas.openxmlformats.org/presentationml/2006/main">
   <p:cSld>
     <p:spTree>
@@ -7933,7 +7846,7 @@
 </p:sld>
 </file>
 
-<file path=ppt/slides/slide7.xml><?xml version="1.0" encoding="utf-8"?>
+<file path=ppt/slides/slide16.xml><?xml version="1.0" encoding="utf-8"?>
 <p:sld xmlns:a="http://schemas.openxmlformats.org/drawingml/2006/main" xmlns:r="http://schemas.openxmlformats.org/officeDocument/2006/relationships" xmlns:p="http://schemas.openxmlformats.org/presentationml/2006/main">
   <p:cSld>
     <p:spTree>
@@ -8805,7 +8718,7 @@
 </p:sld>
 </file>
 
-<file path=ppt/slides/slide8.xml><?xml version="1.0" encoding="utf-8"?>
+<file path=ppt/slides/slide17.xml><?xml version="1.0" encoding="utf-8"?>
 <p:sld xmlns:a="http://schemas.openxmlformats.org/drawingml/2006/main" xmlns:r="http://schemas.openxmlformats.org/officeDocument/2006/relationships" xmlns:p="http://schemas.openxmlformats.org/presentationml/2006/main">
   <p:cSld>
     <p:spTree>
@@ -11792,7 +11705,7 @@
 </p:sld>
 </file>
 
-<file path=ppt/slides/slide9.xml><?xml version="1.0" encoding="utf-8"?>
+<file path=ppt/slides/slide18.xml><?xml version="1.0" encoding="utf-8"?>
 <p:sld xmlns:a="http://schemas.openxmlformats.org/drawingml/2006/main" xmlns:r="http://schemas.openxmlformats.org/officeDocument/2006/relationships" xmlns:p="http://schemas.openxmlformats.org/presentationml/2006/main">
   <p:cSld>
     <p:spTree>
@@ -12107,6 +12020,2025 @@
     <p:extLst>
       <p:ext uri="{BB962C8B-B14F-4D97-AF65-F5344CB8AC3E}">
         <p14:creationId xmlns:p14="http://schemas.microsoft.com/office/powerpoint/2010/main" val="933588719"/>
+      </p:ext>
+    </p:extLst>
+  </p:cSld>
+  <p:clrMapOvr>
+    <a:masterClrMapping/>
+  </p:clrMapOvr>
+</p:sld>
+</file>
+
+<file path=ppt/slides/slide19.xml><?xml version="1.0" encoding="utf-8"?>
+<p:sld xmlns:a="http://schemas.openxmlformats.org/drawingml/2006/main" xmlns:r="http://schemas.openxmlformats.org/officeDocument/2006/relationships" xmlns:p="http://schemas.openxmlformats.org/presentationml/2006/main">
+  <p:cSld>
+    <p:spTree>
+      <p:nvGrpSpPr>
+        <p:cNvPr id="1" name=""/>
+        <p:cNvGrpSpPr/>
+        <p:nvPr/>
+      </p:nvGrpSpPr>
+      <p:grpSpPr>
+        <a:xfrm>
+          <a:off x="0" y="0"/>
+          <a:ext cx="0" cy="0"/>
+          <a:chOff x="0" y="0"/>
+          <a:chExt cx="0" cy="0"/>
+        </a:xfrm>
+      </p:grpSpPr>
+      <p:sp>
+        <p:nvSpPr>
+          <p:cNvPr id="2" name="Title 1">
+            <a:extLst>
+              <a:ext uri="{FF2B5EF4-FFF2-40B4-BE49-F238E27FC236}">
+                <a16:creationId xmlns:a16="http://schemas.microsoft.com/office/drawing/2014/main" id="{3A8C8522-79DE-2F8D-9F72-BEDA19B79EAB}"/>
+              </a:ext>
+            </a:extLst>
+          </p:cNvPr>
+          <p:cNvSpPr>
+            <a:spLocks noGrp="1"/>
+          </p:cNvSpPr>
+          <p:nvPr>
+            <p:ph type="title"/>
+          </p:nvPr>
+        </p:nvSpPr>
+        <p:spPr/>
+        <p:txBody>
+          <a:bodyPr/>
+          <a:lstStyle/>
+          <a:p>
+            <a:pPr algn="ctr"/>
+            <a:r>
+              <a:rPr lang="en-IN" dirty="0">
+                <a:latin typeface="Times New Roman" panose="02020603050405020304" pitchFamily="18" charset="0"/>
+                <a:cs typeface="Times New Roman" panose="02020603050405020304" pitchFamily="18" charset="0"/>
+              </a:rPr>
+              <a:t>Actionable</a:t>
+            </a:r>
+            <a:r>
+              <a:rPr lang="en-IN" dirty="0"/>
+              <a:t> Impact</a:t>
+            </a:r>
+          </a:p>
+        </p:txBody>
+      </p:sp>
+      <p:sp>
+        <p:nvSpPr>
+          <p:cNvPr id="3" name="Content Placeholder 2">
+            <a:extLst>
+              <a:ext uri="{FF2B5EF4-FFF2-40B4-BE49-F238E27FC236}">
+                <a16:creationId xmlns:a16="http://schemas.microsoft.com/office/drawing/2014/main" id="{CB105B17-169B-7E76-3BAF-944301CFC9D5}"/>
+              </a:ext>
+            </a:extLst>
+          </p:cNvPr>
+          <p:cNvSpPr>
+            <a:spLocks noGrp="1"/>
+          </p:cNvSpPr>
+          <p:nvPr>
+            <p:ph idx="1"/>
+          </p:nvPr>
+        </p:nvSpPr>
+        <p:spPr>
+          <a:xfrm>
+            <a:off x="838200" y="1825625"/>
+            <a:ext cx="10515600" cy="2534104"/>
+          </a:xfrm>
+        </p:spPr>
+        <p:txBody>
+          <a:bodyPr/>
+          <a:lstStyle/>
+          <a:p>
+            <a:r>
+              <a:rPr lang="en-US" dirty="0"/>
+              <a:t>Personalization drives engagement</a:t>
+            </a:r>
+          </a:p>
+          <a:p>
+            <a:r>
+              <a:rPr lang="en-US" dirty="0"/>
+              <a:t>Early detection reduces churn</a:t>
+            </a:r>
+          </a:p>
+          <a:p>
+            <a:r>
+              <a:rPr lang="en-US" dirty="0"/>
+              <a:t>Targeted </a:t>
+            </a:r>
+            <a:r>
+              <a:rPr lang="en-US" dirty="0">
+                <a:latin typeface="Times New Roman" panose="02020603050405020304" pitchFamily="18" charset="0"/>
+                <a:cs typeface="Times New Roman" panose="02020603050405020304" pitchFamily="18" charset="0"/>
+              </a:rPr>
+              <a:t>marketing</a:t>
+            </a:r>
+            <a:r>
+              <a:rPr lang="en-US" dirty="0"/>
+              <a:t> increases conversion</a:t>
+            </a:r>
+          </a:p>
+          <a:p>
+            <a:r>
+              <a:rPr lang="en-US" dirty="0"/>
+              <a:t>Data-driven decisions for product &amp; business strategy</a:t>
+            </a:r>
+          </a:p>
+          <a:p>
+            <a:endParaRPr lang="en-IN" dirty="0"/>
+          </a:p>
+        </p:txBody>
+      </p:sp>
+    </p:spTree>
+    <p:extLst>
+      <p:ext uri="{BB962C8B-B14F-4D97-AF65-F5344CB8AC3E}">
+        <p14:creationId xmlns:p14="http://schemas.microsoft.com/office/powerpoint/2010/main" val="3223666177"/>
+      </p:ext>
+    </p:extLst>
+  </p:cSld>
+  <p:clrMapOvr>
+    <a:masterClrMapping/>
+  </p:clrMapOvr>
+</p:sld>
+</file>
+
+<file path=ppt/slides/slide2.xml><?xml version="1.0" encoding="utf-8"?>
+<p:sld xmlns:a="http://schemas.openxmlformats.org/drawingml/2006/main" xmlns:r="http://schemas.openxmlformats.org/officeDocument/2006/relationships" xmlns:p="http://schemas.openxmlformats.org/presentationml/2006/main">
+  <p:cSld>
+    <p:spTree>
+      <p:nvGrpSpPr>
+        <p:cNvPr id="1" name=""/>
+        <p:cNvGrpSpPr/>
+        <p:nvPr/>
+      </p:nvGrpSpPr>
+      <p:grpSpPr>
+        <a:xfrm>
+          <a:off x="0" y="0"/>
+          <a:ext cx="0" cy="0"/>
+          <a:chOff x="0" y="0"/>
+          <a:chExt cx="0" cy="0"/>
+        </a:xfrm>
+      </p:grpSpPr>
+      <p:sp>
+        <p:nvSpPr>
+          <p:cNvPr id="2" name="Title 1">
+            <a:extLst>
+              <a:ext uri="{FF2B5EF4-FFF2-40B4-BE49-F238E27FC236}">
+                <a16:creationId xmlns:a16="http://schemas.microsoft.com/office/drawing/2014/main" id="{3FFB688D-C4A2-9356-8994-BB4E888D7D00}"/>
+              </a:ext>
+            </a:extLst>
+          </p:cNvPr>
+          <p:cNvSpPr>
+            <a:spLocks noGrp="1"/>
+          </p:cNvSpPr>
+          <p:nvPr>
+            <p:ph type="title"/>
+          </p:nvPr>
+        </p:nvSpPr>
+        <p:spPr/>
+        <p:txBody>
+          <a:bodyPr/>
+          <a:lstStyle/>
+          <a:p>
+            <a:pPr algn="ctr"/>
+            <a:r>
+              <a:rPr lang="en-IN" dirty="0">
+                <a:latin typeface="Times New Roman" panose="02020603050405020304" pitchFamily="18" charset="0"/>
+                <a:cs typeface="Times New Roman" panose="02020603050405020304" pitchFamily="18" charset="0"/>
+              </a:rPr>
+              <a:t>Overview</a:t>
+            </a:r>
+          </a:p>
+        </p:txBody>
+      </p:sp>
+      <p:sp>
+        <p:nvSpPr>
+          <p:cNvPr id="3" name="Content Placeholder 2">
+            <a:extLst>
+              <a:ext uri="{FF2B5EF4-FFF2-40B4-BE49-F238E27FC236}">
+                <a16:creationId xmlns:a16="http://schemas.microsoft.com/office/drawing/2014/main" id="{F2B0109C-586D-9A50-D307-B4B7D8E71D23}"/>
+              </a:ext>
+            </a:extLst>
+          </p:cNvPr>
+          <p:cNvSpPr>
+            <a:spLocks noGrp="1"/>
+          </p:cNvSpPr>
+          <p:nvPr>
+            <p:ph idx="1"/>
+          </p:nvPr>
+        </p:nvSpPr>
+        <p:spPr/>
+        <p:txBody>
+          <a:bodyPr/>
+          <a:lstStyle/>
+          <a:p>
+            <a:r>
+              <a:rPr lang="en-US" b="1" dirty="0">
+                <a:latin typeface="Times New Roman" panose="02020603050405020304" pitchFamily="18" charset="0"/>
+                <a:cs typeface="Times New Roman" panose="02020603050405020304" pitchFamily="18" charset="0"/>
+              </a:rPr>
+              <a:t>Purpose:</a:t>
+            </a:r>
+            <a:endParaRPr lang="en-US" dirty="0">
+              <a:latin typeface="Times New Roman" panose="02020603050405020304" pitchFamily="18" charset="0"/>
+              <a:cs typeface="Times New Roman" panose="02020603050405020304" pitchFamily="18" charset="0"/>
+            </a:endParaRPr>
+          </a:p>
+          <a:p>
+            <a:r>
+              <a:rPr lang="en-US" dirty="0">
+                <a:latin typeface="Times New Roman" panose="02020603050405020304" pitchFamily="18" charset="0"/>
+                <a:cs typeface="Times New Roman" panose="02020603050405020304" pitchFamily="18" charset="0"/>
+              </a:rPr>
+              <a:t>Identify user behavior patterns</a:t>
+            </a:r>
+          </a:p>
+          <a:p>
+            <a:r>
+              <a:rPr lang="en-US" dirty="0">
+                <a:latin typeface="Times New Roman" panose="02020603050405020304" pitchFamily="18" charset="0"/>
+                <a:cs typeface="Times New Roman" panose="02020603050405020304" pitchFamily="18" charset="0"/>
+              </a:rPr>
+              <a:t>Segment users for targeted marketing, retention, and personalization</a:t>
+            </a:r>
+          </a:p>
+          <a:p>
+            <a:r>
+              <a:rPr lang="en-US" dirty="0">
+                <a:latin typeface="Times New Roman" panose="02020603050405020304" pitchFamily="18" charset="0"/>
+                <a:cs typeface="Times New Roman" panose="02020603050405020304" pitchFamily="18" charset="0"/>
+              </a:rPr>
+              <a:t>Extract actionable business insights from clustering</a:t>
+            </a:r>
+          </a:p>
+          <a:p>
+            <a:endParaRPr lang="en-IN" dirty="0"/>
+          </a:p>
+        </p:txBody>
+      </p:sp>
+    </p:spTree>
+    <p:extLst>
+      <p:ext uri="{BB962C8B-B14F-4D97-AF65-F5344CB8AC3E}">
+        <p14:creationId xmlns:p14="http://schemas.microsoft.com/office/powerpoint/2010/main" val="1593877741"/>
+      </p:ext>
+    </p:extLst>
+  </p:cSld>
+  <p:clrMapOvr>
+    <a:masterClrMapping/>
+  </p:clrMapOvr>
+</p:sld>
+</file>
+
+<file path=ppt/slides/slide3.xml><?xml version="1.0" encoding="utf-8"?>
+<p:sld xmlns:a="http://schemas.openxmlformats.org/drawingml/2006/main" xmlns:r="http://schemas.openxmlformats.org/officeDocument/2006/relationships" xmlns:p="http://schemas.openxmlformats.org/presentationml/2006/main">
+  <p:cSld>
+    <p:spTree>
+      <p:nvGrpSpPr>
+        <p:cNvPr id="1" name=""/>
+        <p:cNvGrpSpPr/>
+        <p:nvPr/>
+      </p:nvGrpSpPr>
+      <p:grpSpPr>
+        <a:xfrm>
+          <a:off x="0" y="0"/>
+          <a:ext cx="0" cy="0"/>
+          <a:chOff x="0" y="0"/>
+          <a:chExt cx="0" cy="0"/>
+        </a:xfrm>
+      </p:grpSpPr>
+      <p:sp>
+        <p:nvSpPr>
+          <p:cNvPr id="2" name="Title 1">
+            <a:extLst>
+              <a:ext uri="{FF2B5EF4-FFF2-40B4-BE49-F238E27FC236}">
+                <a16:creationId xmlns:a16="http://schemas.microsoft.com/office/drawing/2014/main" id="{42775771-1386-3157-64AE-A5DAD59C65E4}"/>
+              </a:ext>
+            </a:extLst>
+          </p:cNvPr>
+          <p:cNvSpPr>
+            <a:spLocks noGrp="1"/>
+          </p:cNvSpPr>
+          <p:nvPr>
+            <p:ph type="title"/>
+          </p:nvPr>
+        </p:nvSpPr>
+        <p:spPr/>
+        <p:txBody>
+          <a:bodyPr/>
+          <a:lstStyle/>
+          <a:p>
+            <a:r>
+              <a:rPr lang="en-US" dirty="0"/>
+              <a:t>Business Problem Statement (What is the problem?)</a:t>
+            </a:r>
+            <a:endParaRPr lang="en-IN" dirty="0"/>
+          </a:p>
+        </p:txBody>
+      </p:sp>
+      <p:sp>
+        <p:nvSpPr>
+          <p:cNvPr id="3" name="Content Placeholder 2">
+            <a:extLst>
+              <a:ext uri="{FF2B5EF4-FFF2-40B4-BE49-F238E27FC236}">
+                <a16:creationId xmlns:a16="http://schemas.microsoft.com/office/drawing/2014/main" id="{F44300F4-D90B-C907-DAEF-84FE734B48D6}"/>
+              </a:ext>
+            </a:extLst>
+          </p:cNvPr>
+          <p:cNvSpPr>
+            <a:spLocks noGrp="1"/>
+          </p:cNvSpPr>
+          <p:nvPr>
+            <p:ph idx="1"/>
+          </p:nvPr>
+        </p:nvSpPr>
+        <p:spPr>
+          <a:xfrm>
+            <a:off x="838200" y="1825624"/>
+            <a:ext cx="10515600" cy="5032375"/>
+          </a:xfrm>
+        </p:spPr>
+        <p:txBody>
+          <a:bodyPr>
+            <a:normAutofit lnSpcReduction="10000"/>
+          </a:bodyPr>
+          <a:lstStyle/>
+          <a:p>
+            <a:r>
+              <a:rPr lang="en-US" dirty="0"/>
+              <a:t>Modern mobile applications generate huge amounts of user behavior data such as sessions, clicks, time spent, and interactions.</a:t>
+            </a:r>
+            <a:br>
+              <a:rPr lang="en-US" dirty="0"/>
+            </a:br>
+            <a:r>
+              <a:rPr lang="en-US" dirty="0"/>
+              <a:t>However, businesses </a:t>
+            </a:r>
+            <a:r>
+              <a:rPr lang="en-US" b="1" dirty="0"/>
+              <a:t>do not clearly understand how different users behave</a:t>
+            </a:r>
+            <a:r>
+              <a:rPr lang="en-US" dirty="0"/>
+              <a:t>, especially </a:t>
+            </a:r>
+            <a:r>
+              <a:rPr lang="en-US" b="1" dirty="0"/>
+              <a:t>without labeled data</a:t>
+            </a:r>
+            <a:r>
+              <a:rPr lang="en-US" dirty="0"/>
+              <a:t>.</a:t>
+            </a:r>
+          </a:p>
+          <a:p>
+            <a:r>
+              <a:rPr lang="en-US" dirty="0"/>
+              <a:t>Because of this:</a:t>
+            </a:r>
+          </a:p>
+          <a:p>
+            <a:r>
+              <a:rPr lang="en-US" dirty="0"/>
+              <a:t>All users are treated the same</a:t>
+            </a:r>
+          </a:p>
+          <a:p>
+            <a:r>
+              <a:rPr lang="en-US" dirty="0"/>
+              <a:t>Marketing campaigns become generic</a:t>
+            </a:r>
+          </a:p>
+          <a:p>
+            <a:r>
+              <a:rPr lang="en-US" dirty="0"/>
+              <a:t>High churn users are not identified early</a:t>
+            </a:r>
+          </a:p>
+          <a:p>
+            <a:r>
+              <a:rPr lang="en-US" dirty="0"/>
+              <a:t>👉 </a:t>
+            </a:r>
+            <a:r>
+              <a:rPr lang="en-US" b="1" dirty="0"/>
+              <a:t>Business Problem:</a:t>
+            </a:r>
+            <a:endParaRPr lang="en-US" dirty="0"/>
+          </a:p>
+          <a:p>
+            <a:r>
+              <a:rPr lang="en-US" i="1" dirty="0"/>
+              <a:t>How can we understand different user behavior patterns and identify churn-risk users without predefined labels?</a:t>
+            </a:r>
+            <a:endParaRPr lang="en-US" dirty="0"/>
+          </a:p>
+          <a:p>
+            <a:endParaRPr lang="en-IN" dirty="0"/>
+          </a:p>
+        </p:txBody>
+      </p:sp>
+    </p:spTree>
+    <p:extLst>
+      <p:ext uri="{BB962C8B-B14F-4D97-AF65-F5344CB8AC3E}">
+        <p14:creationId xmlns:p14="http://schemas.microsoft.com/office/powerpoint/2010/main" val="1921993318"/>
+      </p:ext>
+    </p:extLst>
+  </p:cSld>
+  <p:clrMapOvr>
+    <a:masterClrMapping/>
+  </p:clrMapOvr>
+</p:sld>
+</file>
+
+<file path=ppt/slides/slide4.xml><?xml version="1.0" encoding="utf-8"?>
+<p:sld xmlns:a="http://schemas.openxmlformats.org/drawingml/2006/main" xmlns:r="http://schemas.openxmlformats.org/officeDocument/2006/relationships" xmlns:p="http://schemas.openxmlformats.org/presentationml/2006/main">
+  <p:cSld>
+    <p:spTree>
+      <p:nvGrpSpPr>
+        <p:cNvPr id="1" name=""/>
+        <p:cNvGrpSpPr/>
+        <p:nvPr/>
+      </p:nvGrpSpPr>
+      <p:grpSpPr>
+        <a:xfrm>
+          <a:off x="0" y="0"/>
+          <a:ext cx="0" cy="0"/>
+          <a:chOff x="0" y="0"/>
+          <a:chExt cx="0" cy="0"/>
+        </a:xfrm>
+      </p:grpSpPr>
+      <p:sp>
+        <p:nvSpPr>
+          <p:cNvPr id="5" name="TextBox 4">
+            <a:extLst>
+              <a:ext uri="{FF2B5EF4-FFF2-40B4-BE49-F238E27FC236}">
+                <a16:creationId xmlns:a16="http://schemas.microsoft.com/office/drawing/2014/main" id="{0D6E3147-ECB8-5386-4833-9840CB4E69A9}"/>
+              </a:ext>
+            </a:extLst>
+          </p:cNvPr>
+          <p:cNvSpPr txBox="1"/>
+          <p:nvPr/>
+        </p:nvSpPr>
+        <p:spPr>
+          <a:xfrm>
+            <a:off x="1259840" y="2141419"/>
+            <a:ext cx="9191850" cy="2308324"/>
+          </a:xfrm>
+          <a:prstGeom prst="rect">
+            <a:avLst/>
+          </a:prstGeom>
+          <a:noFill/>
+        </p:spPr>
+        <p:txBody>
+          <a:bodyPr wrap="square">
+            <a:spAutoFit/>
+          </a:bodyPr>
+          <a:lstStyle/>
+          <a:p>
+            <a:pPr>
+              <a:buNone/>
+            </a:pPr>
+            <a:r>
+              <a:rPr lang="en-US" b="1" dirty="0"/>
+              <a:t>2️⃣ If This Problem Is NOT Solved – Disadvantages</a:t>
+            </a:r>
+          </a:p>
+          <a:p>
+            <a:pPr>
+              <a:buNone/>
+            </a:pPr>
+            <a:r>
+              <a:rPr lang="en-US" dirty="0"/>
+              <a:t>If the problem is ignored:</a:t>
+            </a:r>
+          </a:p>
+          <a:p>
+            <a:pPr>
+              <a:buFont typeface="Arial" panose="020B0604020202020204" pitchFamily="34" charset="0"/>
+              <a:buChar char="•"/>
+            </a:pPr>
+            <a:r>
+              <a:rPr lang="en-US" dirty="0"/>
+              <a:t>❌ High churn users leave silently</a:t>
+            </a:r>
+          </a:p>
+          <a:p>
+            <a:pPr>
+              <a:buFont typeface="Arial" panose="020B0604020202020204" pitchFamily="34" charset="0"/>
+              <a:buChar char="•"/>
+            </a:pPr>
+            <a:r>
+              <a:rPr lang="en-US" dirty="0"/>
+              <a:t>❌ Marketing money is wasted on inactive users</a:t>
+            </a:r>
+          </a:p>
+          <a:p>
+            <a:pPr>
+              <a:buFont typeface="Arial" panose="020B0604020202020204" pitchFamily="34" charset="0"/>
+              <a:buChar char="•"/>
+            </a:pPr>
+            <a:r>
+              <a:rPr lang="en-US" dirty="0"/>
+              <a:t>❌ No early warning system for user drop-off</a:t>
+            </a:r>
+          </a:p>
+          <a:p>
+            <a:pPr>
+              <a:buFont typeface="Arial" panose="020B0604020202020204" pitchFamily="34" charset="0"/>
+              <a:buChar char="•"/>
+            </a:pPr>
+            <a:r>
+              <a:rPr lang="en-US" dirty="0"/>
+              <a:t>❌ Product improvements are based on assumptions, not data</a:t>
+            </a:r>
+          </a:p>
+          <a:p>
+            <a:pPr>
+              <a:buFont typeface="Arial" panose="020B0604020202020204" pitchFamily="34" charset="0"/>
+              <a:buChar char="•"/>
+            </a:pPr>
+            <a:r>
+              <a:rPr lang="en-US" dirty="0"/>
+              <a:t>❌ Business growth slows down</a:t>
+            </a:r>
+          </a:p>
+          <a:p>
+            <a:pPr>
+              <a:buNone/>
+            </a:pPr>
+            <a:r>
+              <a:rPr lang="en-US" dirty="0"/>
+              <a:t>📌 </a:t>
+            </a:r>
+            <a:r>
+              <a:rPr lang="en-US" b="1" dirty="0"/>
+              <a:t>Result:</a:t>
+            </a:r>
+            <a:r>
+              <a:rPr lang="en-US" dirty="0"/>
+              <a:t> Loss of users, revenue, and brand trust</a:t>
+            </a:r>
+          </a:p>
+        </p:txBody>
+      </p:sp>
+    </p:spTree>
+    <p:extLst>
+      <p:ext uri="{BB962C8B-B14F-4D97-AF65-F5344CB8AC3E}">
+        <p14:creationId xmlns:p14="http://schemas.microsoft.com/office/powerpoint/2010/main" val="159870419"/>
+      </p:ext>
+    </p:extLst>
+  </p:cSld>
+  <p:clrMapOvr>
+    <a:masterClrMapping/>
+  </p:clrMapOvr>
+</p:sld>
+</file>
+
+<file path=ppt/slides/slide5.xml><?xml version="1.0" encoding="utf-8"?>
+<p:sld xmlns:a="http://schemas.openxmlformats.org/drawingml/2006/main" xmlns:r="http://schemas.openxmlformats.org/officeDocument/2006/relationships" xmlns:p="http://schemas.openxmlformats.org/presentationml/2006/main">
+  <p:cSld>
+    <p:spTree>
+      <p:nvGrpSpPr>
+        <p:cNvPr id="1" name=""/>
+        <p:cNvGrpSpPr/>
+        <p:nvPr/>
+      </p:nvGrpSpPr>
+      <p:grpSpPr>
+        <a:xfrm>
+          <a:off x="0" y="0"/>
+          <a:ext cx="0" cy="0"/>
+          <a:chOff x="0" y="0"/>
+          <a:chExt cx="0" cy="0"/>
+        </a:xfrm>
+      </p:grpSpPr>
+      <p:sp>
+        <p:nvSpPr>
+          <p:cNvPr id="3" name="TextBox 2">
+            <a:extLst>
+              <a:ext uri="{FF2B5EF4-FFF2-40B4-BE49-F238E27FC236}">
+                <a16:creationId xmlns:a16="http://schemas.microsoft.com/office/drawing/2014/main" id="{7365270B-BFE7-2327-9D57-2F101CE7E0EA}"/>
+              </a:ext>
+            </a:extLst>
+          </p:cNvPr>
+          <p:cNvSpPr txBox="1"/>
+          <p:nvPr/>
+        </p:nvSpPr>
+        <p:spPr>
+          <a:xfrm>
+            <a:off x="904568" y="2138797"/>
+            <a:ext cx="9517626" cy="2308324"/>
+          </a:xfrm>
+          <a:prstGeom prst="rect">
+            <a:avLst/>
+          </a:prstGeom>
+          <a:noFill/>
+        </p:spPr>
+        <p:txBody>
+          <a:bodyPr wrap="square">
+            <a:spAutoFit/>
+          </a:bodyPr>
+          <a:lstStyle/>
+          <a:p>
+            <a:pPr>
+              <a:buNone/>
+            </a:pPr>
+            <a:r>
+              <a:rPr lang="en-US" b="1" dirty="0"/>
+              <a:t>3️⃣ If This Problem IS Solved – Advantages</a:t>
+            </a:r>
+          </a:p>
+          <a:p>
+            <a:pPr>
+              <a:buNone/>
+            </a:pPr>
+            <a:r>
+              <a:rPr lang="en-US" dirty="0"/>
+              <a:t>By solving this problem:</a:t>
+            </a:r>
+          </a:p>
+          <a:p>
+            <a:pPr>
+              <a:buFont typeface="Arial" panose="020B0604020202020204" pitchFamily="34" charset="0"/>
+              <a:buChar char="•"/>
+            </a:pPr>
+            <a:r>
+              <a:rPr lang="en-US" dirty="0"/>
+              <a:t>✅ Users are grouped based on real behavior</a:t>
+            </a:r>
+          </a:p>
+          <a:p>
+            <a:pPr>
+              <a:buFont typeface="Arial" panose="020B0604020202020204" pitchFamily="34" charset="0"/>
+              <a:buChar char="•"/>
+            </a:pPr>
+            <a:r>
+              <a:rPr lang="en-US" dirty="0"/>
+              <a:t>✅ Churn-risk users are detected early</a:t>
+            </a:r>
+          </a:p>
+          <a:p>
+            <a:pPr>
+              <a:buFont typeface="Arial" panose="020B0604020202020204" pitchFamily="34" charset="0"/>
+              <a:buChar char="•"/>
+            </a:pPr>
+            <a:r>
+              <a:rPr lang="en-US" dirty="0"/>
+              <a:t>✅ Personalized engagement strategies are possible</a:t>
+            </a:r>
+          </a:p>
+          <a:p>
+            <a:pPr>
+              <a:buFont typeface="Arial" panose="020B0604020202020204" pitchFamily="34" charset="0"/>
+              <a:buChar char="•"/>
+            </a:pPr>
+            <a:r>
+              <a:rPr lang="en-US" dirty="0"/>
+              <a:t>✅ Marketing becomes targeted and cost-effective</a:t>
+            </a:r>
+          </a:p>
+          <a:p>
+            <a:pPr>
+              <a:buFont typeface="Arial" panose="020B0604020202020204" pitchFamily="34" charset="0"/>
+              <a:buChar char="•"/>
+            </a:pPr>
+            <a:r>
+              <a:rPr lang="en-US" dirty="0"/>
+              <a:t>✅ Business decisions become data-driven</a:t>
+            </a:r>
+          </a:p>
+          <a:p>
+            <a:pPr>
+              <a:buNone/>
+            </a:pPr>
+            <a:r>
+              <a:rPr lang="en-US" dirty="0"/>
+              <a:t>📌 </a:t>
+            </a:r>
+            <a:r>
+              <a:rPr lang="en-US" b="1" dirty="0"/>
+              <a:t>Result:</a:t>
+            </a:r>
+            <a:r>
+              <a:rPr lang="en-US" dirty="0"/>
+              <a:t> Higher retention, better user experience, and revenue growth</a:t>
+            </a:r>
+          </a:p>
+        </p:txBody>
+      </p:sp>
+    </p:spTree>
+    <p:extLst>
+      <p:ext uri="{BB962C8B-B14F-4D97-AF65-F5344CB8AC3E}">
+        <p14:creationId xmlns:p14="http://schemas.microsoft.com/office/powerpoint/2010/main" val="2224545824"/>
+      </p:ext>
+    </p:extLst>
+  </p:cSld>
+  <p:clrMapOvr>
+    <a:masterClrMapping/>
+  </p:clrMapOvr>
+</p:sld>
+</file>
+
+<file path=ppt/slides/slide6.xml><?xml version="1.0" encoding="utf-8"?>
+<p:sld xmlns:a="http://schemas.openxmlformats.org/drawingml/2006/main" xmlns:r="http://schemas.openxmlformats.org/officeDocument/2006/relationships" xmlns:p="http://schemas.openxmlformats.org/presentationml/2006/main">
+  <p:cSld>
+    <p:spTree>
+      <p:nvGrpSpPr>
+        <p:cNvPr id="1" name=""/>
+        <p:cNvGrpSpPr/>
+        <p:nvPr/>
+      </p:nvGrpSpPr>
+      <p:grpSpPr>
+        <a:xfrm>
+          <a:off x="0" y="0"/>
+          <a:ext cx="0" cy="0"/>
+          <a:chOff x="0" y="0"/>
+          <a:chExt cx="0" cy="0"/>
+        </a:xfrm>
+      </p:grpSpPr>
+      <p:graphicFrame>
+        <p:nvGraphicFramePr>
+          <p:cNvPr id="2" name="Table 1">
+            <a:extLst>
+              <a:ext uri="{FF2B5EF4-FFF2-40B4-BE49-F238E27FC236}">
+                <a16:creationId xmlns:a16="http://schemas.microsoft.com/office/drawing/2014/main" id="{02F7ECFA-68CF-3736-9A3E-64E43F03926B}"/>
+              </a:ext>
+            </a:extLst>
+          </p:cNvPr>
+          <p:cNvGraphicFramePr>
+            <a:graphicFrameLocks noGrp="1"/>
+          </p:cNvGraphicFramePr>
+          <p:nvPr>
+            <p:extLst>
+              <p:ext uri="{D42A27DB-BD31-4B8C-83A1-F6EECF244321}">
+                <p14:modId xmlns:p14="http://schemas.microsoft.com/office/powerpoint/2010/main" val="1674471878"/>
+              </p:ext>
+            </p:extLst>
+          </p:nvPr>
+        </p:nvGraphicFramePr>
+        <p:xfrm>
+          <a:off x="838200" y="1504335"/>
+          <a:ext cx="8987022" cy="3777116"/>
+        </p:xfrm>
+        <a:graphic>
+          <a:graphicData uri="http://schemas.openxmlformats.org/drawingml/2006/table">
+            <a:tbl>
+              <a:tblPr/>
+              <a:tblGrid>
+                <a:gridCol w="4493511">
+                  <a:extLst>
+                    <a:ext uri="{9D8B030D-6E8A-4147-A177-3AD203B41FA5}">
+                      <a16:colId xmlns:a16="http://schemas.microsoft.com/office/drawing/2014/main" val="3704243666"/>
+                    </a:ext>
+                  </a:extLst>
+                </a:gridCol>
+                <a:gridCol w="4493511">
+                  <a:extLst>
+                    <a:ext uri="{9D8B030D-6E8A-4147-A177-3AD203B41FA5}">
+                      <a16:colId xmlns:a16="http://schemas.microsoft.com/office/drawing/2014/main" val="319090479"/>
+                    </a:ext>
+                  </a:extLst>
+                </a:gridCol>
+              </a:tblGrid>
+              <a:tr h="539588">
+                <a:tc>
+                  <a:txBody>
+                    <a:bodyPr/>
+                    <a:lstStyle/>
+                    <a:p>
+                      <a:pPr>
+                        <a:buNone/>
+                      </a:pPr>
+                      <a:r>
+                        <a:rPr lang="en-IN"/>
+                        <a:t>Tool</a:t>
+                      </a:r>
+                    </a:p>
+                  </a:txBody>
+                  <a:tcPr anchor="ctr">
+                    <a:lnL>
+                      <a:noFill/>
+                    </a:lnL>
+                    <a:lnR>
+                      <a:noFill/>
+                    </a:lnR>
+                    <a:lnT>
+                      <a:noFill/>
+                    </a:lnT>
+                    <a:lnB>
+                      <a:noFill/>
+                    </a:lnB>
+                    <a:noFill/>
+                  </a:tcPr>
+                </a:tc>
+                <a:tc>
+                  <a:txBody>
+                    <a:bodyPr/>
+                    <a:lstStyle/>
+                    <a:p>
+                      <a:pPr>
+                        <a:buNone/>
+                      </a:pPr>
+                      <a:r>
+                        <a:rPr lang="en-IN"/>
+                        <a:t>Reason</a:t>
+                      </a:r>
+                    </a:p>
+                  </a:txBody>
+                  <a:tcPr anchor="ctr">
+                    <a:lnL>
+                      <a:noFill/>
+                    </a:lnL>
+                    <a:lnR>
+                      <a:noFill/>
+                    </a:lnR>
+                    <a:lnT>
+                      <a:noFill/>
+                    </a:lnT>
+                    <a:lnB>
+                      <a:noFill/>
+                    </a:lnB>
+                    <a:noFill/>
+                  </a:tcPr>
+                </a:tc>
+                <a:extLst>
+                  <a:ext uri="{0D108BD9-81ED-4DB2-BD59-A6C34878D82A}">
+                    <a16:rowId xmlns:a16="http://schemas.microsoft.com/office/drawing/2014/main" val="1564379909"/>
+                  </a:ext>
+                </a:extLst>
+              </a:tr>
+              <a:tr h="539588">
+                <a:tc>
+                  <a:txBody>
+                    <a:bodyPr/>
+                    <a:lstStyle/>
+                    <a:p>
+                      <a:pPr>
+                        <a:buNone/>
+                      </a:pPr>
+                      <a:r>
+                        <a:rPr lang="en-IN" b="1" dirty="0"/>
+                        <a:t>Python</a:t>
+                      </a:r>
+                      <a:endParaRPr lang="en-IN" dirty="0"/>
+                    </a:p>
+                  </a:txBody>
+                  <a:tcPr anchor="ctr">
+                    <a:lnL>
+                      <a:noFill/>
+                    </a:lnL>
+                    <a:lnR>
+                      <a:noFill/>
+                    </a:lnR>
+                    <a:lnT>
+                      <a:noFill/>
+                    </a:lnT>
+                    <a:lnB>
+                      <a:noFill/>
+                    </a:lnB>
+                    <a:noFill/>
+                  </a:tcPr>
+                </a:tc>
+                <a:tc>
+                  <a:txBody>
+                    <a:bodyPr/>
+                    <a:lstStyle/>
+                    <a:p>
+                      <a:pPr>
+                        <a:buNone/>
+                      </a:pPr>
+                      <a:r>
+                        <a:rPr lang="en-IN"/>
+                        <a:t>Data processing and analysis</a:t>
+                      </a:r>
+                    </a:p>
+                  </a:txBody>
+                  <a:tcPr anchor="ctr">
+                    <a:lnL>
+                      <a:noFill/>
+                    </a:lnL>
+                    <a:lnR>
+                      <a:noFill/>
+                    </a:lnR>
+                    <a:lnT>
+                      <a:noFill/>
+                    </a:lnT>
+                    <a:lnB>
+                      <a:noFill/>
+                    </a:lnB>
+                    <a:noFill/>
+                  </a:tcPr>
+                </a:tc>
+                <a:extLst>
+                  <a:ext uri="{0D108BD9-81ED-4DB2-BD59-A6C34878D82A}">
+                    <a16:rowId xmlns:a16="http://schemas.microsoft.com/office/drawing/2014/main" val="1326053229"/>
+                  </a:ext>
+                </a:extLst>
+              </a:tr>
+              <a:tr h="539588">
+                <a:tc>
+                  <a:txBody>
+                    <a:bodyPr/>
+                    <a:lstStyle/>
+                    <a:p>
+                      <a:pPr>
+                        <a:buNone/>
+                      </a:pPr>
+                      <a:r>
+                        <a:rPr lang="en-IN" b="1" dirty="0"/>
+                        <a:t>Pandas / NumPy</a:t>
+                      </a:r>
+                      <a:endParaRPr lang="en-IN" dirty="0"/>
+                    </a:p>
+                  </a:txBody>
+                  <a:tcPr anchor="ctr">
+                    <a:lnL>
+                      <a:noFill/>
+                    </a:lnL>
+                    <a:lnR>
+                      <a:noFill/>
+                    </a:lnR>
+                    <a:lnT>
+                      <a:noFill/>
+                    </a:lnT>
+                    <a:lnB>
+                      <a:noFill/>
+                    </a:lnB>
+                    <a:noFill/>
+                  </a:tcPr>
+                </a:tc>
+                <a:tc>
+                  <a:txBody>
+                    <a:bodyPr/>
+                    <a:lstStyle/>
+                    <a:p>
+                      <a:pPr>
+                        <a:buNone/>
+                      </a:pPr>
+                      <a:r>
+                        <a:rPr lang="en-IN"/>
+                        <a:t>Data cleaning &amp; feature handling</a:t>
+                      </a:r>
+                    </a:p>
+                  </a:txBody>
+                  <a:tcPr anchor="ctr">
+                    <a:lnL>
+                      <a:noFill/>
+                    </a:lnL>
+                    <a:lnR>
+                      <a:noFill/>
+                    </a:lnR>
+                    <a:lnT>
+                      <a:noFill/>
+                    </a:lnT>
+                    <a:lnB>
+                      <a:noFill/>
+                    </a:lnB>
+                    <a:noFill/>
+                  </a:tcPr>
+                </a:tc>
+                <a:extLst>
+                  <a:ext uri="{0D108BD9-81ED-4DB2-BD59-A6C34878D82A}">
+                    <a16:rowId xmlns:a16="http://schemas.microsoft.com/office/drawing/2014/main" val="2147412901"/>
+                  </a:ext>
+                </a:extLst>
+              </a:tr>
+              <a:tr h="539588">
+                <a:tc>
+                  <a:txBody>
+                    <a:bodyPr/>
+                    <a:lstStyle/>
+                    <a:p>
+                      <a:pPr>
+                        <a:buNone/>
+                      </a:pPr>
+                      <a:r>
+                        <a:rPr lang="en-IN" b="1"/>
+                        <a:t>Matplotlib / Seaborn</a:t>
+                      </a:r>
+                      <a:endParaRPr lang="en-IN"/>
+                    </a:p>
+                  </a:txBody>
+                  <a:tcPr anchor="ctr">
+                    <a:lnL>
+                      <a:noFill/>
+                    </a:lnL>
+                    <a:lnR>
+                      <a:noFill/>
+                    </a:lnR>
+                    <a:lnT>
+                      <a:noFill/>
+                    </a:lnT>
+                    <a:lnB>
+                      <a:noFill/>
+                    </a:lnB>
+                    <a:noFill/>
+                  </a:tcPr>
+                </a:tc>
+                <a:tc>
+                  <a:txBody>
+                    <a:bodyPr/>
+                    <a:lstStyle/>
+                    <a:p>
+                      <a:pPr>
+                        <a:buNone/>
+                      </a:pPr>
+                      <a:r>
+                        <a:rPr lang="en-IN"/>
+                        <a:t>Visualization &amp; insights</a:t>
+                      </a:r>
+                    </a:p>
+                  </a:txBody>
+                  <a:tcPr anchor="ctr">
+                    <a:lnL>
+                      <a:noFill/>
+                    </a:lnL>
+                    <a:lnR>
+                      <a:noFill/>
+                    </a:lnR>
+                    <a:lnT>
+                      <a:noFill/>
+                    </a:lnT>
+                    <a:lnB>
+                      <a:noFill/>
+                    </a:lnB>
+                    <a:noFill/>
+                  </a:tcPr>
+                </a:tc>
+                <a:extLst>
+                  <a:ext uri="{0D108BD9-81ED-4DB2-BD59-A6C34878D82A}">
+                    <a16:rowId xmlns:a16="http://schemas.microsoft.com/office/drawing/2014/main" val="1537343025"/>
+                  </a:ext>
+                </a:extLst>
+              </a:tr>
+              <a:tr h="539588">
+                <a:tc>
+                  <a:txBody>
+                    <a:bodyPr/>
+                    <a:lstStyle/>
+                    <a:p>
+                      <a:pPr>
+                        <a:buNone/>
+                      </a:pPr>
+                      <a:r>
+                        <a:rPr lang="en-IN" b="1"/>
+                        <a:t>StandardScaler</a:t>
+                      </a:r>
+                      <a:endParaRPr lang="en-IN"/>
+                    </a:p>
+                  </a:txBody>
+                  <a:tcPr anchor="ctr">
+                    <a:lnL>
+                      <a:noFill/>
+                    </a:lnL>
+                    <a:lnR>
+                      <a:noFill/>
+                    </a:lnR>
+                    <a:lnT>
+                      <a:noFill/>
+                    </a:lnT>
+                    <a:lnB>
+                      <a:noFill/>
+                    </a:lnB>
+                    <a:noFill/>
+                  </a:tcPr>
+                </a:tc>
+                <a:tc>
+                  <a:txBody>
+                    <a:bodyPr/>
+                    <a:lstStyle/>
+                    <a:p>
+                      <a:pPr>
+                        <a:buNone/>
+                      </a:pPr>
+                      <a:r>
+                        <a:rPr lang="en-IN"/>
+                        <a:t>Normalize features</a:t>
+                      </a:r>
+                    </a:p>
+                  </a:txBody>
+                  <a:tcPr anchor="ctr">
+                    <a:lnL>
+                      <a:noFill/>
+                    </a:lnL>
+                    <a:lnR>
+                      <a:noFill/>
+                    </a:lnR>
+                    <a:lnT>
+                      <a:noFill/>
+                    </a:lnT>
+                    <a:lnB>
+                      <a:noFill/>
+                    </a:lnB>
+                    <a:noFill/>
+                  </a:tcPr>
+                </a:tc>
+                <a:extLst>
+                  <a:ext uri="{0D108BD9-81ED-4DB2-BD59-A6C34878D82A}">
+                    <a16:rowId xmlns:a16="http://schemas.microsoft.com/office/drawing/2014/main" val="1273851758"/>
+                  </a:ext>
+                </a:extLst>
+              </a:tr>
+              <a:tr h="539588">
+                <a:tc>
+                  <a:txBody>
+                    <a:bodyPr/>
+                    <a:lstStyle/>
+                    <a:p>
+                      <a:pPr>
+                        <a:buNone/>
+                      </a:pPr>
+                      <a:r>
+                        <a:rPr lang="en-IN" b="1"/>
+                        <a:t>K-Means Clustering</a:t>
+                      </a:r>
+                      <a:endParaRPr lang="en-IN"/>
+                    </a:p>
+                  </a:txBody>
+                  <a:tcPr anchor="ctr">
+                    <a:lnL>
+                      <a:noFill/>
+                    </a:lnL>
+                    <a:lnR>
+                      <a:noFill/>
+                    </a:lnR>
+                    <a:lnT>
+                      <a:noFill/>
+                    </a:lnT>
+                    <a:lnB>
+                      <a:noFill/>
+                    </a:lnB>
+                    <a:noFill/>
+                  </a:tcPr>
+                </a:tc>
+                <a:tc>
+                  <a:txBody>
+                    <a:bodyPr/>
+                    <a:lstStyle/>
+                    <a:p>
+                      <a:pPr>
+                        <a:buNone/>
+                      </a:pPr>
+                      <a:r>
+                        <a:rPr lang="en-IN"/>
+                        <a:t>Unsupervised user segmentation</a:t>
+                      </a:r>
+                    </a:p>
+                  </a:txBody>
+                  <a:tcPr anchor="ctr">
+                    <a:lnL>
+                      <a:noFill/>
+                    </a:lnL>
+                    <a:lnR>
+                      <a:noFill/>
+                    </a:lnR>
+                    <a:lnT>
+                      <a:noFill/>
+                    </a:lnT>
+                    <a:lnB>
+                      <a:noFill/>
+                    </a:lnB>
+                    <a:noFill/>
+                  </a:tcPr>
+                </a:tc>
+                <a:extLst>
+                  <a:ext uri="{0D108BD9-81ED-4DB2-BD59-A6C34878D82A}">
+                    <a16:rowId xmlns:a16="http://schemas.microsoft.com/office/drawing/2014/main" val="51523675"/>
+                  </a:ext>
+                </a:extLst>
+              </a:tr>
+              <a:tr h="539588">
+                <a:tc>
+                  <a:txBody>
+                    <a:bodyPr/>
+                    <a:lstStyle/>
+                    <a:p>
+                      <a:pPr>
+                        <a:buNone/>
+                      </a:pPr>
+                      <a:r>
+                        <a:rPr lang="en-IN" b="1"/>
+                        <a:t>PCA</a:t>
+                      </a:r>
+                      <a:endParaRPr lang="en-IN"/>
+                    </a:p>
+                  </a:txBody>
+                  <a:tcPr anchor="ctr">
+                    <a:lnL>
+                      <a:noFill/>
+                    </a:lnL>
+                    <a:lnR>
+                      <a:noFill/>
+                    </a:lnR>
+                    <a:lnT>
+                      <a:noFill/>
+                    </a:lnT>
+                    <a:lnB>
+                      <a:noFill/>
+                    </a:lnB>
+                    <a:noFill/>
+                  </a:tcPr>
+                </a:tc>
+                <a:tc>
+                  <a:txBody>
+                    <a:bodyPr/>
+                    <a:lstStyle/>
+                    <a:p>
+                      <a:pPr>
+                        <a:buNone/>
+                      </a:pPr>
+                      <a:r>
+                        <a:rPr lang="en-IN" dirty="0"/>
+                        <a:t>Dimensionality reduction &amp; visualization</a:t>
+                      </a:r>
+                    </a:p>
+                  </a:txBody>
+                  <a:tcPr anchor="ctr">
+                    <a:lnL>
+                      <a:noFill/>
+                    </a:lnL>
+                    <a:lnR>
+                      <a:noFill/>
+                    </a:lnR>
+                    <a:lnT>
+                      <a:noFill/>
+                    </a:lnT>
+                    <a:lnB>
+                      <a:noFill/>
+                    </a:lnB>
+                    <a:noFill/>
+                  </a:tcPr>
+                </a:tc>
+                <a:extLst>
+                  <a:ext uri="{0D108BD9-81ED-4DB2-BD59-A6C34878D82A}">
+                    <a16:rowId xmlns:a16="http://schemas.microsoft.com/office/drawing/2014/main" val="2147845356"/>
+                  </a:ext>
+                </a:extLst>
+              </a:tr>
+            </a:tbl>
+          </a:graphicData>
+        </a:graphic>
+      </p:graphicFrame>
+      <p:sp>
+        <p:nvSpPr>
+          <p:cNvPr id="3" name="Rectangle 1">
+            <a:extLst>
+              <a:ext uri="{FF2B5EF4-FFF2-40B4-BE49-F238E27FC236}">
+                <a16:creationId xmlns:a16="http://schemas.microsoft.com/office/drawing/2014/main" id="{EC07D2B5-9E19-55F1-F68C-10E652C46719}"/>
+              </a:ext>
+            </a:extLst>
+          </p:cNvPr>
+          <p:cNvSpPr>
+            <a:spLocks noChangeArrowheads="1"/>
+          </p:cNvSpPr>
+          <p:nvPr/>
+        </p:nvSpPr>
+        <p:spPr bwMode="auto">
+          <a:xfrm>
+            <a:off x="730046" y="1022551"/>
+            <a:ext cx="10419735" cy="553998"/>
+          </a:xfrm>
+          <a:prstGeom prst="rect">
+            <a:avLst/>
+          </a:prstGeom>
+          <a:noFill/>
+          <a:ln>
+            <a:noFill/>
+          </a:ln>
+          <a:effectLst/>
+          <a:extLst>
+            <a:ext uri="{909E8E84-426E-40DD-AFC4-6F175D3DCCD1}">
+              <a14:hiddenFill xmlns:a14="http://schemas.microsoft.com/office/drawing/2010/main">
+                <a:solidFill>
+                  <a:schemeClr val="accent1"/>
+                </a:solidFill>
+              </a14:hiddenFill>
+            </a:ext>
+            <a:ext uri="{91240B29-F687-4F45-9708-019B960494DF}">
+              <a14:hiddenLine xmlns:a14="http://schemas.microsoft.com/office/drawing/2010/main" w="9525">
+                <a:solidFill>
+                  <a:schemeClr val="tx1"/>
+                </a:solidFill>
+                <a:miter lim="800000"/>
+                <a:headEnd/>
+                <a:tailEnd/>
+              </a14:hiddenLine>
+            </a:ext>
+            <a:ext uri="{AF507438-7753-43E0-B8FC-AC1667EBCBE1}">
+              <a14:hiddenEffects xmlns:a14="http://schemas.microsoft.com/office/drawing/2010/main">
+                <a:effectLst>
+                  <a:outerShdw dist="35921" dir="2700000" algn="ctr" rotWithShape="0">
+                    <a:schemeClr val="bg2"/>
+                  </a:outerShdw>
+                </a:effectLst>
+              </a14:hiddenEffects>
+            </a:ext>
+          </a:extLst>
+        </p:spPr>
+        <p:txBody>
+          <a:bodyPr vert="horz" wrap="square" lIns="91440" tIns="45720" rIns="91440" bIns="45720" numCol="1" anchor="ctr" anchorCtr="0" compatLnSpc="1">
+            <a:prstTxWarp prst="textNoShape">
+              <a:avLst/>
+            </a:prstTxWarp>
+            <a:spAutoFit/>
+          </a:bodyPr>
+          <a:lstStyle/>
+          <a:p>
+            <a:pPr marL="0" marR="0" lvl="0" indent="0" algn="l" defTabSz="914400" rtl="0" eaLnBrk="0" fontAlgn="base" latinLnBrk="0" hangingPunct="0">
+              <a:lnSpc>
+                <a:spcPct val="100000"/>
+              </a:lnSpc>
+              <a:spcBef>
+                <a:spcPct val="0"/>
+              </a:spcBef>
+              <a:spcAft>
+                <a:spcPct val="0"/>
+              </a:spcAft>
+              <a:buClrTx/>
+              <a:buSzTx/>
+              <a:buFontTx/>
+              <a:buNone/>
+              <a:tabLst/>
+            </a:pPr>
+            <a:r>
+              <a:rPr kumimoji="0" lang="en-US" altLang="en-US" sz="1200" b="1" i="0" u="none" strike="noStrike" cap="none" normalizeH="0" baseline="0" dirty="0">
+                <a:ln>
+                  <a:noFill/>
+                </a:ln>
+                <a:solidFill>
+                  <a:schemeClr val="tx1"/>
+                </a:solidFill>
+                <a:effectLst/>
+                <a:latin typeface="Arial" panose="020B0604020202020204" pitchFamily="34" charset="0"/>
+              </a:rPr>
+              <a:t>4️⃣ Why These Tools Are Used</a:t>
+            </a:r>
+          </a:p>
+          <a:p>
+            <a:pPr marL="0" marR="0" lvl="0" indent="0" algn="l" defTabSz="914400" rtl="0" eaLnBrk="0" fontAlgn="base" latinLnBrk="0" hangingPunct="0">
+              <a:lnSpc>
+                <a:spcPct val="100000"/>
+              </a:lnSpc>
+              <a:spcBef>
+                <a:spcPct val="0"/>
+              </a:spcBef>
+              <a:spcAft>
+                <a:spcPct val="0"/>
+              </a:spcAft>
+              <a:buClrTx/>
+              <a:buSzTx/>
+              <a:buFontTx/>
+              <a:buNone/>
+              <a:tabLst/>
+            </a:pPr>
+            <a:endParaRPr kumimoji="0" lang="en-US" altLang="en-US" sz="1800" b="0" i="0" u="none" strike="noStrike" cap="none" normalizeH="0" baseline="0" dirty="0">
+              <a:ln>
+                <a:noFill/>
+              </a:ln>
+              <a:solidFill>
+                <a:schemeClr val="tx1"/>
+              </a:solidFill>
+              <a:effectLst/>
+              <a:latin typeface="Arial" panose="020B0604020202020204" pitchFamily="34" charset="0"/>
+            </a:endParaRPr>
+          </a:p>
+        </p:txBody>
+      </p:sp>
+    </p:spTree>
+    <p:extLst>
+      <p:ext uri="{BB962C8B-B14F-4D97-AF65-F5344CB8AC3E}">
+        <p14:creationId xmlns:p14="http://schemas.microsoft.com/office/powerpoint/2010/main" val="3744013529"/>
+      </p:ext>
+    </p:extLst>
+  </p:cSld>
+  <p:clrMapOvr>
+    <a:masterClrMapping/>
+  </p:clrMapOvr>
+</p:sld>
+</file>
+
+<file path=ppt/slides/slide7.xml><?xml version="1.0" encoding="utf-8"?>
+<p:sld xmlns:a="http://schemas.openxmlformats.org/drawingml/2006/main" xmlns:r="http://schemas.openxmlformats.org/officeDocument/2006/relationships" xmlns:p="http://schemas.openxmlformats.org/presentationml/2006/main">
+  <p:cSld>
+    <p:spTree>
+      <p:nvGrpSpPr>
+        <p:cNvPr id="1" name=""/>
+        <p:cNvGrpSpPr/>
+        <p:nvPr/>
+      </p:nvGrpSpPr>
+      <p:grpSpPr>
+        <a:xfrm>
+          <a:off x="0" y="0"/>
+          <a:ext cx="0" cy="0"/>
+          <a:chOff x="0" y="0"/>
+          <a:chExt cx="0" cy="0"/>
+        </a:xfrm>
+      </p:grpSpPr>
+      <p:sp>
+        <p:nvSpPr>
+          <p:cNvPr id="3" name="TextBox 2">
+            <a:extLst>
+              <a:ext uri="{FF2B5EF4-FFF2-40B4-BE49-F238E27FC236}">
+                <a16:creationId xmlns:a16="http://schemas.microsoft.com/office/drawing/2014/main" id="{6B1FC242-C208-AF47-8AD5-7DEC3809DD14}"/>
+              </a:ext>
+            </a:extLst>
+          </p:cNvPr>
+          <p:cNvSpPr txBox="1"/>
+          <p:nvPr/>
+        </p:nvSpPr>
+        <p:spPr>
+          <a:xfrm>
+            <a:off x="1120877" y="1446299"/>
+            <a:ext cx="9035846" cy="3970318"/>
+          </a:xfrm>
+          <a:prstGeom prst="rect">
+            <a:avLst/>
+          </a:prstGeom>
+          <a:noFill/>
+        </p:spPr>
+        <p:txBody>
+          <a:bodyPr wrap="square">
+            <a:spAutoFit/>
+          </a:bodyPr>
+          <a:lstStyle/>
+          <a:p>
+            <a:pPr>
+              <a:buNone/>
+            </a:pPr>
+            <a:r>
+              <a:rPr lang="en-IN" b="1" dirty="0"/>
+              <a:t>5️⃣ Features Used &amp; Domain Impact</a:t>
+            </a:r>
+          </a:p>
+          <a:p>
+            <a:pPr>
+              <a:buNone/>
+            </a:pPr>
+            <a:r>
+              <a:rPr lang="en-IN" b="1" dirty="0"/>
+              <a:t>📌 Domain: User </a:t>
+            </a:r>
+            <a:r>
+              <a:rPr lang="en-IN" b="1" dirty="0" err="1"/>
+              <a:t>Behavior</a:t>
+            </a:r>
+            <a:r>
+              <a:rPr lang="en-IN" b="1" dirty="0"/>
+              <a:t> Analytics &amp; Machine Learning</a:t>
+            </a:r>
+          </a:p>
+          <a:p>
+            <a:pPr>
+              <a:buNone/>
+            </a:pPr>
+            <a:r>
+              <a:rPr lang="en-IN" b="1" dirty="0"/>
+              <a:t>Key Features &amp; What They Affect:</a:t>
+            </a:r>
+          </a:p>
+          <a:p>
+            <a:pPr>
+              <a:buFont typeface="Arial" panose="020B0604020202020204" pitchFamily="34" charset="0"/>
+              <a:buChar char="•"/>
+            </a:pPr>
+            <a:r>
+              <a:rPr lang="en-IN" b="1" dirty="0" err="1"/>
+              <a:t>sessions_per_week</a:t>
+            </a:r>
+            <a:r>
+              <a:rPr lang="en-IN" dirty="0"/>
+              <a:t> → Usage frequency</a:t>
+            </a:r>
+          </a:p>
+          <a:p>
+            <a:pPr>
+              <a:buFont typeface="Arial" panose="020B0604020202020204" pitchFamily="34" charset="0"/>
+              <a:buChar char="•"/>
+            </a:pPr>
+            <a:r>
+              <a:rPr lang="en-IN" b="1" dirty="0" err="1"/>
+              <a:t>avg_session_duration</a:t>
+            </a:r>
+            <a:r>
+              <a:rPr lang="en-IN" dirty="0"/>
+              <a:t> → User interest level</a:t>
+            </a:r>
+          </a:p>
+          <a:p>
+            <a:pPr>
+              <a:buFont typeface="Arial" panose="020B0604020202020204" pitchFamily="34" charset="0"/>
+              <a:buChar char="•"/>
+            </a:pPr>
+            <a:r>
+              <a:rPr lang="en-IN" b="1" dirty="0" err="1"/>
+              <a:t>daily_active_minutes</a:t>
+            </a:r>
+            <a:r>
+              <a:rPr lang="en-IN" dirty="0"/>
+              <a:t> → Engagement strength</a:t>
+            </a:r>
+          </a:p>
+          <a:p>
+            <a:pPr>
+              <a:buFont typeface="Arial" panose="020B0604020202020204" pitchFamily="34" charset="0"/>
+              <a:buChar char="•"/>
+            </a:pPr>
+            <a:r>
+              <a:rPr lang="en-IN" b="1" dirty="0" err="1"/>
+              <a:t>days_since_last_login</a:t>
+            </a:r>
+            <a:r>
+              <a:rPr lang="en-IN" dirty="0"/>
+              <a:t> → Inactivity signal</a:t>
+            </a:r>
+          </a:p>
+          <a:p>
+            <a:pPr>
+              <a:buFont typeface="Arial" panose="020B0604020202020204" pitchFamily="34" charset="0"/>
+              <a:buChar char="•"/>
+            </a:pPr>
+            <a:r>
+              <a:rPr lang="en-IN" b="1" dirty="0" err="1"/>
+              <a:t>engagement_score</a:t>
+            </a:r>
+            <a:r>
+              <a:rPr lang="en-IN" dirty="0"/>
+              <a:t> → Overall user health</a:t>
+            </a:r>
+          </a:p>
+          <a:p>
+            <a:pPr>
+              <a:buFont typeface="Arial" panose="020B0604020202020204" pitchFamily="34" charset="0"/>
+              <a:buChar char="•"/>
+            </a:pPr>
+            <a:r>
+              <a:rPr lang="en-IN" b="1" dirty="0" err="1"/>
+              <a:t>churn_risk_score</a:t>
+            </a:r>
+            <a:r>
+              <a:rPr lang="en-IN" dirty="0"/>
+              <a:t> → Exit probability</a:t>
+            </a:r>
+          </a:p>
+          <a:p>
+            <a:pPr>
+              <a:buFont typeface="Arial" panose="020B0604020202020204" pitchFamily="34" charset="0"/>
+              <a:buChar char="•"/>
+            </a:pPr>
+            <a:r>
+              <a:rPr lang="en-IN" b="1" dirty="0" err="1"/>
+              <a:t>crash_events</a:t>
+            </a:r>
+            <a:r>
+              <a:rPr lang="en-IN" b="1" dirty="0"/>
+              <a:t> &amp; </a:t>
+            </a:r>
+            <a:r>
+              <a:rPr lang="en-IN" b="1" dirty="0" err="1"/>
+              <a:t>support_tickets</a:t>
+            </a:r>
+            <a:r>
+              <a:rPr lang="en-IN" dirty="0"/>
+              <a:t> → User experience issues</a:t>
+            </a:r>
+          </a:p>
+          <a:p>
+            <a:pPr>
+              <a:buNone/>
+            </a:pPr>
+            <a:r>
+              <a:rPr lang="en-IN" dirty="0"/>
+              <a:t>👉 These features directly affect:</a:t>
+            </a:r>
+          </a:p>
+          <a:p>
+            <a:pPr>
+              <a:buFont typeface="Arial" panose="020B0604020202020204" pitchFamily="34" charset="0"/>
+              <a:buChar char="•"/>
+            </a:pPr>
+            <a:r>
+              <a:rPr lang="en-IN" dirty="0"/>
+              <a:t>Retention</a:t>
+            </a:r>
+          </a:p>
+          <a:p>
+            <a:pPr>
+              <a:buFont typeface="Arial" panose="020B0604020202020204" pitchFamily="34" charset="0"/>
+              <a:buChar char="•"/>
+            </a:pPr>
+            <a:r>
+              <a:rPr lang="en-IN" dirty="0"/>
+              <a:t>Engagement</a:t>
+            </a:r>
+          </a:p>
+          <a:p>
+            <a:pPr>
+              <a:buFont typeface="Arial" panose="020B0604020202020204" pitchFamily="34" charset="0"/>
+              <a:buChar char="•"/>
+            </a:pPr>
+            <a:r>
+              <a:rPr lang="en-IN" dirty="0"/>
+              <a:t>Customer satisfaction</a:t>
+            </a:r>
+          </a:p>
+        </p:txBody>
+      </p:sp>
+    </p:spTree>
+    <p:extLst>
+      <p:ext uri="{BB962C8B-B14F-4D97-AF65-F5344CB8AC3E}">
+        <p14:creationId xmlns:p14="http://schemas.microsoft.com/office/powerpoint/2010/main" val="2174680020"/>
+      </p:ext>
+    </p:extLst>
+  </p:cSld>
+  <p:clrMapOvr>
+    <a:masterClrMapping/>
+  </p:clrMapOvr>
+</p:sld>
+</file>
+
+<file path=ppt/slides/slide8.xml><?xml version="1.0" encoding="utf-8"?>
+<p:sld xmlns:a="http://schemas.openxmlformats.org/drawingml/2006/main" xmlns:r="http://schemas.openxmlformats.org/officeDocument/2006/relationships" xmlns:p="http://schemas.openxmlformats.org/presentationml/2006/main">
+  <p:cSld>
+    <p:spTree>
+      <p:nvGrpSpPr>
+        <p:cNvPr id="1" name=""/>
+        <p:cNvGrpSpPr/>
+        <p:nvPr/>
+      </p:nvGrpSpPr>
+      <p:grpSpPr>
+        <a:xfrm>
+          <a:off x="0" y="0"/>
+          <a:ext cx="0" cy="0"/>
+          <a:chOff x="0" y="0"/>
+          <a:chExt cx="0" cy="0"/>
+        </a:xfrm>
+      </p:grpSpPr>
+      <p:sp>
+        <p:nvSpPr>
+          <p:cNvPr id="3" name="TextBox 2">
+            <a:extLst>
+              <a:ext uri="{FF2B5EF4-FFF2-40B4-BE49-F238E27FC236}">
+                <a16:creationId xmlns:a16="http://schemas.microsoft.com/office/drawing/2014/main" id="{DEDBA4EA-0DDD-0AED-75B7-AD0820945249}"/>
+              </a:ext>
+            </a:extLst>
+          </p:cNvPr>
+          <p:cNvSpPr txBox="1"/>
+          <p:nvPr/>
+        </p:nvSpPr>
+        <p:spPr>
+          <a:xfrm>
+            <a:off x="2064773" y="1465006"/>
+            <a:ext cx="8180439" cy="2031325"/>
+          </a:xfrm>
+          <a:prstGeom prst="rect">
+            <a:avLst/>
+          </a:prstGeom>
+          <a:noFill/>
+        </p:spPr>
+        <p:txBody>
+          <a:bodyPr wrap="square">
+            <a:spAutoFit/>
+          </a:bodyPr>
+          <a:lstStyle/>
+          <a:p>
+            <a:pPr>
+              <a:buNone/>
+            </a:pPr>
+            <a:r>
+              <a:rPr lang="en-IN" b="1" dirty="0"/>
+              <a:t>6️⃣ EDA (Exploratory Data Analysis)</a:t>
+            </a:r>
+          </a:p>
+          <a:p>
+            <a:pPr>
+              <a:buNone/>
+            </a:pPr>
+            <a:r>
+              <a:rPr lang="en-IN" dirty="0"/>
+              <a:t>During EDA:</a:t>
+            </a:r>
+          </a:p>
+          <a:p>
+            <a:pPr>
+              <a:buFont typeface="Arial" panose="020B0604020202020204" pitchFamily="34" charset="0"/>
+              <a:buChar char="•"/>
+            </a:pPr>
+            <a:r>
+              <a:rPr lang="en-IN" dirty="0"/>
+              <a:t>Checked missing values and outliers</a:t>
+            </a:r>
+          </a:p>
+          <a:p>
+            <a:pPr>
+              <a:buFont typeface="Arial" panose="020B0604020202020204" pitchFamily="34" charset="0"/>
+              <a:buChar char="•"/>
+            </a:pPr>
+            <a:r>
+              <a:rPr lang="en-IN" dirty="0" err="1"/>
+              <a:t>Analyzed</a:t>
+            </a:r>
+            <a:r>
+              <a:rPr lang="en-IN" dirty="0"/>
+              <a:t> distribution of engagement &amp; churn</a:t>
+            </a:r>
+          </a:p>
+          <a:p>
+            <a:pPr>
+              <a:buFont typeface="Arial" panose="020B0604020202020204" pitchFamily="34" charset="0"/>
+              <a:buChar char="•"/>
+            </a:pPr>
+            <a:r>
+              <a:rPr lang="en-IN" dirty="0"/>
+              <a:t>Observed correlations between usage and churn</a:t>
+            </a:r>
+          </a:p>
+          <a:p>
+            <a:pPr>
+              <a:buFont typeface="Arial" panose="020B0604020202020204" pitchFamily="34" charset="0"/>
+              <a:buChar char="•"/>
+            </a:pPr>
+            <a:r>
+              <a:rPr lang="en-IN" dirty="0"/>
+              <a:t>Identified imbalance in user </a:t>
+            </a:r>
+            <a:r>
+              <a:rPr lang="en-IN" dirty="0" err="1"/>
+              <a:t>behavior</a:t>
+            </a:r>
+            <a:r>
+              <a:rPr lang="en-IN" dirty="0"/>
+              <a:t> patterns</a:t>
+            </a:r>
+          </a:p>
+          <a:p>
+            <a:pPr>
+              <a:buNone/>
+            </a:pPr>
+            <a:r>
+              <a:rPr lang="en-IN" dirty="0"/>
+              <a:t>📌 </a:t>
+            </a:r>
+            <a:r>
+              <a:rPr lang="en-IN" b="1" dirty="0"/>
+              <a:t>EDA helped understand which features influence churn </a:t>
+            </a:r>
+            <a:r>
+              <a:rPr lang="en-IN" b="1" dirty="0" err="1"/>
+              <a:t>behavior</a:t>
+            </a:r>
+            <a:endParaRPr lang="en-IN" dirty="0"/>
+          </a:p>
+        </p:txBody>
+      </p:sp>
+    </p:spTree>
+    <p:extLst>
+      <p:ext uri="{BB962C8B-B14F-4D97-AF65-F5344CB8AC3E}">
+        <p14:creationId xmlns:p14="http://schemas.microsoft.com/office/powerpoint/2010/main" val="1596436353"/>
+      </p:ext>
+    </p:extLst>
+  </p:cSld>
+  <p:clrMapOvr>
+    <a:masterClrMapping/>
+  </p:clrMapOvr>
+</p:sld>
+</file>
+
+<file path=ppt/slides/slide9.xml><?xml version="1.0" encoding="utf-8"?>
+<p:sld xmlns:a="http://schemas.openxmlformats.org/drawingml/2006/main" xmlns:r="http://schemas.openxmlformats.org/officeDocument/2006/relationships" xmlns:p="http://schemas.openxmlformats.org/presentationml/2006/main">
+  <p:cSld>
+    <p:spTree>
+      <p:nvGrpSpPr>
+        <p:cNvPr id="1" name=""/>
+        <p:cNvGrpSpPr/>
+        <p:nvPr/>
+      </p:nvGrpSpPr>
+      <p:grpSpPr>
+        <a:xfrm>
+          <a:off x="0" y="0"/>
+          <a:ext cx="0" cy="0"/>
+          <a:chOff x="0" y="0"/>
+          <a:chExt cx="0" cy="0"/>
+        </a:xfrm>
+      </p:grpSpPr>
+      <p:sp>
+        <p:nvSpPr>
+          <p:cNvPr id="3" name="TextBox 2">
+            <a:extLst>
+              <a:ext uri="{FF2B5EF4-FFF2-40B4-BE49-F238E27FC236}">
+                <a16:creationId xmlns:a16="http://schemas.microsoft.com/office/drawing/2014/main" id="{97AB6E3A-830D-431A-9756-F77E71D74EC9}"/>
+              </a:ext>
+            </a:extLst>
+          </p:cNvPr>
+          <p:cNvSpPr txBox="1"/>
+          <p:nvPr/>
+        </p:nvSpPr>
+        <p:spPr>
+          <a:xfrm>
+            <a:off x="1061884" y="833650"/>
+            <a:ext cx="8524568" cy="1477328"/>
+          </a:xfrm>
+          <a:prstGeom prst="rect">
+            <a:avLst/>
+          </a:prstGeom>
+          <a:noFill/>
+        </p:spPr>
+        <p:txBody>
+          <a:bodyPr wrap="square">
+            <a:spAutoFit/>
+          </a:bodyPr>
+          <a:lstStyle/>
+          <a:p>
+            <a:pPr>
+              <a:buNone/>
+            </a:pPr>
+            <a:r>
+              <a:rPr lang="en-US" b="1" dirty="0"/>
+              <a:t>7️⃣ Key Insights from EDA</a:t>
+            </a:r>
+          </a:p>
+          <a:p>
+            <a:pPr>
+              <a:buFont typeface="Arial" panose="020B0604020202020204" pitchFamily="34" charset="0"/>
+              <a:buChar char="•"/>
+            </a:pPr>
+            <a:r>
+              <a:rPr lang="en-US" dirty="0"/>
+              <a:t>Users with low session frequency tend to have higher churn risk</a:t>
+            </a:r>
+          </a:p>
+          <a:p>
+            <a:pPr>
+              <a:buFont typeface="Arial" panose="020B0604020202020204" pitchFamily="34" charset="0"/>
+              <a:buChar char="•"/>
+            </a:pPr>
+            <a:r>
+              <a:rPr lang="en-US" dirty="0"/>
+              <a:t>Long inactivity strongly correlates with churn</a:t>
+            </a:r>
+          </a:p>
+          <a:p>
+            <a:pPr>
+              <a:buFont typeface="Arial" panose="020B0604020202020204" pitchFamily="34" charset="0"/>
+              <a:buChar char="•"/>
+            </a:pPr>
+            <a:r>
+              <a:rPr lang="en-US" dirty="0"/>
+              <a:t>App crashes increase support tickets and churn probability</a:t>
+            </a:r>
+          </a:p>
+          <a:p>
+            <a:pPr>
+              <a:buFont typeface="Arial" panose="020B0604020202020204" pitchFamily="34" charset="0"/>
+              <a:buChar char="•"/>
+            </a:pPr>
+            <a:r>
+              <a:rPr lang="en-US" dirty="0"/>
+              <a:t>Engagement score decreases before churn happens</a:t>
+            </a:r>
+          </a:p>
+        </p:txBody>
+      </p:sp>
+      <p:sp>
+        <p:nvSpPr>
+          <p:cNvPr id="5" name="TextBox 4">
+            <a:extLst>
+              <a:ext uri="{FF2B5EF4-FFF2-40B4-BE49-F238E27FC236}">
+                <a16:creationId xmlns:a16="http://schemas.microsoft.com/office/drawing/2014/main" id="{8F2088AB-5F02-3DA8-1458-C77628F42B3D}"/>
+              </a:ext>
+            </a:extLst>
+          </p:cNvPr>
+          <p:cNvSpPr txBox="1"/>
+          <p:nvPr/>
+        </p:nvSpPr>
+        <p:spPr>
+          <a:xfrm>
+            <a:off x="1170039" y="2413252"/>
+            <a:ext cx="8927690" cy="2862322"/>
+          </a:xfrm>
+          <a:prstGeom prst="rect">
+            <a:avLst/>
+          </a:prstGeom>
+          <a:noFill/>
+        </p:spPr>
+        <p:txBody>
+          <a:bodyPr wrap="square">
+            <a:spAutoFit/>
+          </a:bodyPr>
+          <a:lstStyle/>
+          <a:p>
+            <a:pPr>
+              <a:buNone/>
+            </a:pPr>
+            <a:r>
+              <a:rPr lang="en-IN" b="1" dirty="0"/>
+              <a:t>8️⃣ Machine Learning Model Used</a:t>
+            </a:r>
+          </a:p>
+          <a:p>
+            <a:pPr>
+              <a:buNone/>
+            </a:pPr>
+            <a:r>
+              <a:rPr lang="en-IN" b="1" dirty="0"/>
+              <a:t>🔹 Model: K-Means Clustering</a:t>
+            </a:r>
+          </a:p>
+          <a:p>
+            <a:pPr>
+              <a:buFont typeface="Arial" panose="020B0604020202020204" pitchFamily="34" charset="0"/>
+              <a:buChar char="•"/>
+            </a:pPr>
+            <a:r>
+              <a:rPr lang="en-IN" dirty="0"/>
+              <a:t>Unsupervised (no target labels)</a:t>
+            </a:r>
+          </a:p>
+          <a:p>
+            <a:pPr>
+              <a:buFont typeface="Arial" panose="020B0604020202020204" pitchFamily="34" charset="0"/>
+              <a:buChar char="•"/>
+            </a:pPr>
+            <a:r>
+              <a:rPr lang="en-IN" dirty="0"/>
+              <a:t>Groups users based on </a:t>
+            </a:r>
+            <a:r>
+              <a:rPr lang="en-IN" dirty="0" err="1"/>
+              <a:t>behavioral</a:t>
+            </a:r>
+            <a:r>
+              <a:rPr lang="en-IN" dirty="0"/>
+              <a:t> similarity</a:t>
+            </a:r>
+          </a:p>
+          <a:p>
+            <a:pPr>
+              <a:buFont typeface="Arial" panose="020B0604020202020204" pitchFamily="34" charset="0"/>
+              <a:buChar char="•"/>
+            </a:pPr>
+            <a:r>
+              <a:rPr lang="en-IN" dirty="0"/>
+              <a:t>Optimal clusters found using </a:t>
+            </a:r>
+            <a:r>
+              <a:rPr lang="en-IN" b="1" dirty="0"/>
+              <a:t>Elbow Method</a:t>
+            </a:r>
+            <a:endParaRPr lang="en-IN" dirty="0"/>
+          </a:p>
+          <a:p>
+            <a:pPr>
+              <a:buNone/>
+            </a:pPr>
+            <a:r>
+              <a:rPr lang="en-IN" b="1" dirty="0"/>
+              <a:t>Output:</a:t>
+            </a:r>
+          </a:p>
+          <a:p>
+            <a:pPr>
+              <a:buFont typeface="Arial" panose="020B0604020202020204" pitchFamily="34" charset="0"/>
+              <a:buChar char="•"/>
+            </a:pPr>
+            <a:r>
+              <a:rPr lang="en-IN" dirty="0"/>
+              <a:t>Cluster 0: Stable users</a:t>
+            </a:r>
+          </a:p>
+          <a:p>
+            <a:pPr>
+              <a:buFont typeface="Arial" panose="020B0604020202020204" pitchFamily="34" charset="0"/>
+              <a:buChar char="•"/>
+            </a:pPr>
+            <a:r>
+              <a:rPr lang="en-IN" dirty="0"/>
+              <a:t>Cluster 1: Moderate users</a:t>
+            </a:r>
+          </a:p>
+          <a:p>
+            <a:pPr>
+              <a:buFont typeface="Arial" panose="020B0604020202020204" pitchFamily="34" charset="0"/>
+              <a:buChar char="•"/>
+            </a:pPr>
+            <a:r>
+              <a:rPr lang="en-IN" dirty="0"/>
+              <a:t>Cluster 2: At-risk users</a:t>
+            </a:r>
+          </a:p>
+          <a:p>
+            <a:pPr>
+              <a:buFont typeface="Arial" panose="020B0604020202020204" pitchFamily="34" charset="0"/>
+              <a:buChar char="•"/>
+            </a:pPr>
+            <a:r>
+              <a:rPr lang="en-IN" dirty="0"/>
+              <a:t>Cluster 3: Low-engagement users</a:t>
+            </a:r>
+          </a:p>
+        </p:txBody>
+      </p:sp>
+    </p:spTree>
+    <p:extLst>
+      <p:ext uri="{BB962C8B-B14F-4D97-AF65-F5344CB8AC3E}">
+        <p14:creationId xmlns:p14="http://schemas.microsoft.com/office/powerpoint/2010/main" val="767869433"/>
       </p:ext>
     </p:extLst>
   </p:cSld>
